--- a/slides.pptx
+++ b/slides.pptx
@@ -5,7 +5,7 @@
     <p:sldMasterId id="2147483648" r:id="rId1"/>
   </p:sldMasterIdLst>
   <p:notesMasterIdLst>
-    <p:notesMasterId r:id="rId10"/>
+    <p:notesMasterId r:id="rId32"/>
   </p:notesMasterIdLst>
   <p:sldIdLst>
     <p:sldId id="256" r:id="rId2"/>
@@ -13,9 +13,31 @@
     <p:sldId id="260" r:id="rId4"/>
     <p:sldId id="259" r:id="rId5"/>
     <p:sldId id="261" r:id="rId6"/>
-    <p:sldId id="262" r:id="rId7"/>
-    <p:sldId id="257" r:id="rId8"/>
-    <p:sldId id="263" r:id="rId9"/>
+    <p:sldId id="266" r:id="rId7"/>
+    <p:sldId id="262" r:id="rId8"/>
+    <p:sldId id="265" r:id="rId9"/>
+    <p:sldId id="264" r:id="rId10"/>
+    <p:sldId id="268" r:id="rId11"/>
+    <p:sldId id="267" r:id="rId12"/>
+    <p:sldId id="269" r:id="rId13"/>
+    <p:sldId id="273" r:id="rId14"/>
+    <p:sldId id="286" r:id="rId15"/>
+    <p:sldId id="272" r:id="rId16"/>
+    <p:sldId id="274" r:id="rId17"/>
+    <p:sldId id="280" r:id="rId18"/>
+    <p:sldId id="275" r:id="rId19"/>
+    <p:sldId id="276" r:id="rId20"/>
+    <p:sldId id="278" r:id="rId21"/>
+    <p:sldId id="279" r:id="rId22"/>
+    <p:sldId id="281" r:id="rId23"/>
+    <p:sldId id="282" r:id="rId24"/>
+    <p:sldId id="287" r:id="rId25"/>
+    <p:sldId id="277" r:id="rId26"/>
+    <p:sldId id="283" r:id="rId27"/>
+    <p:sldId id="284" r:id="rId28"/>
+    <p:sldId id="257" r:id="rId29"/>
+    <p:sldId id="285" r:id="rId30"/>
+    <p:sldId id="271" r:id="rId31"/>
   </p:sldIdLst>
   <p:sldSz cx="9144000" cy="6858000" type="screen4x3"/>
   <p:notesSz cx="6858000" cy="9144000"/>
@@ -199,7 +221,8 @@
           <a:p>
             <a:fld id="{69763DD0-D06F-4FC5-AEEE-3886322BB3E7}" type="datetimeFigureOut">
               <a:rPr lang="es-ES" smtClean="0"/>
-              <a:t>27/11/2015</a:t>
+              <a:pPr/>
+              <a:t>30/11/2015</a:t>
             </a:fld>
             <a:endParaRPr lang="es-ES"/>
           </a:p>
@@ -360,6 +383,7 @@
           <a:p>
             <a:fld id="{9F95C2AF-E922-49EB-BA82-5B9EA37B3E2D}" type="slidenum">
               <a:rPr lang="es-ES" smtClean="0"/>
+              <a:pPr/>
               <a:t>‹Nº›</a:t>
             </a:fld>
             <a:endParaRPr lang="es-ES"/>
@@ -511,7 +535,7 @@
           <a:lstStyle/>
           <a:p>
             <a:r>
-              <a:rPr lang="en-US" sz="1200" b="0" i="0" kern="1200" dirty="0" smtClean="0">
+              <a:rPr lang="en-US" sz="1200" b="0" i="0" kern="1200" smtClean="0">
                 <a:solidFill>
                   <a:schemeClr val="tx1"/>
                 </a:solidFill>
@@ -522,7 +546,7 @@
               <a:t>IATE project was launched in 1999 with the objective of providing a web-based infrastructure for all EU terminology resources, enhancing the availability and </a:t>
             </a:r>
             <a:r>
-              <a:rPr lang="en-US" sz="1200" b="0" i="0" kern="1200" dirty="0" err="1" smtClean="0">
+              <a:rPr lang="en-US" sz="1200" b="0" i="0" kern="1200" err="1" smtClean="0">
                 <a:solidFill>
                   <a:schemeClr val="tx1"/>
                 </a:solidFill>
@@ -533,7 +557,7 @@
               <a:t>standardisation</a:t>
             </a:r>
             <a:r>
-              <a:rPr lang="en-US" sz="1200" b="0" i="0" kern="1200" dirty="0" smtClean="0">
+              <a:rPr lang="en-US" sz="1200" b="0" i="0" kern="1200" smtClean="0">
                 <a:solidFill>
                   <a:schemeClr val="tx1"/>
                 </a:solidFill>
@@ -546,7 +570,7 @@
           </a:p>
           <a:p>
             <a:r>
-              <a:rPr lang="en-US" sz="1200" b="0" i="0" kern="1200" dirty="0" smtClean="0">
+              <a:rPr lang="en-US" sz="1200" b="0" i="0" kern="1200" smtClean="0">
                 <a:solidFill>
                   <a:schemeClr val="tx1"/>
                 </a:solidFill>
@@ -557,7 +581,7 @@
               <a:t>IATE incorporates all of the existing terminology databases of the EU’s translation services into a single new, highly interactive and accessible </a:t>
             </a:r>
             <a:r>
-              <a:rPr lang="en-US" sz="1200" b="0" i="0" kern="1200" dirty="0" err="1" smtClean="0">
+              <a:rPr lang="en-US" sz="1200" b="0" i="0" kern="1200" err="1" smtClean="0">
                 <a:solidFill>
                   <a:schemeClr val="tx1"/>
                 </a:solidFill>
@@ -568,7 +592,7 @@
               <a:t>interinstitutional</a:t>
             </a:r>
             <a:r>
-              <a:rPr lang="en-US" sz="1200" b="0" i="0" kern="1200" dirty="0" smtClean="0">
+              <a:rPr lang="en-US" sz="1200" b="0" i="0" kern="1200" smtClean="0">
                 <a:solidFill>
                   <a:schemeClr val="tx1"/>
                 </a:solidFill>
@@ -581,7 +605,7 @@
           </a:p>
           <a:p>
             <a:r>
-              <a:rPr lang="en-US" sz="1200" b="0" i="0" kern="1200" dirty="0" err="1" smtClean="0">
+              <a:rPr lang="en-US" sz="1200" b="0" i="0" kern="1200" err="1" smtClean="0">
                 <a:solidFill>
                   <a:schemeClr val="tx1"/>
                 </a:solidFill>
@@ -592,7 +616,7 @@
               <a:t>Eurodicautom</a:t>
             </a:r>
             <a:r>
-              <a:rPr lang="en-US" sz="1200" b="0" i="0" kern="1200" dirty="0" smtClean="0">
+              <a:rPr lang="en-US" sz="1200" b="0" i="0" kern="1200" smtClean="0">
                 <a:solidFill>
                   <a:schemeClr val="tx1"/>
                 </a:solidFill>
@@ -605,7 +629,7 @@
           </a:p>
           <a:p>
             <a:r>
-              <a:rPr lang="en-US" sz="1200" b="0" i="0" kern="1200" dirty="0" smtClean="0">
+              <a:rPr lang="en-US" sz="1200" b="0" i="0" kern="1200" smtClean="0">
                 <a:solidFill>
                   <a:schemeClr val="tx1"/>
                 </a:solidFill>
@@ -618,7 +642,7 @@
           </a:p>
           <a:p>
             <a:r>
-              <a:rPr lang="en-US" sz="1200" b="0" i="0" kern="1200" dirty="0" err="1" smtClean="0">
+              <a:rPr lang="en-US" sz="1200" b="0" i="0" kern="1200" err="1" smtClean="0">
                 <a:solidFill>
                   <a:schemeClr val="tx1"/>
                 </a:solidFill>
@@ -629,7 +653,7 @@
               <a:t>Euterpe</a:t>
             </a:r>
             <a:r>
-              <a:rPr lang="en-US" sz="1200" b="0" i="0" kern="1200" dirty="0" smtClean="0">
+              <a:rPr lang="en-US" sz="1200" b="0" i="0" kern="1200" smtClean="0">
                 <a:solidFill>
                   <a:schemeClr val="tx1"/>
                 </a:solidFill>
@@ -642,7 +666,7 @@
           </a:p>
           <a:p>
             <a:r>
-              <a:rPr lang="en-US" sz="1200" b="0" i="0" kern="1200" dirty="0" err="1" smtClean="0">
+              <a:rPr lang="en-US" sz="1200" b="0" i="0" kern="1200" err="1" smtClean="0">
                 <a:solidFill>
                   <a:schemeClr val="tx1"/>
                 </a:solidFill>
@@ -653,7 +677,7 @@
               <a:t>Euroterms</a:t>
             </a:r>
             <a:r>
-              <a:rPr lang="en-US" sz="1200" b="0" i="0" kern="1200" dirty="0" smtClean="0">
+              <a:rPr lang="en-US" sz="1200" b="0" i="0" kern="1200" smtClean="0">
                 <a:solidFill>
                   <a:schemeClr val="tx1"/>
                 </a:solidFill>
@@ -666,7 +690,7 @@
           </a:p>
           <a:p>
             <a:r>
-              <a:rPr lang="en-US" sz="1200" b="0" i="0" kern="1200" dirty="0" smtClean="0">
+              <a:rPr lang="en-US" sz="1200" b="0" i="0" kern="1200" smtClean="0">
                 <a:solidFill>
                   <a:schemeClr val="tx1"/>
                 </a:solidFill>
@@ -678,7 +702,7 @@
             </a:r>
           </a:p>
           <a:p>
-            <a:endParaRPr lang="es-ES" dirty="0"/>
+            <a:endParaRPr lang="es-ES"/>
           </a:p>
         </p:txBody>
       </p:sp>
@@ -699,7 +723,551 @@
           <a:p>
             <a:fld id="{9F95C2AF-E922-49EB-BA82-5B9EA37B3E2D}" type="slidenum">
               <a:rPr lang="es-ES" smtClean="0"/>
+              <a:pPr/>
               <a:t>2</a:t>
+            </a:fld>
+            <a:endParaRPr lang="es-ES"/>
+          </a:p>
+        </p:txBody>
+      </p:sp>
+    </p:spTree>
+  </p:cSld>
+  <p:clrMapOvr>
+    <a:masterClrMapping/>
+  </p:clrMapOvr>
+</p:notes>
+</file>
+
+<file path=ppt/notesSlides/notesSlide2.xml><?xml version="1.0" encoding="utf-8"?>
+<p:notes xmlns:a="http://schemas.openxmlformats.org/drawingml/2006/main" xmlns:r="http://schemas.openxmlformats.org/officeDocument/2006/relationships" xmlns:p="http://schemas.openxmlformats.org/presentationml/2006/main">
+  <p:cSld>
+    <p:spTree>
+      <p:nvGrpSpPr>
+        <p:cNvPr id="1" name=""/>
+        <p:cNvGrpSpPr/>
+        <p:nvPr/>
+      </p:nvGrpSpPr>
+      <p:grpSpPr>
+        <a:xfrm>
+          <a:off x="0" y="0"/>
+          <a:ext cx="0" cy="0"/>
+          <a:chOff x="0" y="0"/>
+          <a:chExt cx="0" cy="0"/>
+        </a:xfrm>
+      </p:grpSpPr>
+      <p:sp>
+        <p:nvSpPr>
+          <p:cNvPr id="2" name="1 Marcador de imagen de diapositiva"/>
+          <p:cNvSpPr>
+            <a:spLocks noGrp="1" noRot="1" noChangeAspect="1"/>
+          </p:cNvSpPr>
+          <p:nvPr>
+            <p:ph type="sldImg"/>
+          </p:nvPr>
+        </p:nvSpPr>
+        <p:spPr/>
+      </p:sp>
+      <p:sp>
+        <p:nvSpPr>
+          <p:cNvPr id="3" name="2 Marcador de notas"/>
+          <p:cNvSpPr>
+            <a:spLocks noGrp="1"/>
+          </p:cNvSpPr>
+          <p:nvPr>
+            <p:ph type="body" idx="1"/>
+          </p:nvPr>
+        </p:nvSpPr>
+        <p:spPr/>
+        <p:txBody>
+          <a:bodyPr>
+            <a:normAutofit/>
+          </a:bodyPr>
+          <a:lstStyle/>
+          <a:p>
+            <a:pPr marL="0" marR="0" indent="0" algn="l" defTabSz="914400" rtl="0" eaLnBrk="1" fontAlgn="auto" latinLnBrk="0" hangingPunct="1">
+              <a:lnSpc>
+                <a:spcPct val="100000"/>
+              </a:lnSpc>
+              <a:spcBef>
+                <a:spcPts val="0"/>
+              </a:spcBef>
+              <a:spcAft>
+                <a:spcPts val="0"/>
+              </a:spcAft>
+              <a:buClrTx/>
+              <a:buSzTx/>
+              <a:buFontTx/>
+              <a:buNone/>
+              <a:tabLst/>
+              <a:defRPr/>
+            </a:pPr>
+            <a:r>
+              <a:rPr lang="en-US" smtClean="0"/>
+              <a:t>ISO 25964 "Thesauri and interoperability with other vocabularies"</a:t>
+            </a:r>
+            <a:endParaRPr lang="es-ES" smtClean="0"/>
+          </a:p>
+          <a:p>
+            <a:endParaRPr lang="es-ES"/>
+          </a:p>
+        </p:txBody>
+      </p:sp>
+      <p:sp>
+        <p:nvSpPr>
+          <p:cNvPr id="4" name="3 Marcador de número de diapositiva"/>
+          <p:cNvSpPr>
+            <a:spLocks noGrp="1"/>
+          </p:cNvSpPr>
+          <p:nvPr>
+            <p:ph type="sldNum" sz="quarter" idx="10"/>
+          </p:nvPr>
+        </p:nvSpPr>
+        <p:spPr/>
+        <p:txBody>
+          <a:bodyPr/>
+          <a:lstStyle/>
+          <a:p>
+            <a:fld id="{9F95C2AF-E922-49EB-BA82-5B9EA37B3E2D}" type="slidenum">
+              <a:rPr lang="es-ES" smtClean="0"/>
+              <a:pPr/>
+              <a:t>3</a:t>
+            </a:fld>
+            <a:endParaRPr lang="es-ES"/>
+          </a:p>
+        </p:txBody>
+      </p:sp>
+    </p:spTree>
+  </p:cSld>
+  <p:clrMapOvr>
+    <a:masterClrMapping/>
+  </p:clrMapOvr>
+</p:notes>
+</file>
+
+<file path=ppt/notesSlides/notesSlide3.xml><?xml version="1.0" encoding="utf-8"?>
+<p:notes xmlns:a="http://schemas.openxmlformats.org/drawingml/2006/main" xmlns:r="http://schemas.openxmlformats.org/officeDocument/2006/relationships" xmlns:p="http://schemas.openxmlformats.org/presentationml/2006/main">
+  <p:cSld>
+    <p:spTree>
+      <p:nvGrpSpPr>
+        <p:cNvPr id="1" name=""/>
+        <p:cNvGrpSpPr/>
+        <p:nvPr/>
+      </p:nvGrpSpPr>
+      <p:grpSpPr>
+        <a:xfrm>
+          <a:off x="0" y="0"/>
+          <a:ext cx="0" cy="0"/>
+          <a:chOff x="0" y="0"/>
+          <a:chExt cx="0" cy="0"/>
+        </a:xfrm>
+      </p:grpSpPr>
+      <p:sp>
+        <p:nvSpPr>
+          <p:cNvPr id="2" name="1 Marcador de imagen de diapositiva"/>
+          <p:cNvSpPr>
+            <a:spLocks noGrp="1" noRot="1" noChangeAspect="1"/>
+          </p:cNvSpPr>
+          <p:nvPr>
+            <p:ph type="sldImg"/>
+          </p:nvPr>
+        </p:nvSpPr>
+        <p:spPr/>
+      </p:sp>
+      <p:sp>
+        <p:nvSpPr>
+          <p:cNvPr id="3" name="2 Marcador de notas"/>
+          <p:cNvSpPr>
+            <a:spLocks noGrp="1"/>
+          </p:cNvSpPr>
+          <p:nvPr>
+            <p:ph type="body" idx="1"/>
+          </p:nvPr>
+        </p:nvSpPr>
+        <p:spPr/>
+        <p:txBody>
+          <a:bodyPr>
+            <a:normAutofit/>
+          </a:bodyPr>
+          <a:lstStyle/>
+          <a:p>
+            <a:endParaRPr lang="es-ES"/>
+          </a:p>
+        </p:txBody>
+      </p:sp>
+      <p:sp>
+        <p:nvSpPr>
+          <p:cNvPr id="4" name="3 Marcador de número de diapositiva"/>
+          <p:cNvSpPr>
+            <a:spLocks noGrp="1"/>
+          </p:cNvSpPr>
+          <p:nvPr>
+            <p:ph type="sldNum" sz="quarter" idx="10"/>
+          </p:nvPr>
+        </p:nvSpPr>
+        <p:spPr/>
+        <p:txBody>
+          <a:bodyPr/>
+          <a:lstStyle/>
+          <a:p>
+            <a:fld id="{9F95C2AF-E922-49EB-BA82-5B9EA37B3E2D}" type="slidenum">
+              <a:rPr lang="es-ES" smtClean="0"/>
+              <a:pPr/>
+              <a:t>6</a:t>
+            </a:fld>
+            <a:endParaRPr lang="es-ES"/>
+          </a:p>
+        </p:txBody>
+      </p:sp>
+    </p:spTree>
+  </p:cSld>
+  <p:clrMapOvr>
+    <a:masterClrMapping/>
+  </p:clrMapOvr>
+</p:notes>
+</file>
+
+<file path=ppt/notesSlides/notesSlide4.xml><?xml version="1.0" encoding="utf-8"?>
+<p:notes xmlns:a="http://schemas.openxmlformats.org/drawingml/2006/main" xmlns:r="http://schemas.openxmlformats.org/officeDocument/2006/relationships" xmlns:p="http://schemas.openxmlformats.org/presentationml/2006/main">
+  <p:cSld>
+    <p:spTree>
+      <p:nvGrpSpPr>
+        <p:cNvPr id="1" name=""/>
+        <p:cNvGrpSpPr/>
+        <p:nvPr/>
+      </p:nvGrpSpPr>
+      <p:grpSpPr>
+        <a:xfrm>
+          <a:off x="0" y="0"/>
+          <a:ext cx="0" cy="0"/>
+          <a:chOff x="0" y="0"/>
+          <a:chExt cx="0" cy="0"/>
+        </a:xfrm>
+      </p:grpSpPr>
+      <p:sp>
+        <p:nvSpPr>
+          <p:cNvPr id="2" name="1 Marcador de imagen de diapositiva"/>
+          <p:cNvSpPr>
+            <a:spLocks noGrp="1" noRot="1" noChangeAspect="1"/>
+          </p:cNvSpPr>
+          <p:nvPr>
+            <p:ph type="sldImg"/>
+          </p:nvPr>
+        </p:nvSpPr>
+        <p:spPr/>
+      </p:sp>
+      <p:sp>
+        <p:nvSpPr>
+          <p:cNvPr id="3" name="2 Marcador de notas"/>
+          <p:cNvSpPr>
+            <a:spLocks noGrp="1"/>
+          </p:cNvSpPr>
+          <p:nvPr>
+            <p:ph type="body" idx="1"/>
+          </p:nvPr>
+        </p:nvSpPr>
+        <p:spPr/>
+        <p:txBody>
+          <a:bodyPr>
+            <a:normAutofit/>
+          </a:bodyPr>
+          <a:lstStyle/>
+          <a:p>
+            <a:r>
+              <a:rPr lang="en-US" sz="1200" b="0" i="0" kern="1200" smtClean="0">
+                <a:solidFill>
+                  <a:schemeClr val="tx1"/>
+                </a:solidFill>
+                <a:latin typeface="+mn-lt"/>
+                <a:ea typeface="+mn-ea"/>
+                <a:cs typeface="+mn-cs"/>
+              </a:rPr>
+              <a:t>New knowledge is constructed on the basis of what is already understood and believed.</a:t>
+            </a:r>
+            <a:endParaRPr lang="es-ES"/>
+          </a:p>
+        </p:txBody>
+      </p:sp>
+      <p:sp>
+        <p:nvSpPr>
+          <p:cNvPr id="4" name="3 Marcador de número de diapositiva"/>
+          <p:cNvSpPr>
+            <a:spLocks noGrp="1"/>
+          </p:cNvSpPr>
+          <p:nvPr>
+            <p:ph type="sldNum" sz="quarter" idx="10"/>
+          </p:nvPr>
+        </p:nvSpPr>
+        <p:spPr/>
+        <p:txBody>
+          <a:bodyPr/>
+          <a:lstStyle/>
+          <a:p>
+            <a:fld id="{9F95C2AF-E922-49EB-BA82-5B9EA37B3E2D}" type="slidenum">
+              <a:rPr lang="es-ES" smtClean="0"/>
+              <a:pPr/>
+              <a:t>7</a:t>
+            </a:fld>
+            <a:endParaRPr lang="es-ES"/>
+          </a:p>
+        </p:txBody>
+      </p:sp>
+    </p:spTree>
+  </p:cSld>
+  <p:clrMapOvr>
+    <a:masterClrMapping/>
+  </p:clrMapOvr>
+</p:notes>
+</file>
+
+<file path=ppt/notesSlides/notesSlide5.xml><?xml version="1.0" encoding="utf-8"?>
+<p:notes xmlns:a="http://schemas.openxmlformats.org/drawingml/2006/main" xmlns:r="http://schemas.openxmlformats.org/officeDocument/2006/relationships" xmlns:p="http://schemas.openxmlformats.org/presentationml/2006/main">
+  <p:cSld>
+    <p:spTree>
+      <p:nvGrpSpPr>
+        <p:cNvPr id="1" name=""/>
+        <p:cNvGrpSpPr/>
+        <p:nvPr/>
+      </p:nvGrpSpPr>
+      <p:grpSpPr>
+        <a:xfrm>
+          <a:off x="0" y="0"/>
+          <a:ext cx="0" cy="0"/>
+          <a:chOff x="0" y="0"/>
+          <a:chExt cx="0" cy="0"/>
+        </a:xfrm>
+      </p:grpSpPr>
+      <p:sp>
+        <p:nvSpPr>
+          <p:cNvPr id="2" name="1 Marcador de imagen de diapositiva"/>
+          <p:cNvSpPr>
+            <a:spLocks noGrp="1" noRot="1" noChangeAspect="1"/>
+          </p:cNvSpPr>
+          <p:nvPr>
+            <p:ph type="sldImg"/>
+          </p:nvPr>
+        </p:nvSpPr>
+        <p:spPr/>
+      </p:sp>
+      <p:sp>
+        <p:nvSpPr>
+          <p:cNvPr id="3" name="2 Marcador de notas"/>
+          <p:cNvSpPr>
+            <a:spLocks noGrp="1"/>
+          </p:cNvSpPr>
+          <p:nvPr>
+            <p:ph type="body" idx="1"/>
+          </p:nvPr>
+        </p:nvSpPr>
+        <p:spPr/>
+        <p:txBody>
+          <a:bodyPr>
+            <a:normAutofit/>
+          </a:bodyPr>
+          <a:lstStyle/>
+          <a:p>
+            <a:r>
+              <a:rPr lang="es-ES" smtClean="0"/>
+              <a:t>We take a minimal-risk approach. We do not interpret the contents (but really minimally)</a:t>
+            </a:r>
+            <a:endParaRPr lang="es-ES"/>
+          </a:p>
+        </p:txBody>
+      </p:sp>
+      <p:sp>
+        <p:nvSpPr>
+          <p:cNvPr id="4" name="3 Marcador de número de diapositiva"/>
+          <p:cNvSpPr>
+            <a:spLocks noGrp="1"/>
+          </p:cNvSpPr>
+          <p:nvPr>
+            <p:ph type="sldNum" sz="quarter" idx="10"/>
+          </p:nvPr>
+        </p:nvSpPr>
+        <p:spPr/>
+        <p:txBody>
+          <a:bodyPr/>
+          <a:lstStyle/>
+          <a:p>
+            <a:fld id="{9F95C2AF-E922-49EB-BA82-5B9EA37B3E2D}" type="slidenum">
+              <a:rPr lang="es-ES" smtClean="0"/>
+              <a:pPr/>
+              <a:t>16</a:t>
+            </a:fld>
+            <a:endParaRPr lang="es-ES"/>
+          </a:p>
+        </p:txBody>
+      </p:sp>
+    </p:spTree>
+  </p:cSld>
+  <p:clrMapOvr>
+    <a:masterClrMapping/>
+  </p:clrMapOvr>
+</p:notes>
+</file>
+
+<file path=ppt/notesSlides/notesSlide6.xml><?xml version="1.0" encoding="utf-8"?>
+<p:notes xmlns:a="http://schemas.openxmlformats.org/drawingml/2006/main" xmlns:r="http://schemas.openxmlformats.org/officeDocument/2006/relationships" xmlns:p="http://schemas.openxmlformats.org/presentationml/2006/main">
+  <p:cSld>
+    <p:spTree>
+      <p:nvGrpSpPr>
+        <p:cNvPr id="1" name=""/>
+        <p:cNvGrpSpPr/>
+        <p:nvPr/>
+      </p:nvGrpSpPr>
+      <p:grpSpPr>
+        <a:xfrm>
+          <a:off x="0" y="0"/>
+          <a:ext cx="0" cy="0"/>
+          <a:chOff x="0" y="0"/>
+          <a:chExt cx="0" cy="0"/>
+        </a:xfrm>
+      </p:grpSpPr>
+      <p:sp>
+        <p:nvSpPr>
+          <p:cNvPr id="2" name="1 Marcador de imagen de diapositiva"/>
+          <p:cNvSpPr>
+            <a:spLocks noGrp="1" noRot="1" noChangeAspect="1"/>
+          </p:cNvSpPr>
+          <p:nvPr>
+            <p:ph type="sldImg"/>
+          </p:nvPr>
+        </p:nvSpPr>
+        <p:spPr/>
+      </p:sp>
+      <p:sp>
+        <p:nvSpPr>
+          <p:cNvPr id="3" name="2 Marcador de notas"/>
+          <p:cNvSpPr>
+            <a:spLocks noGrp="1"/>
+          </p:cNvSpPr>
+          <p:nvPr>
+            <p:ph type="body" idx="1"/>
+          </p:nvPr>
+        </p:nvSpPr>
+        <p:spPr/>
+        <p:txBody>
+          <a:bodyPr>
+            <a:normAutofit/>
+          </a:bodyPr>
+          <a:lstStyle/>
+          <a:p>
+            <a:r>
+              <a:rPr lang="es-ES" smtClean="0"/>
+              <a:t>We take a minimal-risk approach. We do not interpret the contents (but really minimally)</a:t>
+            </a:r>
+            <a:endParaRPr lang="es-ES"/>
+          </a:p>
+        </p:txBody>
+      </p:sp>
+      <p:sp>
+        <p:nvSpPr>
+          <p:cNvPr id="4" name="3 Marcador de número de diapositiva"/>
+          <p:cNvSpPr>
+            <a:spLocks noGrp="1"/>
+          </p:cNvSpPr>
+          <p:nvPr>
+            <p:ph type="sldNum" sz="quarter" idx="10"/>
+          </p:nvPr>
+        </p:nvSpPr>
+        <p:spPr/>
+        <p:txBody>
+          <a:bodyPr/>
+          <a:lstStyle/>
+          <a:p>
+            <a:fld id="{9F95C2AF-E922-49EB-BA82-5B9EA37B3E2D}" type="slidenum">
+              <a:rPr lang="es-ES" smtClean="0"/>
+              <a:pPr/>
+              <a:t>17</a:t>
+            </a:fld>
+            <a:endParaRPr lang="es-ES"/>
+          </a:p>
+        </p:txBody>
+      </p:sp>
+    </p:spTree>
+  </p:cSld>
+  <p:clrMapOvr>
+    <a:masterClrMapping/>
+  </p:clrMapOvr>
+</p:notes>
+</file>
+
+<file path=ppt/notesSlides/notesSlide7.xml><?xml version="1.0" encoding="utf-8"?>
+<p:notes xmlns:a="http://schemas.openxmlformats.org/drawingml/2006/main" xmlns:r="http://schemas.openxmlformats.org/officeDocument/2006/relationships" xmlns:p="http://schemas.openxmlformats.org/presentationml/2006/main">
+  <p:cSld>
+    <p:spTree>
+      <p:nvGrpSpPr>
+        <p:cNvPr id="1" name=""/>
+        <p:cNvGrpSpPr/>
+        <p:nvPr/>
+      </p:nvGrpSpPr>
+      <p:grpSpPr>
+        <a:xfrm>
+          <a:off x="0" y="0"/>
+          <a:ext cx="0" cy="0"/>
+          <a:chOff x="0" y="0"/>
+          <a:chExt cx="0" cy="0"/>
+        </a:xfrm>
+      </p:grpSpPr>
+      <p:sp>
+        <p:nvSpPr>
+          <p:cNvPr id="2" name="1 Marcador de imagen de diapositiva"/>
+          <p:cNvSpPr>
+            <a:spLocks noGrp="1" noRot="1" noChangeAspect="1"/>
+          </p:cNvSpPr>
+          <p:nvPr>
+            <p:ph type="sldImg"/>
+          </p:nvPr>
+        </p:nvSpPr>
+        <p:spPr/>
+      </p:sp>
+      <p:sp>
+        <p:nvSpPr>
+          <p:cNvPr id="3" name="2 Marcador de notas"/>
+          <p:cNvSpPr>
+            <a:spLocks noGrp="1"/>
+          </p:cNvSpPr>
+          <p:nvPr>
+            <p:ph type="body" idx="1"/>
+          </p:nvPr>
+        </p:nvSpPr>
+        <p:spPr/>
+        <p:txBody>
+          <a:bodyPr>
+            <a:normAutofit/>
+          </a:bodyPr>
+          <a:lstStyle/>
+          <a:p>
+            <a:r>
+              <a:rPr lang="es-ES" smtClean="0"/>
+              <a:t>Five hundred copyright-related</a:t>
+            </a:r>
+            <a:r>
+              <a:rPr lang="es-ES" baseline="0" smtClean="0"/>
+              <a:t> concepts</a:t>
+            </a:r>
+            <a:endParaRPr lang="es-ES"/>
+          </a:p>
+        </p:txBody>
+      </p:sp>
+      <p:sp>
+        <p:nvSpPr>
+          <p:cNvPr id="4" name="3 Marcador de número de diapositiva"/>
+          <p:cNvSpPr>
+            <a:spLocks noGrp="1"/>
+          </p:cNvSpPr>
+          <p:nvPr>
+            <p:ph type="sldNum" sz="quarter" idx="10"/>
+          </p:nvPr>
+        </p:nvSpPr>
+        <p:spPr/>
+        <p:txBody>
+          <a:bodyPr/>
+          <a:lstStyle/>
+          <a:p>
+            <a:fld id="{9F95C2AF-E922-49EB-BA82-5B9EA37B3E2D}" type="slidenum">
+              <a:rPr lang="es-ES" smtClean="0"/>
+              <a:pPr/>
+              <a:t>20</a:t>
             </a:fld>
             <a:endParaRPr lang="es-ES"/>
           </a:p>
@@ -892,10 +1460,10 @@
           <a:bodyPr/>
           <a:lstStyle/>
           <a:p>
-            <a:fld id="{7A847CFC-816F-41D0-AAC0-9BF4FEBC753E}" type="datetimeFigureOut">
+            <a:fld id="{77DE5504-64A4-4573-BFBD-1B0DFF1348E0}" type="datetime1">
               <a:rPr lang="es-ES" smtClean="0"/>
               <a:pPr/>
-              <a:t>27/11/2015</a:t>
+              <a:t>30/11/2015</a:t>
             </a:fld>
             <a:endParaRPr lang="es-ES"/>
           </a:p>
@@ -1059,10 +1627,10 @@
           <a:bodyPr/>
           <a:lstStyle/>
           <a:p>
-            <a:fld id="{7A847CFC-816F-41D0-AAC0-9BF4FEBC753E}" type="datetimeFigureOut">
+            <a:fld id="{5B0DA4A2-EF30-4855-BD16-C0F99F809054}" type="datetime1">
               <a:rPr lang="es-ES" smtClean="0"/>
               <a:pPr/>
-              <a:t>27/11/2015</a:t>
+              <a:t>30/11/2015</a:t>
             </a:fld>
             <a:endParaRPr lang="es-ES"/>
           </a:p>
@@ -1236,10 +1804,10 @@
           <a:bodyPr/>
           <a:lstStyle/>
           <a:p>
-            <a:fld id="{7A847CFC-816F-41D0-AAC0-9BF4FEBC753E}" type="datetimeFigureOut">
+            <a:fld id="{D7125239-40BB-463F-AF10-0160EAA745F3}" type="datetime1">
               <a:rPr lang="es-ES" smtClean="0"/>
               <a:pPr/>
-              <a:t>27/11/2015</a:t>
+              <a:t>30/11/2015</a:t>
             </a:fld>
             <a:endParaRPr lang="es-ES"/>
           </a:p>
@@ -1403,10 +1971,10 @@
           <a:bodyPr/>
           <a:lstStyle/>
           <a:p>
-            <a:fld id="{7A847CFC-816F-41D0-AAC0-9BF4FEBC753E}" type="datetimeFigureOut">
+            <a:fld id="{982CA46F-B708-491A-94B6-920FAE839E53}" type="datetime1">
               <a:rPr lang="es-ES" smtClean="0"/>
               <a:pPr/>
-              <a:t>27/11/2015</a:t>
+              <a:t>30/11/2015</a:t>
             </a:fld>
             <a:endParaRPr lang="es-ES"/>
           </a:p>
@@ -1646,10 +2214,10 @@
           <a:bodyPr/>
           <a:lstStyle/>
           <a:p>
-            <a:fld id="{7A847CFC-816F-41D0-AAC0-9BF4FEBC753E}" type="datetimeFigureOut">
+            <a:fld id="{28C2FD2A-D020-4DB6-BB0C-387912ED39D2}" type="datetime1">
               <a:rPr lang="es-ES" smtClean="0"/>
               <a:pPr/>
-              <a:t>27/11/2015</a:t>
+              <a:t>30/11/2015</a:t>
             </a:fld>
             <a:endParaRPr lang="es-ES"/>
           </a:p>
@@ -1931,10 +2499,10 @@
           <a:bodyPr/>
           <a:lstStyle/>
           <a:p>
-            <a:fld id="{7A847CFC-816F-41D0-AAC0-9BF4FEBC753E}" type="datetimeFigureOut">
+            <a:fld id="{DD88B308-AB36-4621-AE68-C6BF33221397}" type="datetime1">
               <a:rPr lang="es-ES" smtClean="0"/>
               <a:pPr/>
-              <a:t>27/11/2015</a:t>
+              <a:t>30/11/2015</a:t>
             </a:fld>
             <a:endParaRPr lang="es-ES"/>
           </a:p>
@@ -2350,10 +2918,10 @@
           <a:bodyPr/>
           <a:lstStyle/>
           <a:p>
-            <a:fld id="{7A847CFC-816F-41D0-AAC0-9BF4FEBC753E}" type="datetimeFigureOut">
+            <a:fld id="{E51ADD83-7CAE-4F61-A637-F04CF7397E5F}" type="datetime1">
               <a:rPr lang="es-ES" smtClean="0"/>
               <a:pPr/>
-              <a:t>27/11/2015</a:t>
+              <a:t>30/11/2015</a:t>
             </a:fld>
             <a:endParaRPr lang="es-ES"/>
           </a:p>
@@ -2465,10 +3033,10 @@
           <a:bodyPr/>
           <a:lstStyle/>
           <a:p>
-            <a:fld id="{7A847CFC-816F-41D0-AAC0-9BF4FEBC753E}" type="datetimeFigureOut">
+            <a:fld id="{4FDFE34E-FC7E-4AAF-B359-B139D7666EB2}" type="datetime1">
               <a:rPr lang="es-ES" smtClean="0"/>
               <a:pPr/>
-              <a:t>27/11/2015</a:t>
+              <a:t>30/11/2015</a:t>
             </a:fld>
             <a:endParaRPr lang="es-ES"/>
           </a:p>
@@ -2557,10 +3125,10 @@
           <a:bodyPr/>
           <a:lstStyle/>
           <a:p>
-            <a:fld id="{7A847CFC-816F-41D0-AAC0-9BF4FEBC753E}" type="datetimeFigureOut">
+            <a:fld id="{222A855A-B13C-4077-A7ED-65DD8DA70A12}" type="datetime1">
               <a:rPr lang="es-ES" smtClean="0"/>
               <a:pPr/>
-              <a:t>27/11/2015</a:t>
+              <a:t>30/11/2015</a:t>
             </a:fld>
             <a:endParaRPr lang="es-ES"/>
           </a:p>
@@ -2831,10 +3399,10 @@
           <a:bodyPr/>
           <a:lstStyle/>
           <a:p>
-            <a:fld id="{7A847CFC-816F-41D0-AAC0-9BF4FEBC753E}" type="datetimeFigureOut">
+            <a:fld id="{78BF934B-1C0E-40A6-8F54-52798E097BD0}" type="datetime1">
               <a:rPr lang="es-ES" smtClean="0"/>
               <a:pPr/>
-              <a:t>27/11/2015</a:t>
+              <a:t>30/11/2015</a:t>
             </a:fld>
             <a:endParaRPr lang="es-ES"/>
           </a:p>
@@ -3081,10 +3649,10 @@
           <a:bodyPr/>
           <a:lstStyle/>
           <a:p>
-            <a:fld id="{7A847CFC-816F-41D0-AAC0-9BF4FEBC753E}" type="datetimeFigureOut">
+            <a:fld id="{ADA26B4A-8970-4AA5-B971-AA7A9023AB15}" type="datetime1">
               <a:rPr lang="es-ES" smtClean="0"/>
               <a:pPr/>
-              <a:t>27/11/2015</a:t>
+              <a:t>30/11/2015</a:t>
             </a:fld>
             <a:endParaRPr lang="es-ES"/>
           </a:p>
@@ -3291,10 +3859,10 @@
             </a:lvl1pPr>
           </a:lstStyle>
           <a:p>
-            <a:fld id="{7A847CFC-816F-41D0-AAC0-9BF4FEBC753E}" type="datetimeFigureOut">
+            <a:fld id="{B25FF510-EEB4-4784-9B46-618197360C9B}" type="datetime1">
               <a:rPr lang="es-ES" smtClean="0"/>
               <a:pPr/>
-              <a:t>27/11/2015</a:t>
+              <a:t>30/11/2015</a:t>
             </a:fld>
             <a:endParaRPr lang="es-ES"/>
           </a:p>
@@ -3395,6 +3963,7 @@
     <p:sldLayoutId id="2147483658" r:id="rId10"/>
     <p:sldLayoutId id="2147483659" r:id="rId11"/>
   </p:sldLayoutIdLst>
+  <p:hf hdr="0" ftr="0" dt="0"/>
   <p:txStyles>
     <p:titleStyle>
       <a:lvl1pPr algn="ctr" defTabSz="914400" rtl="0" eaLnBrk="1" latinLnBrk="0" hangingPunct="1">
@@ -3681,34 +4250,34 @@
           <a:lstStyle/>
           <a:p>
             <a:r>
-              <a:rPr lang="es-ES" dirty="0" err="1" smtClean="0"/>
+              <a:rPr lang="es-ES" err="1" smtClean="0"/>
               <a:t>Term</a:t>
             </a:r>
             <a:r>
-              <a:rPr lang="es-ES" dirty="0" smtClean="0"/>
+              <a:rPr lang="es-ES" smtClean="0"/>
               <a:t> </a:t>
             </a:r>
             <a:r>
-              <a:rPr lang="es-ES" dirty="0" err="1" smtClean="0"/>
+              <a:rPr lang="es-ES" err="1" smtClean="0"/>
               <a:t>bank</a:t>
             </a:r>
             <a:r>
-              <a:rPr lang="es-ES" dirty="0" smtClean="0"/>
+              <a:rPr lang="es-ES" smtClean="0"/>
               <a:t> of copyright-</a:t>
             </a:r>
             <a:r>
-              <a:rPr lang="es-ES" dirty="0" err="1" smtClean="0"/>
+              <a:rPr lang="es-ES" err="1" smtClean="0"/>
               <a:t>related</a:t>
             </a:r>
             <a:r>
-              <a:rPr lang="es-ES" dirty="0" smtClean="0"/>
+              <a:rPr lang="es-ES" smtClean="0"/>
               <a:t> </a:t>
             </a:r>
             <a:r>
-              <a:rPr lang="es-ES" dirty="0" err="1" smtClean="0"/>
+              <a:rPr lang="es-ES" err="1" smtClean="0"/>
               <a:t>concepts</a:t>
             </a:r>
-            <a:endParaRPr lang="es-ES" dirty="0"/>
+            <a:endParaRPr lang="es-ES"/>
           </a:p>
         </p:txBody>
       </p:sp>
@@ -3730,22 +4299,14 @@
           <a:lstStyle/>
           <a:p>
             <a:r>
-              <a:rPr lang="en-US" sz="1600" dirty="0" smtClean="0">
+              <a:rPr lang="en-US" sz="1600" smtClean="0">
                 <a:solidFill>
                   <a:srgbClr val="C00000"/>
                 </a:solidFill>
               </a:rPr>
-              <a:t>JURIX 2015, the 28th International Conference on Legal Knowledge and Information </a:t>
-            </a:r>
-            <a:r>
-              <a:rPr lang="en-US" sz="1600" dirty="0" smtClean="0">
-                <a:solidFill>
-                  <a:srgbClr val="C00000"/>
-                </a:solidFill>
-              </a:rPr>
-              <a:t>System</a:t>
-            </a:r>
-            <a:endParaRPr lang="es-ES" sz="1600" dirty="0" smtClean="0">
+              <a:t>JURIX 2015, the 28th International Conference on Legal Knowledge and Information System</a:t>
+            </a:r>
+            <a:endParaRPr lang="es-ES" sz="1600" smtClean="0">
               <a:solidFill>
                 <a:srgbClr val="C00000"/>
               </a:solidFill>
@@ -3753,7 +4314,7 @@
           </a:p>
           <a:p>
             <a:r>
-              <a:rPr lang="es-ES" sz="1600" dirty="0" smtClean="0">
+              <a:rPr lang="es-ES" sz="1600" smtClean="0">
                 <a:solidFill>
                   <a:schemeClr val="tx1">
                     <a:lumMod val="65000"/>
@@ -3764,7 +4325,7 @@
               <a:t>Víctor RODRIGUEZ-DONCEL, Cristiana SANTOS, </a:t>
             </a:r>
             <a:r>
-              <a:rPr lang="es-ES" sz="1600" dirty="0" err="1" smtClean="0">
+              <a:rPr lang="es-ES" sz="1600" err="1" smtClean="0">
                 <a:solidFill>
                   <a:schemeClr val="tx1">
                     <a:lumMod val="65000"/>
@@ -3775,7 +4336,7 @@
               <a:t>Pompeu</a:t>
             </a:r>
             <a:r>
-              <a:rPr lang="es-ES" sz="1600" dirty="0" smtClean="0">
+              <a:rPr lang="es-ES" sz="1600" smtClean="0">
                 <a:solidFill>
                   <a:schemeClr val="tx1">
                     <a:lumMod val="65000"/>
@@ -3783,10 +4344,12 @@
                   </a:schemeClr>
                 </a:solidFill>
               </a:rPr>
-              <a:t> </a:t>
-            </a:r>
-            <a:r>
-              <a:rPr lang="es-ES" sz="1600" dirty="0" smtClean="0">
+              <a:t> CASANOVAS,</a:t>
+            </a:r>
+          </a:p>
+          <a:p>
+            <a:r>
+              <a:rPr lang="es-ES" sz="1600" smtClean="0">
                 <a:solidFill>
                   <a:schemeClr val="tx1">
                     <a:lumMod val="65000"/>
@@ -3794,66 +4357,12 @@
                   </a:schemeClr>
                 </a:solidFill>
               </a:rPr>
-              <a:t>CASANOVAS,</a:t>
-            </a:r>
-            <a:endParaRPr lang="es-ES" sz="1600" dirty="0" smtClean="0">
-              <a:solidFill>
-                <a:schemeClr val="tx1">
-                  <a:lumMod val="65000"/>
-                  <a:lumOff val="35000"/>
-                </a:schemeClr>
-              </a:solidFill>
-            </a:endParaRPr>
-          </a:p>
-          <a:p>
-            <a:r>
-              <a:rPr lang="es-ES" sz="1600" dirty="0" smtClean="0">
-                <a:solidFill>
-                  <a:schemeClr val="tx1">
-                    <a:lumMod val="65000"/>
-                    <a:lumOff val="35000"/>
-                  </a:schemeClr>
-                </a:solidFill>
-              </a:rPr>
-              <a:t>Asunción </a:t>
-            </a:r>
-            <a:r>
-              <a:rPr lang="es-ES" sz="1600" dirty="0" smtClean="0">
-                <a:solidFill>
-                  <a:schemeClr val="tx1">
-                    <a:lumMod val="65000"/>
-                    <a:lumOff val="35000"/>
-                  </a:schemeClr>
-                </a:solidFill>
-              </a:rPr>
-              <a:t>GÓMEZ-PÉREZ, </a:t>
-            </a:r>
-            <a:r>
-              <a:rPr lang="es-ES" sz="1600" dirty="0" smtClean="0">
-                <a:solidFill>
-                  <a:schemeClr val="tx1">
-                    <a:lumMod val="65000"/>
-                    <a:lumOff val="35000"/>
-                  </a:schemeClr>
-                </a:solidFill>
-              </a:rPr>
-              <a:t>Jorge </a:t>
-            </a:r>
-            <a:r>
-              <a:rPr lang="es-ES" sz="1600" dirty="0" smtClean="0">
-                <a:solidFill>
-                  <a:schemeClr val="tx1">
-                    <a:lumMod val="65000"/>
-                    <a:lumOff val="35000"/>
-                  </a:schemeClr>
-                </a:solidFill>
-              </a:rPr>
-              <a:t>GRACIA</a:t>
-            </a:r>
-          </a:p>
-          <a:p>
-            <a:r>
-              <a:rPr lang="es-ES" sz="1600" dirty="0" err="1" smtClean="0">
+              <a:t>Asunción GÓMEZ-PÉREZ, Jorge GRACIA</a:t>
+            </a:r>
+          </a:p>
+          <a:p>
+            <a:r>
+              <a:rPr lang="es-ES" sz="1600" err="1" smtClean="0">
                 <a:solidFill>
                   <a:schemeClr val="tx1">
                     <a:lumMod val="65000"/>
@@ -3864,7 +4373,7 @@
               <a:t>December</a:t>
             </a:r>
             <a:r>
-              <a:rPr lang="es-ES" sz="1600" dirty="0" smtClean="0">
+              <a:rPr lang="es-ES" sz="1600" smtClean="0">
                 <a:solidFill>
                   <a:schemeClr val="tx1">
                     <a:lumMod val="65000"/>
@@ -3874,6 +4383,3720 @@
               </a:rPr>
               <a:t> 2015</a:t>
             </a:r>
+          </a:p>
+        </p:txBody>
+      </p:sp>
+      <p:sp>
+        <p:nvSpPr>
+          <p:cNvPr id="4" name="3 Marcador de número de diapositiva"/>
+          <p:cNvSpPr>
+            <a:spLocks noGrp="1"/>
+          </p:cNvSpPr>
+          <p:nvPr>
+            <p:ph type="sldNum" sz="quarter" idx="12"/>
+          </p:nvPr>
+        </p:nvSpPr>
+        <p:spPr/>
+        <p:txBody>
+          <a:bodyPr/>
+          <a:lstStyle/>
+          <a:p>
+            <a:fld id="{132FADFE-3B8F-471C-ABF0-DBC7717ECBBC}" type="slidenum">
+              <a:rPr lang="es-ES" smtClean="0"/>
+              <a:pPr/>
+              <a:t>1</a:t>
+            </a:fld>
+            <a:endParaRPr lang="es-ES"/>
+          </a:p>
+        </p:txBody>
+      </p:sp>
+    </p:spTree>
+  </p:cSld>
+  <p:clrMapOvr>
+    <a:masterClrMapping/>
+  </p:clrMapOvr>
+  <p:timing>
+    <p:tnLst>
+      <p:par>
+        <p:cTn id="1" dur="indefinite" restart="never" nodeType="tmRoot"/>
+      </p:par>
+    </p:tnLst>
+  </p:timing>
+</p:sld>
+</file>
+
+<file path=ppt/slides/slide10.xml><?xml version="1.0" encoding="utf-8"?>
+<p:sld xmlns:a="http://schemas.openxmlformats.org/drawingml/2006/main" xmlns:r="http://schemas.openxmlformats.org/officeDocument/2006/relationships" xmlns:p="http://schemas.openxmlformats.org/presentationml/2006/main">
+  <p:cSld>
+    <p:spTree>
+      <p:nvGrpSpPr>
+        <p:cNvPr id="1" name=""/>
+        <p:cNvGrpSpPr/>
+        <p:nvPr/>
+      </p:nvGrpSpPr>
+      <p:grpSpPr>
+        <a:xfrm>
+          <a:off x="0" y="0"/>
+          <a:ext cx="0" cy="0"/>
+          <a:chOff x="0" y="0"/>
+          <a:chExt cx="0" cy="0"/>
+        </a:xfrm>
+      </p:grpSpPr>
+      <p:sp>
+        <p:nvSpPr>
+          <p:cNvPr id="2" name="1 Título"/>
+          <p:cNvSpPr>
+            <a:spLocks noGrp="1"/>
+          </p:cNvSpPr>
+          <p:nvPr>
+            <p:ph type="title"/>
+          </p:nvPr>
+        </p:nvSpPr>
+        <p:spPr/>
+        <p:txBody>
+          <a:bodyPr/>
+          <a:lstStyle/>
+          <a:p>
+            <a:r>
+              <a:rPr lang="es-ES" smtClean="0"/>
+              <a:t>Some disparate sources</a:t>
+            </a:r>
+            <a:endParaRPr lang="es-ES"/>
+          </a:p>
+        </p:txBody>
+      </p:sp>
+      <p:sp>
+        <p:nvSpPr>
+          <p:cNvPr id="4" name="3 Marcador de número de diapositiva"/>
+          <p:cNvSpPr>
+            <a:spLocks noGrp="1"/>
+          </p:cNvSpPr>
+          <p:nvPr>
+            <p:ph type="sldNum" sz="quarter" idx="12"/>
+          </p:nvPr>
+        </p:nvSpPr>
+        <p:spPr/>
+        <p:txBody>
+          <a:bodyPr/>
+          <a:lstStyle/>
+          <a:p>
+            <a:fld id="{132FADFE-3B8F-471C-ABF0-DBC7717ECBBC}" type="slidenum">
+              <a:rPr lang="es-ES" smtClean="0"/>
+              <a:pPr/>
+              <a:t>10</a:t>
+            </a:fld>
+            <a:endParaRPr lang="es-ES"/>
+          </a:p>
+        </p:txBody>
+      </p:sp>
+      <p:pic>
+        <p:nvPicPr>
+          <p:cNvPr id="19459" name="Picture 3"/>
+          <p:cNvPicPr>
+            <a:picLocks noChangeAspect="1" noChangeArrowheads="1"/>
+          </p:cNvPicPr>
+          <p:nvPr/>
+        </p:nvPicPr>
+        <p:blipFill>
+          <a:blip r:embed="rId2"/>
+          <a:srcRect/>
+          <a:stretch>
+            <a:fillRect/>
+          </a:stretch>
+        </p:blipFill>
+        <p:spPr bwMode="auto">
+          <a:xfrm>
+            <a:off x="285720" y="1857364"/>
+            <a:ext cx="2807383" cy="4550276"/>
+          </a:xfrm>
+          <a:prstGeom prst="rect">
+            <a:avLst/>
+          </a:prstGeom>
+          <a:noFill/>
+          <a:ln w="9525">
+            <a:solidFill>
+              <a:schemeClr val="tx1">
+                <a:lumMod val="65000"/>
+                <a:lumOff val="35000"/>
+              </a:schemeClr>
+            </a:solidFill>
+            <a:miter lim="800000"/>
+            <a:headEnd/>
+            <a:tailEnd/>
+          </a:ln>
+          <a:effectLst/>
+        </p:spPr>
+      </p:pic>
+      <p:pic>
+        <p:nvPicPr>
+          <p:cNvPr id="19460" name="Picture 4"/>
+          <p:cNvPicPr>
+            <a:picLocks noChangeAspect="1" noChangeArrowheads="1"/>
+          </p:cNvPicPr>
+          <p:nvPr/>
+        </p:nvPicPr>
+        <p:blipFill>
+          <a:blip r:embed="rId3"/>
+          <a:srcRect/>
+          <a:stretch>
+            <a:fillRect/>
+          </a:stretch>
+        </p:blipFill>
+        <p:spPr bwMode="auto">
+          <a:xfrm>
+            <a:off x="357158" y="5357826"/>
+            <a:ext cx="928694" cy="380612"/>
+          </a:xfrm>
+          <a:prstGeom prst="rect">
+            <a:avLst/>
+          </a:prstGeom>
+          <a:noFill/>
+          <a:ln w="9525">
+            <a:noFill/>
+            <a:miter lim="800000"/>
+            <a:headEnd/>
+            <a:tailEnd/>
+          </a:ln>
+          <a:effectLst/>
+        </p:spPr>
+      </p:pic>
+      <p:sp>
+        <p:nvSpPr>
+          <p:cNvPr id="8" name="7 CuadroTexto"/>
+          <p:cNvSpPr txBox="1"/>
+          <p:nvPr/>
+        </p:nvSpPr>
+        <p:spPr>
+          <a:xfrm>
+            <a:off x="214282" y="1428736"/>
+            <a:ext cx="1304716" cy="307777"/>
+          </a:xfrm>
+          <a:prstGeom prst="rect">
+            <a:avLst/>
+          </a:prstGeom>
+          <a:noFill/>
+        </p:spPr>
+        <p:txBody>
+          <a:bodyPr wrap="none" rtlCol="0">
+            <a:spAutoFit/>
+          </a:bodyPr>
+          <a:lstStyle/>
+          <a:p>
+            <a:r>
+              <a:rPr lang="es-ES" sz="1400" smtClean="0"/>
+              <a:t>265 legal terms</a:t>
+            </a:r>
+            <a:endParaRPr lang="es-ES" sz="1400"/>
+          </a:p>
+        </p:txBody>
+      </p:sp>
+      <p:pic>
+        <p:nvPicPr>
+          <p:cNvPr id="19461" name="Picture 5"/>
+          <p:cNvPicPr>
+            <a:picLocks noChangeAspect="1" noChangeArrowheads="1"/>
+          </p:cNvPicPr>
+          <p:nvPr/>
+        </p:nvPicPr>
+        <p:blipFill>
+          <a:blip r:embed="rId4"/>
+          <a:srcRect/>
+          <a:stretch>
+            <a:fillRect/>
+          </a:stretch>
+        </p:blipFill>
+        <p:spPr bwMode="auto">
+          <a:xfrm>
+            <a:off x="3214678" y="1857364"/>
+            <a:ext cx="4500594" cy="4615994"/>
+          </a:xfrm>
+          <a:prstGeom prst="rect">
+            <a:avLst/>
+          </a:prstGeom>
+          <a:noFill/>
+          <a:ln w="9525">
+            <a:noFill/>
+            <a:miter lim="800000"/>
+            <a:headEnd/>
+            <a:tailEnd/>
+          </a:ln>
+          <a:effectLst/>
+        </p:spPr>
+      </p:pic>
+      <p:sp>
+        <p:nvSpPr>
+          <p:cNvPr id="10" name="9 CuadroTexto"/>
+          <p:cNvSpPr txBox="1"/>
+          <p:nvPr/>
+        </p:nvSpPr>
+        <p:spPr>
+          <a:xfrm>
+            <a:off x="7500958" y="1643050"/>
+            <a:ext cx="1308371" cy="369332"/>
+          </a:xfrm>
+          <a:prstGeom prst="rect">
+            <a:avLst/>
+          </a:prstGeom>
+          <a:noFill/>
+        </p:spPr>
+        <p:txBody>
+          <a:bodyPr wrap="none" rtlCol="0">
+            <a:spAutoFit/>
+          </a:bodyPr>
+          <a:lstStyle/>
+          <a:p>
+            <a:r>
+              <a:rPr lang="es-ES" smtClean="0">
+                <a:solidFill>
+                  <a:srgbClr val="C00000"/>
+                </a:solidFill>
+              </a:rPr>
+              <a:t>Multilingual</a:t>
+            </a:r>
+            <a:endParaRPr lang="es-ES">
+              <a:solidFill>
+                <a:srgbClr val="C00000"/>
+              </a:solidFill>
+            </a:endParaRPr>
+          </a:p>
+        </p:txBody>
+      </p:sp>
+      <p:sp>
+        <p:nvSpPr>
+          <p:cNvPr id="11" name="10 CuadroTexto"/>
+          <p:cNvSpPr txBox="1"/>
+          <p:nvPr/>
+        </p:nvSpPr>
+        <p:spPr>
+          <a:xfrm>
+            <a:off x="7500958" y="2500306"/>
+            <a:ext cx="2285984" cy="1200329"/>
+          </a:xfrm>
+          <a:prstGeom prst="rect">
+            <a:avLst/>
+          </a:prstGeom>
+          <a:noFill/>
+        </p:spPr>
+        <p:txBody>
+          <a:bodyPr wrap="square" rtlCol="0">
+            <a:spAutoFit/>
+          </a:bodyPr>
+          <a:lstStyle/>
+          <a:p>
+            <a:r>
+              <a:rPr lang="es-ES" b="1" smtClean="0">
+                <a:solidFill>
+                  <a:srgbClr val="C00000"/>
+                </a:solidFill>
+              </a:rPr>
+              <a:t>Source of:</a:t>
+            </a:r>
+          </a:p>
+          <a:p>
+            <a:r>
+              <a:rPr lang="es-ES" smtClean="0">
+                <a:solidFill>
+                  <a:srgbClr val="C00000"/>
+                </a:solidFill>
+              </a:rPr>
+              <a:t>Concepts</a:t>
+            </a:r>
+          </a:p>
+          <a:p>
+            <a:r>
+              <a:rPr lang="es-ES" smtClean="0">
+                <a:solidFill>
+                  <a:srgbClr val="C00000"/>
+                </a:solidFill>
+              </a:rPr>
+              <a:t>Lexicalizations</a:t>
+            </a:r>
+          </a:p>
+          <a:p>
+            <a:r>
+              <a:rPr lang="es-ES" smtClean="0">
+                <a:solidFill>
+                  <a:srgbClr val="C00000"/>
+                </a:solidFill>
+              </a:rPr>
+              <a:t>Definitions</a:t>
+            </a:r>
+            <a:endParaRPr lang="es-ES">
+              <a:solidFill>
+                <a:srgbClr val="C00000"/>
+              </a:solidFill>
+            </a:endParaRPr>
+          </a:p>
+        </p:txBody>
+      </p:sp>
+      <p:sp>
+        <p:nvSpPr>
+          <p:cNvPr id="12" name="11 Rectángulo"/>
+          <p:cNvSpPr/>
+          <p:nvPr/>
+        </p:nvSpPr>
+        <p:spPr>
+          <a:xfrm>
+            <a:off x="5286380" y="2071678"/>
+            <a:ext cx="714380" cy="142876"/>
+          </a:xfrm>
+          <a:prstGeom prst="rect">
+            <a:avLst/>
+          </a:prstGeom>
+          <a:noFill/>
+          <a:ln>
+            <a:solidFill>
+              <a:srgbClr val="FF0000"/>
+            </a:solidFill>
+          </a:ln>
+        </p:spPr>
+        <p:style>
+          <a:lnRef idx="2">
+            <a:schemeClr val="accent1">
+              <a:shade val="50000"/>
+            </a:schemeClr>
+          </a:lnRef>
+          <a:fillRef idx="1">
+            <a:schemeClr val="accent1"/>
+          </a:fillRef>
+          <a:effectRef idx="0">
+            <a:schemeClr val="accent1"/>
+          </a:effectRef>
+          <a:fontRef idx="minor">
+            <a:schemeClr val="lt1"/>
+          </a:fontRef>
+        </p:style>
+        <p:txBody>
+          <a:bodyPr rtlCol="0" anchor="ctr"/>
+          <a:lstStyle/>
+          <a:p>
+            <a:pPr algn="ctr"/>
+            <a:endParaRPr lang="es-ES"/>
+          </a:p>
+        </p:txBody>
+      </p:sp>
+      <p:sp>
+        <p:nvSpPr>
+          <p:cNvPr id="13" name="12 CuadroTexto"/>
+          <p:cNvSpPr txBox="1"/>
+          <p:nvPr/>
+        </p:nvSpPr>
+        <p:spPr>
+          <a:xfrm>
+            <a:off x="5143504" y="1643050"/>
+            <a:ext cx="1726819" cy="369332"/>
+          </a:xfrm>
+          <a:prstGeom prst="rect">
+            <a:avLst/>
+          </a:prstGeom>
+          <a:noFill/>
+        </p:spPr>
+        <p:txBody>
+          <a:bodyPr wrap="none" rtlCol="0">
+            <a:spAutoFit/>
+          </a:bodyPr>
+          <a:lstStyle/>
+          <a:p>
+            <a:r>
+              <a:rPr lang="es-ES" smtClean="0">
+                <a:solidFill>
+                  <a:srgbClr val="C00000"/>
+                </a:solidFill>
+              </a:rPr>
+              <a:t>Cross references</a:t>
+            </a:r>
+            <a:endParaRPr lang="es-ES">
+              <a:solidFill>
+                <a:srgbClr val="C00000"/>
+              </a:solidFill>
+            </a:endParaRPr>
+          </a:p>
+        </p:txBody>
+      </p:sp>
+      <p:sp>
+        <p:nvSpPr>
+          <p:cNvPr id="14" name="13 CuadroTexto"/>
+          <p:cNvSpPr txBox="1"/>
+          <p:nvPr/>
+        </p:nvSpPr>
+        <p:spPr>
+          <a:xfrm>
+            <a:off x="3857588" y="4929198"/>
+            <a:ext cx="5286412" cy="923330"/>
+          </a:xfrm>
+          <a:prstGeom prst="rect">
+            <a:avLst/>
+          </a:prstGeom>
+          <a:noFill/>
+        </p:spPr>
+        <p:txBody>
+          <a:bodyPr wrap="square" rtlCol="0">
+            <a:spAutoFit/>
+          </a:bodyPr>
+          <a:lstStyle/>
+          <a:p>
+            <a:r>
+              <a:rPr lang="es-ES" b="1" smtClean="0">
+                <a:solidFill>
+                  <a:srgbClr val="C00000"/>
+                </a:solidFill>
+              </a:rPr>
+              <a:t>Systematic document structure: </a:t>
+            </a:r>
+          </a:p>
+          <a:p>
+            <a:r>
+              <a:rPr lang="es-ES" smtClean="0">
+                <a:solidFill>
+                  <a:srgbClr val="C00000"/>
+                </a:solidFill>
+              </a:rPr>
+              <a:t>Easy to be automatically parsed by computers (in this case withOCR errors)</a:t>
+            </a:r>
+            <a:endParaRPr lang="es-ES">
+              <a:solidFill>
+                <a:srgbClr val="C00000"/>
+              </a:solidFill>
+            </a:endParaRPr>
+          </a:p>
+        </p:txBody>
+      </p:sp>
+      <p:sp>
+        <p:nvSpPr>
+          <p:cNvPr id="15" name="14 CuadroTexto"/>
+          <p:cNvSpPr txBox="1"/>
+          <p:nvPr/>
+        </p:nvSpPr>
+        <p:spPr>
+          <a:xfrm>
+            <a:off x="357158" y="6072206"/>
+            <a:ext cx="2445093" cy="369332"/>
+          </a:xfrm>
+          <a:prstGeom prst="rect">
+            <a:avLst/>
+          </a:prstGeom>
+          <a:noFill/>
+        </p:spPr>
+        <p:txBody>
+          <a:bodyPr wrap="none" rtlCol="0">
+            <a:spAutoFit/>
+          </a:bodyPr>
+          <a:lstStyle/>
+          <a:p>
+            <a:r>
+              <a:rPr lang="es-ES" smtClean="0">
+                <a:solidFill>
+                  <a:srgbClr val="C00000"/>
+                </a:solidFill>
+              </a:rPr>
+              <a:t>Republication is granted</a:t>
+            </a:r>
+            <a:endParaRPr lang="es-ES">
+              <a:solidFill>
+                <a:srgbClr val="C00000"/>
+              </a:solidFill>
+            </a:endParaRPr>
+          </a:p>
+        </p:txBody>
+      </p:sp>
+      <p:sp>
+        <p:nvSpPr>
+          <p:cNvPr id="16" name="15 CuadroTexto"/>
+          <p:cNvSpPr txBox="1"/>
+          <p:nvPr/>
+        </p:nvSpPr>
+        <p:spPr>
+          <a:xfrm>
+            <a:off x="7286644" y="4214818"/>
+            <a:ext cx="1857356" cy="923330"/>
+          </a:xfrm>
+          <a:prstGeom prst="rect">
+            <a:avLst/>
+          </a:prstGeom>
+          <a:noFill/>
+        </p:spPr>
+        <p:txBody>
+          <a:bodyPr wrap="square" rtlCol="0">
+            <a:spAutoFit/>
+          </a:bodyPr>
+          <a:lstStyle/>
+          <a:p>
+            <a:r>
+              <a:rPr lang="es-ES" smtClean="0">
+                <a:solidFill>
+                  <a:srgbClr val="C00000"/>
+                </a:solidFill>
+              </a:rPr>
+              <a:t>Other specific references. Detailed sources</a:t>
+            </a:r>
+            <a:endParaRPr lang="es-ES">
+              <a:solidFill>
+                <a:srgbClr val="C00000"/>
+              </a:solidFill>
+            </a:endParaRPr>
+          </a:p>
+        </p:txBody>
+      </p:sp>
+    </p:spTree>
+  </p:cSld>
+  <p:clrMapOvr>
+    <a:masterClrMapping/>
+  </p:clrMapOvr>
+  <p:timing>
+    <p:tnLst>
+      <p:par>
+        <p:cTn id="1" dur="indefinite" restart="never" nodeType="tmRoot"/>
+      </p:par>
+    </p:tnLst>
+  </p:timing>
+</p:sld>
+</file>
+
+<file path=ppt/slides/slide11.xml><?xml version="1.0" encoding="utf-8"?>
+<p:sld xmlns:a="http://schemas.openxmlformats.org/drawingml/2006/main" xmlns:r="http://schemas.openxmlformats.org/officeDocument/2006/relationships" xmlns:p="http://schemas.openxmlformats.org/presentationml/2006/main">
+  <p:cSld>
+    <p:spTree>
+      <p:nvGrpSpPr>
+        <p:cNvPr id="1" name=""/>
+        <p:cNvGrpSpPr/>
+        <p:nvPr/>
+      </p:nvGrpSpPr>
+      <p:grpSpPr>
+        <a:xfrm>
+          <a:off x="0" y="0"/>
+          <a:ext cx="0" cy="0"/>
+          <a:chOff x="0" y="0"/>
+          <a:chExt cx="0" cy="0"/>
+        </a:xfrm>
+      </p:grpSpPr>
+      <p:sp>
+        <p:nvSpPr>
+          <p:cNvPr id="2" name="1 Título"/>
+          <p:cNvSpPr>
+            <a:spLocks noGrp="1"/>
+          </p:cNvSpPr>
+          <p:nvPr>
+            <p:ph type="title"/>
+          </p:nvPr>
+        </p:nvSpPr>
+        <p:spPr/>
+        <p:txBody>
+          <a:bodyPr/>
+          <a:lstStyle/>
+          <a:p>
+            <a:r>
+              <a:rPr lang="es-ES" smtClean="0"/>
+              <a:t>Some disparate sources (II)</a:t>
+            </a:r>
+            <a:endParaRPr lang="es-ES"/>
+          </a:p>
+        </p:txBody>
+      </p:sp>
+      <p:sp>
+        <p:nvSpPr>
+          <p:cNvPr id="4" name="3 Marcador de número de diapositiva"/>
+          <p:cNvSpPr>
+            <a:spLocks noGrp="1"/>
+          </p:cNvSpPr>
+          <p:nvPr>
+            <p:ph type="sldNum" sz="quarter" idx="12"/>
+          </p:nvPr>
+        </p:nvSpPr>
+        <p:spPr/>
+        <p:txBody>
+          <a:bodyPr/>
+          <a:lstStyle/>
+          <a:p>
+            <a:fld id="{132FADFE-3B8F-471C-ABF0-DBC7717ECBBC}" type="slidenum">
+              <a:rPr lang="es-ES" smtClean="0"/>
+              <a:pPr/>
+              <a:t>11</a:t>
+            </a:fld>
+            <a:endParaRPr lang="es-ES"/>
+          </a:p>
+        </p:txBody>
+      </p:sp>
+      <p:pic>
+        <p:nvPicPr>
+          <p:cNvPr id="20483" name="Picture 3"/>
+          <p:cNvPicPr>
+            <a:picLocks noChangeAspect="1" noChangeArrowheads="1"/>
+          </p:cNvPicPr>
+          <p:nvPr/>
+        </p:nvPicPr>
+        <p:blipFill>
+          <a:blip r:embed="rId2"/>
+          <a:srcRect/>
+          <a:stretch>
+            <a:fillRect/>
+          </a:stretch>
+        </p:blipFill>
+        <p:spPr bwMode="auto">
+          <a:xfrm>
+            <a:off x="3857620" y="1446752"/>
+            <a:ext cx="4786346" cy="4869259"/>
+          </a:xfrm>
+          <a:prstGeom prst="rect">
+            <a:avLst/>
+          </a:prstGeom>
+          <a:noFill/>
+          <a:ln w="9525">
+            <a:noFill/>
+            <a:miter lim="800000"/>
+            <a:headEnd/>
+            <a:tailEnd/>
+          </a:ln>
+          <a:effectLst/>
+        </p:spPr>
+      </p:pic>
+      <p:pic>
+        <p:nvPicPr>
+          <p:cNvPr id="20484" name="Picture 4"/>
+          <p:cNvPicPr>
+            <a:picLocks noGrp="1" noChangeAspect="1" noChangeArrowheads="1"/>
+          </p:cNvPicPr>
+          <p:nvPr>
+            <p:ph idx="1"/>
+          </p:nvPr>
+        </p:nvPicPr>
+        <p:blipFill>
+          <a:blip r:embed="rId3"/>
+          <a:srcRect/>
+          <a:stretch>
+            <a:fillRect/>
+          </a:stretch>
+        </p:blipFill>
+        <p:spPr bwMode="auto">
+          <a:xfrm>
+            <a:off x="142844" y="1428736"/>
+            <a:ext cx="4587638" cy="2011854"/>
+          </a:xfrm>
+          <a:prstGeom prst="rect">
+            <a:avLst/>
+          </a:prstGeom>
+          <a:noFill/>
+          <a:ln w="9525">
+            <a:noFill/>
+            <a:miter lim="800000"/>
+            <a:headEnd/>
+            <a:tailEnd/>
+          </a:ln>
+          <a:effectLst/>
+        </p:spPr>
+      </p:pic>
+      <p:pic>
+        <p:nvPicPr>
+          <p:cNvPr id="20485" name="Picture 5"/>
+          <p:cNvPicPr>
+            <a:picLocks noChangeAspect="1" noChangeArrowheads="1"/>
+          </p:cNvPicPr>
+          <p:nvPr/>
+        </p:nvPicPr>
+        <p:blipFill>
+          <a:blip r:embed="rId4"/>
+          <a:srcRect/>
+          <a:stretch>
+            <a:fillRect/>
+          </a:stretch>
+        </p:blipFill>
+        <p:spPr bwMode="auto">
+          <a:xfrm>
+            <a:off x="142844" y="2857496"/>
+            <a:ext cx="1782763" cy="1646237"/>
+          </a:xfrm>
+          <a:prstGeom prst="rect">
+            <a:avLst/>
+          </a:prstGeom>
+          <a:noFill/>
+          <a:ln w="9525">
+            <a:noFill/>
+            <a:miter lim="800000"/>
+            <a:headEnd/>
+            <a:tailEnd/>
+          </a:ln>
+          <a:effectLst/>
+        </p:spPr>
+      </p:pic>
+    </p:spTree>
+  </p:cSld>
+  <p:clrMapOvr>
+    <a:masterClrMapping/>
+  </p:clrMapOvr>
+  <p:timing>
+    <p:tnLst>
+      <p:par>
+        <p:cTn id="1" dur="indefinite" restart="never" nodeType="tmRoot"/>
+      </p:par>
+    </p:tnLst>
+  </p:timing>
+</p:sld>
+</file>
+
+<file path=ppt/slides/slide12.xml><?xml version="1.0" encoding="utf-8"?>
+<p:sld xmlns:a="http://schemas.openxmlformats.org/drawingml/2006/main" xmlns:r="http://schemas.openxmlformats.org/officeDocument/2006/relationships" xmlns:p="http://schemas.openxmlformats.org/presentationml/2006/main">
+  <p:cSld>
+    <p:spTree>
+      <p:nvGrpSpPr>
+        <p:cNvPr id="1" name=""/>
+        <p:cNvGrpSpPr/>
+        <p:nvPr/>
+      </p:nvGrpSpPr>
+      <p:grpSpPr>
+        <a:xfrm>
+          <a:off x="0" y="0"/>
+          <a:ext cx="0" cy="0"/>
+          <a:chOff x="0" y="0"/>
+          <a:chExt cx="0" cy="0"/>
+        </a:xfrm>
+      </p:grpSpPr>
+      <p:sp>
+        <p:nvSpPr>
+          <p:cNvPr id="2" name="1 Título"/>
+          <p:cNvSpPr>
+            <a:spLocks noGrp="1"/>
+          </p:cNvSpPr>
+          <p:nvPr>
+            <p:ph type="title"/>
+          </p:nvPr>
+        </p:nvSpPr>
+        <p:spPr>
+          <a:xfrm>
+            <a:off x="457200" y="274638"/>
+            <a:ext cx="8229600" cy="725470"/>
+          </a:xfrm>
+        </p:spPr>
+        <p:txBody>
+          <a:bodyPr>
+            <a:normAutofit fontScale="90000"/>
+          </a:bodyPr>
+          <a:lstStyle/>
+          <a:p>
+            <a:r>
+              <a:rPr lang="es-ES" smtClean="0"/>
+              <a:t>Defined terms in national jurisdictions</a:t>
+            </a:r>
+            <a:endParaRPr lang="es-ES"/>
+          </a:p>
+        </p:txBody>
+      </p:sp>
+      <p:sp>
+        <p:nvSpPr>
+          <p:cNvPr id="4" name="3 Marcador de número de diapositiva"/>
+          <p:cNvSpPr>
+            <a:spLocks noGrp="1"/>
+          </p:cNvSpPr>
+          <p:nvPr>
+            <p:ph type="sldNum" sz="quarter" idx="12"/>
+          </p:nvPr>
+        </p:nvSpPr>
+        <p:spPr/>
+        <p:txBody>
+          <a:bodyPr/>
+          <a:lstStyle/>
+          <a:p>
+            <a:fld id="{132FADFE-3B8F-471C-ABF0-DBC7717ECBBC}" type="slidenum">
+              <a:rPr lang="es-ES" smtClean="0"/>
+              <a:pPr/>
+              <a:t>12</a:t>
+            </a:fld>
+            <a:endParaRPr lang="es-ES"/>
+          </a:p>
+        </p:txBody>
+      </p:sp>
+      <p:pic>
+        <p:nvPicPr>
+          <p:cNvPr id="21506" name="Picture 2"/>
+          <p:cNvPicPr>
+            <a:picLocks noChangeAspect="1" noChangeArrowheads="1"/>
+          </p:cNvPicPr>
+          <p:nvPr/>
+        </p:nvPicPr>
+        <p:blipFill>
+          <a:blip r:embed="rId2"/>
+          <a:srcRect/>
+          <a:stretch>
+            <a:fillRect/>
+          </a:stretch>
+        </p:blipFill>
+        <p:spPr bwMode="auto">
+          <a:xfrm>
+            <a:off x="928662" y="1214421"/>
+            <a:ext cx="7297071" cy="5481027"/>
+          </a:xfrm>
+          <a:prstGeom prst="rect">
+            <a:avLst/>
+          </a:prstGeom>
+          <a:noFill/>
+          <a:ln w="9525">
+            <a:noFill/>
+            <a:miter lim="800000"/>
+            <a:headEnd/>
+            <a:tailEnd/>
+          </a:ln>
+          <a:effectLst/>
+        </p:spPr>
+      </p:pic>
+      <p:sp>
+        <p:nvSpPr>
+          <p:cNvPr id="3" name="2 Marcador de contenido"/>
+          <p:cNvSpPr>
+            <a:spLocks noGrp="1"/>
+          </p:cNvSpPr>
+          <p:nvPr>
+            <p:ph idx="1"/>
+          </p:nvPr>
+        </p:nvSpPr>
+        <p:spPr>
+          <a:xfrm>
+            <a:off x="428596" y="1000108"/>
+            <a:ext cx="8229600" cy="4525963"/>
+          </a:xfrm>
+        </p:spPr>
+        <p:txBody>
+          <a:bodyPr>
+            <a:normAutofit/>
+          </a:bodyPr>
+          <a:lstStyle/>
+          <a:p>
+            <a:r>
+              <a:rPr lang="es-ES" sz="2400" smtClean="0"/>
+              <a:t>Some laws include some definitions within the scope of the legal document</a:t>
+            </a:r>
+          </a:p>
+        </p:txBody>
+      </p:sp>
+      <p:sp>
+        <p:nvSpPr>
+          <p:cNvPr id="7" name="6 Rectángulo"/>
+          <p:cNvSpPr/>
+          <p:nvPr/>
+        </p:nvSpPr>
+        <p:spPr>
+          <a:xfrm>
+            <a:off x="1857356" y="4714884"/>
+            <a:ext cx="2786082" cy="1143008"/>
+          </a:xfrm>
+          <a:prstGeom prst="rect">
+            <a:avLst/>
+          </a:prstGeom>
+          <a:noFill/>
+          <a:ln>
+            <a:solidFill>
+              <a:srgbClr val="FF0000"/>
+            </a:solidFill>
+          </a:ln>
+        </p:spPr>
+        <p:style>
+          <a:lnRef idx="2">
+            <a:schemeClr val="accent1">
+              <a:shade val="50000"/>
+            </a:schemeClr>
+          </a:lnRef>
+          <a:fillRef idx="1">
+            <a:schemeClr val="accent1"/>
+          </a:fillRef>
+          <a:effectRef idx="0">
+            <a:schemeClr val="accent1"/>
+          </a:effectRef>
+          <a:fontRef idx="minor">
+            <a:schemeClr val="lt1"/>
+          </a:fontRef>
+        </p:style>
+        <p:txBody>
+          <a:bodyPr rtlCol="0" anchor="ctr"/>
+          <a:lstStyle/>
+          <a:p>
+            <a:pPr algn="ctr"/>
+            <a:endParaRPr lang="es-ES"/>
+          </a:p>
+        </p:txBody>
+      </p:sp>
+      <p:sp>
+        <p:nvSpPr>
+          <p:cNvPr id="8" name="7 CuadroTexto"/>
+          <p:cNvSpPr txBox="1"/>
+          <p:nvPr/>
+        </p:nvSpPr>
+        <p:spPr>
+          <a:xfrm>
+            <a:off x="6429388" y="1714488"/>
+            <a:ext cx="2000264" cy="646331"/>
+          </a:xfrm>
+          <a:prstGeom prst="rect">
+            <a:avLst/>
+          </a:prstGeom>
+          <a:noFill/>
+        </p:spPr>
+        <p:txBody>
+          <a:bodyPr wrap="square" rtlCol="0">
+            <a:spAutoFit/>
+          </a:bodyPr>
+          <a:lstStyle/>
+          <a:p>
+            <a:r>
+              <a:rPr lang="es-ES" smtClean="0">
+                <a:solidFill>
+                  <a:srgbClr val="C00000"/>
+                </a:solidFill>
+              </a:rPr>
+              <a:t>Also</a:t>
+            </a:r>
+          </a:p>
+          <a:p>
+            <a:r>
+              <a:rPr lang="es-ES" smtClean="0">
+                <a:solidFill>
+                  <a:srgbClr val="C00000"/>
+                </a:solidFill>
+              </a:rPr>
+              <a:t>multilingual</a:t>
+            </a:r>
+            <a:endParaRPr lang="es-ES">
+              <a:solidFill>
+                <a:srgbClr val="C00000"/>
+              </a:solidFill>
+            </a:endParaRPr>
+          </a:p>
+        </p:txBody>
+      </p:sp>
+    </p:spTree>
+  </p:cSld>
+  <p:clrMapOvr>
+    <a:masterClrMapping/>
+  </p:clrMapOvr>
+  <p:timing>
+    <p:tnLst>
+      <p:par>
+        <p:cTn id="1" dur="indefinite" restart="never" nodeType="tmRoot"/>
+      </p:par>
+    </p:tnLst>
+  </p:timing>
+</p:sld>
+</file>
+
+<file path=ppt/slides/slide13.xml><?xml version="1.0" encoding="utf-8"?>
+<p:sld xmlns:a="http://schemas.openxmlformats.org/drawingml/2006/main" xmlns:r="http://schemas.openxmlformats.org/officeDocument/2006/relationships" xmlns:p="http://schemas.openxmlformats.org/presentationml/2006/main">
+  <p:cSld>
+    <p:spTree>
+      <p:nvGrpSpPr>
+        <p:cNvPr id="1" name=""/>
+        <p:cNvGrpSpPr/>
+        <p:nvPr/>
+      </p:nvGrpSpPr>
+      <p:grpSpPr>
+        <a:xfrm>
+          <a:off x="0" y="0"/>
+          <a:ext cx="0" cy="0"/>
+          <a:chOff x="0" y="0"/>
+          <a:chExt cx="0" cy="0"/>
+        </a:xfrm>
+      </p:grpSpPr>
+      <p:sp>
+        <p:nvSpPr>
+          <p:cNvPr id="2" name="1 Título"/>
+          <p:cNvSpPr>
+            <a:spLocks noGrp="1"/>
+          </p:cNvSpPr>
+          <p:nvPr>
+            <p:ph type="title"/>
+          </p:nvPr>
+        </p:nvSpPr>
+        <p:spPr/>
+        <p:txBody>
+          <a:bodyPr>
+            <a:normAutofit/>
+          </a:bodyPr>
+          <a:lstStyle/>
+          <a:p>
+            <a:r>
+              <a:rPr lang="es-ES" smtClean="0"/>
+              <a:t>Defined terms in national laws</a:t>
+            </a:r>
+            <a:endParaRPr lang="es-ES"/>
+          </a:p>
+        </p:txBody>
+      </p:sp>
+      <p:sp>
+        <p:nvSpPr>
+          <p:cNvPr id="3" name="2 Marcador de contenido"/>
+          <p:cNvSpPr>
+            <a:spLocks noGrp="1"/>
+          </p:cNvSpPr>
+          <p:nvPr>
+            <p:ph idx="1"/>
+          </p:nvPr>
+        </p:nvSpPr>
+        <p:spPr/>
+        <p:txBody>
+          <a:bodyPr>
+            <a:normAutofit/>
+          </a:bodyPr>
+          <a:lstStyle/>
+          <a:p>
+            <a:r>
+              <a:rPr lang="es-ES" sz="2400" smtClean="0"/>
+              <a:t>Not always in a separated, distinct section</a:t>
+            </a:r>
+            <a:endParaRPr lang="es-ES" sz="2400"/>
+          </a:p>
+        </p:txBody>
+      </p:sp>
+      <p:sp>
+        <p:nvSpPr>
+          <p:cNvPr id="4" name="3 Marcador de número de diapositiva"/>
+          <p:cNvSpPr>
+            <a:spLocks noGrp="1"/>
+          </p:cNvSpPr>
+          <p:nvPr>
+            <p:ph type="sldNum" sz="quarter" idx="12"/>
+          </p:nvPr>
+        </p:nvSpPr>
+        <p:spPr/>
+        <p:txBody>
+          <a:bodyPr/>
+          <a:lstStyle/>
+          <a:p>
+            <a:fld id="{132FADFE-3B8F-471C-ABF0-DBC7717ECBBC}" type="slidenum">
+              <a:rPr lang="es-ES" smtClean="0"/>
+              <a:pPr/>
+              <a:t>13</a:t>
+            </a:fld>
+            <a:endParaRPr lang="es-ES"/>
+          </a:p>
+        </p:txBody>
+      </p:sp>
+      <p:pic>
+        <p:nvPicPr>
+          <p:cNvPr id="22531" name="Picture 3"/>
+          <p:cNvPicPr>
+            <a:picLocks noChangeAspect="1" noChangeArrowheads="1"/>
+          </p:cNvPicPr>
+          <p:nvPr/>
+        </p:nvPicPr>
+        <p:blipFill>
+          <a:blip r:embed="rId2"/>
+          <a:srcRect/>
+          <a:stretch>
+            <a:fillRect/>
+          </a:stretch>
+        </p:blipFill>
+        <p:spPr bwMode="auto">
+          <a:xfrm>
+            <a:off x="857224" y="2143116"/>
+            <a:ext cx="4867767" cy="4714884"/>
+          </a:xfrm>
+          <a:prstGeom prst="rect">
+            <a:avLst/>
+          </a:prstGeom>
+          <a:noFill/>
+          <a:ln w="9525">
+            <a:noFill/>
+            <a:miter lim="800000"/>
+            <a:headEnd/>
+            <a:tailEnd/>
+          </a:ln>
+          <a:effectLst/>
+        </p:spPr>
+      </p:pic>
+      <p:sp>
+        <p:nvSpPr>
+          <p:cNvPr id="8" name="7 CuadroTexto"/>
+          <p:cNvSpPr txBox="1"/>
+          <p:nvPr/>
+        </p:nvSpPr>
+        <p:spPr>
+          <a:xfrm>
+            <a:off x="6072198" y="2071678"/>
+            <a:ext cx="2820965" cy="369332"/>
+          </a:xfrm>
+          <a:prstGeom prst="rect">
+            <a:avLst/>
+          </a:prstGeom>
+          <a:noFill/>
+        </p:spPr>
+        <p:txBody>
+          <a:bodyPr wrap="none" rtlCol="0">
+            <a:spAutoFit/>
+          </a:bodyPr>
+          <a:lstStyle/>
+          <a:p>
+            <a:r>
+              <a:rPr lang="es-ES" smtClean="0">
+                <a:solidFill>
+                  <a:srgbClr val="C00000"/>
+                </a:solidFill>
+              </a:rPr>
+              <a:t>Not automatically parseable</a:t>
+            </a:r>
+            <a:endParaRPr lang="es-ES">
+              <a:solidFill>
+                <a:srgbClr val="C00000"/>
+              </a:solidFill>
+            </a:endParaRPr>
+          </a:p>
+        </p:txBody>
+      </p:sp>
+      <p:sp>
+        <p:nvSpPr>
+          <p:cNvPr id="9" name="8 CuadroTexto"/>
+          <p:cNvSpPr txBox="1"/>
+          <p:nvPr/>
+        </p:nvSpPr>
+        <p:spPr>
+          <a:xfrm>
+            <a:off x="5857885" y="5500702"/>
+            <a:ext cx="2786082" cy="646331"/>
+          </a:xfrm>
+          <a:prstGeom prst="rect">
+            <a:avLst/>
+          </a:prstGeom>
+          <a:noFill/>
+        </p:spPr>
+        <p:txBody>
+          <a:bodyPr wrap="square" rtlCol="0">
+            <a:spAutoFit/>
+          </a:bodyPr>
+          <a:lstStyle/>
+          <a:p>
+            <a:r>
+              <a:rPr lang="es-ES" smtClean="0">
+                <a:solidFill>
+                  <a:srgbClr val="C00000"/>
+                </a:solidFill>
+              </a:rPr>
+              <a:t>Difficult to identify the defined term</a:t>
+            </a:r>
+            <a:endParaRPr lang="es-ES">
+              <a:solidFill>
+                <a:srgbClr val="C00000"/>
+              </a:solidFill>
+            </a:endParaRPr>
+          </a:p>
+        </p:txBody>
+      </p:sp>
+      <p:sp>
+        <p:nvSpPr>
+          <p:cNvPr id="10" name="9 CuadroTexto"/>
+          <p:cNvSpPr txBox="1"/>
+          <p:nvPr/>
+        </p:nvSpPr>
+        <p:spPr>
+          <a:xfrm>
+            <a:off x="6000760" y="3429000"/>
+            <a:ext cx="2643206" cy="646331"/>
+          </a:xfrm>
+          <a:prstGeom prst="rect">
+            <a:avLst/>
+          </a:prstGeom>
+          <a:noFill/>
+        </p:spPr>
+        <p:txBody>
+          <a:bodyPr wrap="square" rtlCol="0">
+            <a:spAutoFit/>
+          </a:bodyPr>
+          <a:lstStyle/>
+          <a:p>
+            <a:r>
+              <a:rPr lang="es-ES" smtClean="0">
+                <a:solidFill>
+                  <a:srgbClr val="C00000"/>
+                </a:solidFill>
+              </a:rPr>
+              <a:t>Definitions not systematically present</a:t>
+            </a:r>
+            <a:endParaRPr lang="es-ES">
+              <a:solidFill>
+                <a:srgbClr val="C00000"/>
+              </a:solidFill>
+            </a:endParaRPr>
+          </a:p>
+        </p:txBody>
+      </p:sp>
+      <p:sp>
+        <p:nvSpPr>
+          <p:cNvPr id="11" name="10 CuadroTexto"/>
+          <p:cNvSpPr txBox="1"/>
+          <p:nvPr/>
+        </p:nvSpPr>
+        <p:spPr>
+          <a:xfrm>
+            <a:off x="6000760" y="6072206"/>
+            <a:ext cx="2786082" cy="369332"/>
+          </a:xfrm>
+          <a:prstGeom prst="rect">
+            <a:avLst/>
+          </a:prstGeom>
+          <a:noFill/>
+        </p:spPr>
+        <p:txBody>
+          <a:bodyPr wrap="square" rtlCol="0">
+            <a:spAutoFit/>
+          </a:bodyPr>
+          <a:lstStyle/>
+          <a:p>
+            <a:r>
+              <a:rPr lang="es-ES" smtClean="0">
+                <a:solidFill>
+                  <a:srgbClr val="C00000"/>
+                </a:solidFill>
+              </a:rPr>
+              <a:t>Still of the highest interest.</a:t>
+            </a:r>
+            <a:endParaRPr lang="es-ES">
+              <a:solidFill>
+                <a:srgbClr val="C00000"/>
+              </a:solidFill>
+            </a:endParaRPr>
+          </a:p>
+        </p:txBody>
+      </p:sp>
+      <p:sp>
+        <p:nvSpPr>
+          <p:cNvPr id="12" name="11 CuadroTexto"/>
+          <p:cNvSpPr txBox="1"/>
+          <p:nvPr/>
+        </p:nvSpPr>
+        <p:spPr>
+          <a:xfrm>
+            <a:off x="5929322" y="4143380"/>
+            <a:ext cx="3214678" cy="923330"/>
+          </a:xfrm>
+          <a:prstGeom prst="rect">
+            <a:avLst/>
+          </a:prstGeom>
+          <a:noFill/>
+        </p:spPr>
+        <p:txBody>
+          <a:bodyPr wrap="square" rtlCol="0">
+            <a:spAutoFit/>
+          </a:bodyPr>
+          <a:lstStyle/>
+          <a:p>
+            <a:r>
+              <a:rPr lang="es-ES" smtClean="0">
+                <a:solidFill>
+                  <a:srgbClr val="C00000"/>
+                </a:solidFill>
+              </a:rPr>
+              <a:t>Cross references make the extraction of definitions sometimes difficult/impossible</a:t>
+            </a:r>
+            <a:endParaRPr lang="es-ES">
+              <a:solidFill>
+                <a:srgbClr val="C00000"/>
+              </a:solidFill>
+            </a:endParaRPr>
+          </a:p>
+        </p:txBody>
+      </p:sp>
+    </p:spTree>
+  </p:cSld>
+  <p:clrMapOvr>
+    <a:masterClrMapping/>
+  </p:clrMapOvr>
+  <p:timing>
+    <p:tnLst>
+      <p:par>
+        <p:cTn id="1" dur="indefinite" restart="never" nodeType="tmRoot"/>
+      </p:par>
+    </p:tnLst>
+  </p:timing>
+</p:sld>
+</file>
+
+<file path=ppt/slides/slide14.xml><?xml version="1.0" encoding="utf-8"?>
+<p:sld xmlns:a="http://schemas.openxmlformats.org/drawingml/2006/main" xmlns:r="http://schemas.openxmlformats.org/officeDocument/2006/relationships" xmlns:p="http://schemas.openxmlformats.org/presentationml/2006/main">
+  <p:cSld>
+    <p:spTree>
+      <p:nvGrpSpPr>
+        <p:cNvPr id="1" name=""/>
+        <p:cNvGrpSpPr/>
+        <p:nvPr/>
+      </p:nvGrpSpPr>
+      <p:grpSpPr>
+        <a:xfrm>
+          <a:off x="0" y="0"/>
+          <a:ext cx="0" cy="0"/>
+          <a:chOff x="0" y="0"/>
+          <a:chExt cx="0" cy="0"/>
+        </a:xfrm>
+      </p:grpSpPr>
+      <p:sp>
+        <p:nvSpPr>
+          <p:cNvPr id="2" name="1 Título"/>
+          <p:cNvSpPr>
+            <a:spLocks noGrp="1"/>
+          </p:cNvSpPr>
+          <p:nvPr>
+            <p:ph type="title"/>
+          </p:nvPr>
+        </p:nvSpPr>
+        <p:spPr/>
+        <p:txBody>
+          <a:bodyPr>
+            <a:normAutofit/>
+          </a:bodyPr>
+          <a:lstStyle/>
+          <a:p>
+            <a:r>
+              <a:rPr lang="es-ES" sz="4000" smtClean="0"/>
+              <a:t>Definitions specific to CC licenses</a:t>
+            </a:r>
+            <a:endParaRPr lang="es-ES" sz="4000"/>
+          </a:p>
+        </p:txBody>
+      </p:sp>
+      <p:sp>
+        <p:nvSpPr>
+          <p:cNvPr id="3" name="2 Marcador de contenido"/>
+          <p:cNvSpPr>
+            <a:spLocks noGrp="1"/>
+          </p:cNvSpPr>
+          <p:nvPr>
+            <p:ph idx="1"/>
+          </p:nvPr>
+        </p:nvSpPr>
+        <p:spPr>
+          <a:xfrm>
+            <a:off x="457200" y="1600200"/>
+            <a:ext cx="8472518" cy="4525963"/>
+          </a:xfrm>
+        </p:spPr>
+        <p:txBody>
+          <a:bodyPr>
+            <a:normAutofit/>
+          </a:bodyPr>
+          <a:lstStyle/>
+          <a:p>
+            <a:r>
+              <a:rPr lang="es-ES" sz="2400" smtClean="0"/>
+              <a:t>With little value but high relevance for its wide adoption</a:t>
+            </a:r>
+            <a:endParaRPr lang="es-ES" sz="2400"/>
+          </a:p>
+        </p:txBody>
+      </p:sp>
+      <p:sp>
+        <p:nvSpPr>
+          <p:cNvPr id="4" name="3 Marcador de número de diapositiva"/>
+          <p:cNvSpPr>
+            <a:spLocks noGrp="1"/>
+          </p:cNvSpPr>
+          <p:nvPr>
+            <p:ph type="sldNum" sz="quarter" idx="12"/>
+          </p:nvPr>
+        </p:nvSpPr>
+        <p:spPr/>
+        <p:txBody>
+          <a:bodyPr/>
+          <a:lstStyle/>
+          <a:p>
+            <a:fld id="{132FADFE-3B8F-471C-ABF0-DBC7717ECBBC}" type="slidenum">
+              <a:rPr lang="es-ES" smtClean="0"/>
+              <a:pPr/>
+              <a:t>14</a:t>
+            </a:fld>
+            <a:endParaRPr lang="es-ES"/>
+          </a:p>
+        </p:txBody>
+      </p:sp>
+      <p:pic>
+        <p:nvPicPr>
+          <p:cNvPr id="50178" name="Picture 2"/>
+          <p:cNvPicPr>
+            <a:picLocks noChangeAspect="1" noChangeArrowheads="1"/>
+          </p:cNvPicPr>
+          <p:nvPr/>
+        </p:nvPicPr>
+        <p:blipFill>
+          <a:blip r:embed="rId2"/>
+          <a:srcRect/>
+          <a:stretch>
+            <a:fillRect/>
+          </a:stretch>
+        </p:blipFill>
+        <p:spPr bwMode="auto">
+          <a:xfrm>
+            <a:off x="285719" y="2143116"/>
+            <a:ext cx="4942501" cy="4500594"/>
+          </a:xfrm>
+          <a:prstGeom prst="rect">
+            <a:avLst/>
+          </a:prstGeom>
+          <a:noFill/>
+          <a:ln w="9525">
+            <a:noFill/>
+            <a:miter lim="800000"/>
+            <a:headEnd/>
+            <a:tailEnd/>
+          </a:ln>
+          <a:effectLst/>
+        </p:spPr>
+      </p:pic>
+      <p:sp>
+        <p:nvSpPr>
+          <p:cNvPr id="6" name="5 CuadroTexto"/>
+          <p:cNvSpPr txBox="1"/>
+          <p:nvPr/>
+        </p:nvSpPr>
+        <p:spPr>
+          <a:xfrm>
+            <a:off x="5429256" y="2857496"/>
+            <a:ext cx="3500430" cy="707886"/>
+          </a:xfrm>
+          <a:prstGeom prst="rect">
+            <a:avLst/>
+          </a:prstGeom>
+          <a:noFill/>
+        </p:spPr>
+        <p:txBody>
+          <a:bodyPr wrap="square" rtlCol="0">
+            <a:spAutoFit/>
+          </a:bodyPr>
+          <a:lstStyle/>
+          <a:p>
+            <a:r>
+              <a:rPr lang="es-ES" sz="2000" smtClean="0">
+                <a:solidFill>
+                  <a:srgbClr val="C00000"/>
+                </a:solidFill>
+              </a:rPr>
+              <a:t>Text is localized for the different jurisdictions</a:t>
+            </a:r>
+            <a:endParaRPr lang="es-ES" sz="2000">
+              <a:solidFill>
+                <a:srgbClr val="C00000"/>
+              </a:solidFill>
+            </a:endParaRPr>
+          </a:p>
+        </p:txBody>
+      </p:sp>
+      <p:sp>
+        <p:nvSpPr>
+          <p:cNvPr id="7" name="6 CuadroTexto"/>
+          <p:cNvSpPr txBox="1"/>
+          <p:nvPr/>
+        </p:nvSpPr>
+        <p:spPr>
+          <a:xfrm>
+            <a:off x="5500694" y="4000504"/>
+            <a:ext cx="3500430" cy="1323439"/>
+          </a:xfrm>
+          <a:prstGeom prst="rect">
+            <a:avLst/>
+          </a:prstGeom>
+          <a:noFill/>
+        </p:spPr>
+        <p:txBody>
+          <a:bodyPr wrap="square" rtlCol="0">
+            <a:spAutoFit/>
+          </a:bodyPr>
+          <a:lstStyle/>
+          <a:p>
+            <a:r>
+              <a:rPr lang="es-ES" sz="2000" smtClean="0">
+                <a:solidFill>
+                  <a:srgbClr val="C00000"/>
+                </a:solidFill>
+              </a:rPr>
+              <a:t>Within one jurisdiction, several lexicalizations are given.</a:t>
+            </a:r>
+          </a:p>
+          <a:p>
+            <a:r>
+              <a:rPr lang="es-ES" sz="2000" smtClean="0">
+                <a:solidFill>
+                  <a:srgbClr val="C00000"/>
+                </a:solidFill>
+              </a:rPr>
+              <a:t>Ex:(obra, (es) lan (eu), obra (ca), òbra (oci)…)</a:t>
+            </a:r>
+            <a:endParaRPr lang="es-ES" sz="2000">
+              <a:solidFill>
+                <a:srgbClr val="C00000"/>
+              </a:solidFill>
+            </a:endParaRPr>
+          </a:p>
+        </p:txBody>
+      </p:sp>
+      <p:sp>
+        <p:nvSpPr>
+          <p:cNvPr id="8" name="7 CuadroTexto"/>
+          <p:cNvSpPr txBox="1"/>
+          <p:nvPr/>
+        </p:nvSpPr>
+        <p:spPr>
+          <a:xfrm>
+            <a:off x="5357818" y="5572140"/>
+            <a:ext cx="3500430" cy="1015663"/>
+          </a:xfrm>
+          <a:prstGeom prst="rect">
+            <a:avLst/>
+          </a:prstGeom>
+          <a:noFill/>
+        </p:spPr>
+        <p:txBody>
+          <a:bodyPr wrap="square" rtlCol="0">
+            <a:spAutoFit/>
+          </a:bodyPr>
+          <a:lstStyle/>
+          <a:p>
+            <a:r>
+              <a:rPr lang="es-ES" sz="2000" smtClean="0">
+                <a:solidFill>
+                  <a:srgbClr val="C00000"/>
+                </a:solidFill>
+              </a:rPr>
+              <a:t>Definitions are given only for the regards of that specific document</a:t>
+            </a:r>
+            <a:endParaRPr lang="es-ES" sz="2000">
+              <a:solidFill>
+                <a:srgbClr val="C00000"/>
+              </a:solidFill>
+            </a:endParaRPr>
+          </a:p>
+        </p:txBody>
+      </p:sp>
+    </p:spTree>
+  </p:cSld>
+  <p:clrMapOvr>
+    <a:masterClrMapping/>
+  </p:clrMapOvr>
+</p:sld>
+</file>
+
+<file path=ppt/slides/slide15.xml><?xml version="1.0" encoding="utf-8"?>
+<p:sld xmlns:a="http://schemas.openxmlformats.org/drawingml/2006/main" xmlns:r="http://schemas.openxmlformats.org/officeDocument/2006/relationships" xmlns:p="http://schemas.openxmlformats.org/presentationml/2006/main">
+  <p:cSld>
+    <p:spTree>
+      <p:nvGrpSpPr>
+        <p:cNvPr id="1" name=""/>
+        <p:cNvGrpSpPr/>
+        <p:nvPr/>
+      </p:nvGrpSpPr>
+      <p:grpSpPr>
+        <a:xfrm>
+          <a:off x="0" y="0"/>
+          <a:ext cx="0" cy="0"/>
+          <a:chOff x="0" y="0"/>
+          <a:chExt cx="0" cy="0"/>
+        </a:xfrm>
+      </p:grpSpPr>
+      <p:sp>
+        <p:nvSpPr>
+          <p:cNvPr id="2" name="1 Título"/>
+          <p:cNvSpPr>
+            <a:spLocks noGrp="1"/>
+          </p:cNvSpPr>
+          <p:nvPr>
+            <p:ph type="title"/>
+          </p:nvPr>
+        </p:nvSpPr>
+        <p:spPr/>
+        <p:txBody>
+          <a:bodyPr>
+            <a:normAutofit fontScale="90000"/>
+          </a:bodyPr>
+          <a:lstStyle/>
+          <a:p>
+            <a:r>
+              <a:rPr lang="es-ES" smtClean="0"/>
+              <a:t>Never forgetting where semantics come from</a:t>
+            </a:r>
+            <a:endParaRPr lang="es-ES"/>
+          </a:p>
+        </p:txBody>
+      </p:sp>
+      <p:sp>
+        <p:nvSpPr>
+          <p:cNvPr id="4" name="3 Marcador de número de diapositiva"/>
+          <p:cNvSpPr>
+            <a:spLocks noGrp="1"/>
+          </p:cNvSpPr>
+          <p:nvPr>
+            <p:ph type="sldNum" sz="quarter" idx="12"/>
+          </p:nvPr>
+        </p:nvSpPr>
+        <p:spPr/>
+        <p:txBody>
+          <a:bodyPr/>
+          <a:lstStyle/>
+          <a:p>
+            <a:fld id="{132FADFE-3B8F-471C-ABF0-DBC7717ECBBC}" type="slidenum">
+              <a:rPr lang="es-ES" smtClean="0"/>
+              <a:pPr/>
+              <a:t>15</a:t>
+            </a:fld>
+            <a:endParaRPr lang="es-ES"/>
+          </a:p>
+        </p:txBody>
+      </p:sp>
+      <p:sp>
+        <p:nvSpPr>
+          <p:cNvPr id="6" name="5 Rectángulo redondeado"/>
+          <p:cNvSpPr/>
+          <p:nvPr/>
+        </p:nvSpPr>
+        <p:spPr>
+          <a:xfrm>
+            <a:off x="785785" y="1928802"/>
+            <a:ext cx="2571769" cy="571504"/>
+          </a:xfrm>
+          <a:prstGeom prst="roundRect">
+            <a:avLst/>
+          </a:prstGeom>
+          <a:solidFill>
+            <a:schemeClr val="accent1">
+              <a:lumMod val="40000"/>
+              <a:lumOff val="60000"/>
+            </a:schemeClr>
+          </a:solidFill>
+        </p:spPr>
+        <p:style>
+          <a:lnRef idx="2">
+            <a:schemeClr val="accent1">
+              <a:shade val="50000"/>
+            </a:schemeClr>
+          </a:lnRef>
+          <a:fillRef idx="1">
+            <a:schemeClr val="accent1"/>
+          </a:fillRef>
+          <a:effectRef idx="0">
+            <a:schemeClr val="accent1"/>
+          </a:effectRef>
+          <a:fontRef idx="minor">
+            <a:schemeClr val="lt1"/>
+          </a:fontRef>
+        </p:style>
+        <p:txBody>
+          <a:bodyPr rtlCol="0" anchor="ctr"/>
+          <a:lstStyle/>
+          <a:p>
+            <a:pPr algn="ctr"/>
+            <a:endParaRPr lang="es-ES"/>
+          </a:p>
+        </p:txBody>
+      </p:sp>
+      <p:sp>
+        <p:nvSpPr>
+          <p:cNvPr id="7" name="6 CuadroTexto"/>
+          <p:cNvSpPr txBox="1"/>
+          <p:nvPr/>
+        </p:nvSpPr>
+        <p:spPr>
+          <a:xfrm>
+            <a:off x="1000100" y="2000240"/>
+            <a:ext cx="1315745" cy="400110"/>
+          </a:xfrm>
+          <a:prstGeom prst="rect">
+            <a:avLst/>
+          </a:prstGeom>
+          <a:noFill/>
+        </p:spPr>
+        <p:txBody>
+          <a:bodyPr wrap="none" rtlCol="0">
+            <a:spAutoFit/>
+          </a:bodyPr>
+          <a:lstStyle/>
+          <a:p>
+            <a:r>
+              <a:rPr lang="es-ES" sz="2000" smtClean="0"/>
+              <a:t>Definitions</a:t>
+            </a:r>
+            <a:endParaRPr lang="es-ES" sz="2000"/>
+          </a:p>
+        </p:txBody>
+      </p:sp>
+      <p:sp>
+        <p:nvSpPr>
+          <p:cNvPr id="8" name="7 Rectángulo redondeado"/>
+          <p:cNvSpPr/>
+          <p:nvPr/>
+        </p:nvSpPr>
+        <p:spPr>
+          <a:xfrm>
+            <a:off x="785786" y="2714620"/>
+            <a:ext cx="2643206" cy="785818"/>
+          </a:xfrm>
+          <a:prstGeom prst="roundRect">
+            <a:avLst/>
+          </a:prstGeom>
+          <a:noFill/>
+        </p:spPr>
+        <p:style>
+          <a:lnRef idx="2">
+            <a:schemeClr val="accent1">
+              <a:shade val="50000"/>
+            </a:schemeClr>
+          </a:lnRef>
+          <a:fillRef idx="1">
+            <a:schemeClr val="accent1"/>
+          </a:fillRef>
+          <a:effectRef idx="0">
+            <a:schemeClr val="accent1"/>
+          </a:effectRef>
+          <a:fontRef idx="minor">
+            <a:schemeClr val="lt1"/>
+          </a:fontRef>
+        </p:style>
+        <p:txBody>
+          <a:bodyPr rtlCol="0" anchor="ctr"/>
+          <a:lstStyle/>
+          <a:p>
+            <a:pPr algn="ctr"/>
+            <a:endParaRPr lang="es-ES"/>
+          </a:p>
+        </p:txBody>
+      </p:sp>
+      <p:sp>
+        <p:nvSpPr>
+          <p:cNvPr id="9" name="8 CuadroTexto"/>
+          <p:cNvSpPr txBox="1"/>
+          <p:nvPr/>
+        </p:nvSpPr>
+        <p:spPr>
+          <a:xfrm>
+            <a:off x="1000100" y="2786058"/>
+            <a:ext cx="1690719" cy="707886"/>
+          </a:xfrm>
+          <a:prstGeom prst="rect">
+            <a:avLst/>
+          </a:prstGeom>
+          <a:noFill/>
+        </p:spPr>
+        <p:txBody>
+          <a:bodyPr wrap="none" rtlCol="0">
+            <a:spAutoFit/>
+          </a:bodyPr>
+          <a:lstStyle/>
+          <a:p>
+            <a:r>
+              <a:rPr lang="es-ES" sz="2000" smtClean="0"/>
+              <a:t>Common </a:t>
+            </a:r>
+          </a:p>
+          <a:p>
+            <a:r>
+              <a:rPr lang="es-ES" sz="2000" smtClean="0"/>
+              <a:t>understanding</a:t>
+            </a:r>
+            <a:endParaRPr lang="es-ES" sz="2000"/>
+          </a:p>
+        </p:txBody>
+      </p:sp>
+      <p:sp>
+        <p:nvSpPr>
+          <p:cNvPr id="10" name="9 Rectángulo redondeado"/>
+          <p:cNvSpPr/>
+          <p:nvPr/>
+        </p:nvSpPr>
+        <p:spPr>
+          <a:xfrm>
+            <a:off x="785786" y="4643446"/>
+            <a:ext cx="2643206" cy="785818"/>
+          </a:xfrm>
+          <a:prstGeom prst="roundRect">
+            <a:avLst/>
+          </a:prstGeom>
+          <a:noFill/>
+        </p:spPr>
+        <p:style>
+          <a:lnRef idx="2">
+            <a:schemeClr val="accent1">
+              <a:shade val="50000"/>
+            </a:schemeClr>
+          </a:lnRef>
+          <a:fillRef idx="1">
+            <a:schemeClr val="accent1"/>
+          </a:fillRef>
+          <a:effectRef idx="0">
+            <a:schemeClr val="accent1"/>
+          </a:effectRef>
+          <a:fontRef idx="minor">
+            <a:schemeClr val="lt1"/>
+          </a:fontRef>
+        </p:style>
+        <p:txBody>
+          <a:bodyPr rtlCol="0" anchor="ctr"/>
+          <a:lstStyle/>
+          <a:p>
+            <a:pPr algn="ctr"/>
+            <a:endParaRPr lang="es-ES"/>
+          </a:p>
+        </p:txBody>
+      </p:sp>
+      <p:sp>
+        <p:nvSpPr>
+          <p:cNvPr id="11" name="10 CuadroTexto"/>
+          <p:cNvSpPr txBox="1"/>
+          <p:nvPr/>
+        </p:nvSpPr>
+        <p:spPr>
+          <a:xfrm>
+            <a:off x="1000100" y="4714884"/>
+            <a:ext cx="1143133" cy="400110"/>
+          </a:xfrm>
+          <a:prstGeom prst="rect">
+            <a:avLst/>
+          </a:prstGeom>
+          <a:noFill/>
+        </p:spPr>
+        <p:txBody>
+          <a:bodyPr wrap="none" rtlCol="0">
+            <a:spAutoFit/>
+          </a:bodyPr>
+          <a:lstStyle/>
+          <a:p>
+            <a:r>
+              <a:rPr lang="es-ES" sz="2000" smtClean="0"/>
+              <a:t>Case Law</a:t>
+            </a:r>
+            <a:endParaRPr lang="es-ES" sz="2000"/>
+          </a:p>
+        </p:txBody>
+      </p:sp>
+      <p:sp>
+        <p:nvSpPr>
+          <p:cNvPr id="12" name="11 Rectángulo redondeado"/>
+          <p:cNvSpPr/>
+          <p:nvPr/>
+        </p:nvSpPr>
+        <p:spPr>
+          <a:xfrm>
+            <a:off x="785786" y="3714752"/>
+            <a:ext cx="2643206" cy="785818"/>
+          </a:xfrm>
+          <a:prstGeom prst="roundRect">
+            <a:avLst/>
+          </a:prstGeom>
+          <a:noFill/>
+        </p:spPr>
+        <p:style>
+          <a:lnRef idx="2">
+            <a:schemeClr val="accent1">
+              <a:shade val="50000"/>
+            </a:schemeClr>
+          </a:lnRef>
+          <a:fillRef idx="1">
+            <a:schemeClr val="accent1"/>
+          </a:fillRef>
+          <a:effectRef idx="0">
+            <a:schemeClr val="accent1"/>
+          </a:effectRef>
+          <a:fontRef idx="minor">
+            <a:schemeClr val="lt1"/>
+          </a:fontRef>
+        </p:style>
+        <p:txBody>
+          <a:bodyPr rtlCol="0" anchor="ctr"/>
+          <a:lstStyle/>
+          <a:p>
+            <a:pPr algn="ctr"/>
+            <a:endParaRPr lang="es-ES"/>
+          </a:p>
+        </p:txBody>
+      </p:sp>
+      <p:sp>
+        <p:nvSpPr>
+          <p:cNvPr id="13" name="12 CuadroTexto"/>
+          <p:cNvSpPr txBox="1"/>
+          <p:nvPr/>
+        </p:nvSpPr>
+        <p:spPr>
+          <a:xfrm>
+            <a:off x="928662" y="3786190"/>
+            <a:ext cx="2500330" cy="707886"/>
+          </a:xfrm>
+          <a:prstGeom prst="rect">
+            <a:avLst/>
+          </a:prstGeom>
+          <a:noFill/>
+        </p:spPr>
+        <p:txBody>
+          <a:bodyPr wrap="square" rtlCol="0">
+            <a:spAutoFit/>
+          </a:bodyPr>
+          <a:lstStyle/>
+          <a:p>
+            <a:r>
+              <a:rPr lang="es-ES" sz="2000" smtClean="0"/>
+              <a:t>Every use and relation to other concepts</a:t>
+            </a:r>
+            <a:endParaRPr lang="es-ES" sz="2000"/>
+          </a:p>
+        </p:txBody>
+      </p:sp>
+      <p:sp>
+        <p:nvSpPr>
+          <p:cNvPr id="14" name="13 Rectángulo redondeado"/>
+          <p:cNvSpPr/>
+          <p:nvPr/>
+        </p:nvSpPr>
+        <p:spPr>
+          <a:xfrm>
+            <a:off x="4500562" y="3286124"/>
+            <a:ext cx="2643206" cy="785818"/>
+          </a:xfrm>
+          <a:prstGeom prst="roundRect">
+            <a:avLst/>
+          </a:prstGeom>
+          <a:noFill/>
+        </p:spPr>
+        <p:style>
+          <a:lnRef idx="2">
+            <a:schemeClr val="accent1">
+              <a:shade val="50000"/>
+            </a:schemeClr>
+          </a:lnRef>
+          <a:fillRef idx="1">
+            <a:schemeClr val="accent1"/>
+          </a:fillRef>
+          <a:effectRef idx="0">
+            <a:schemeClr val="accent1"/>
+          </a:effectRef>
+          <a:fontRef idx="minor">
+            <a:schemeClr val="lt1"/>
+          </a:fontRef>
+        </p:style>
+        <p:txBody>
+          <a:bodyPr rtlCol="0" anchor="ctr"/>
+          <a:lstStyle/>
+          <a:p>
+            <a:pPr algn="ctr"/>
+            <a:endParaRPr lang="es-ES"/>
+          </a:p>
+        </p:txBody>
+      </p:sp>
+      <p:sp>
+        <p:nvSpPr>
+          <p:cNvPr id="15" name="14 CuadroTexto"/>
+          <p:cNvSpPr txBox="1"/>
+          <p:nvPr/>
+        </p:nvSpPr>
+        <p:spPr>
+          <a:xfrm>
+            <a:off x="4643438" y="3357562"/>
+            <a:ext cx="2500330" cy="523220"/>
+          </a:xfrm>
+          <a:prstGeom prst="rect">
+            <a:avLst/>
+          </a:prstGeom>
+          <a:noFill/>
+        </p:spPr>
+        <p:txBody>
+          <a:bodyPr wrap="square" rtlCol="0">
+            <a:spAutoFit/>
+          </a:bodyPr>
+          <a:lstStyle/>
+          <a:p>
+            <a:pPr algn="ctr"/>
+            <a:r>
+              <a:rPr lang="es-ES" sz="2800" smtClean="0"/>
+              <a:t>Meaning</a:t>
+            </a:r>
+            <a:endParaRPr lang="es-ES" sz="2800"/>
+          </a:p>
+        </p:txBody>
+      </p:sp>
+      <p:cxnSp>
+        <p:nvCxnSpPr>
+          <p:cNvPr id="17" name="16 Conector recto de flecha"/>
+          <p:cNvCxnSpPr>
+            <a:stCxn id="6" idx="3"/>
+            <a:endCxn id="14" idx="1"/>
+          </p:cNvCxnSpPr>
+          <p:nvPr/>
+        </p:nvCxnSpPr>
+        <p:spPr>
+          <a:xfrm>
+            <a:off x="3357554" y="2214554"/>
+            <a:ext cx="1143008" cy="1464479"/>
+          </a:xfrm>
+          <a:prstGeom prst="straightConnector1">
+            <a:avLst/>
+          </a:prstGeom>
+          <a:ln>
+            <a:tailEnd type="arrow"/>
+          </a:ln>
+        </p:spPr>
+        <p:style>
+          <a:lnRef idx="1">
+            <a:schemeClr val="accent1"/>
+          </a:lnRef>
+          <a:fillRef idx="0">
+            <a:schemeClr val="accent1"/>
+          </a:fillRef>
+          <a:effectRef idx="0">
+            <a:schemeClr val="accent1"/>
+          </a:effectRef>
+          <a:fontRef idx="minor">
+            <a:schemeClr val="tx1"/>
+          </a:fontRef>
+        </p:style>
+      </p:cxnSp>
+      <p:cxnSp>
+        <p:nvCxnSpPr>
+          <p:cNvPr id="18" name="17 Conector recto de flecha"/>
+          <p:cNvCxnSpPr>
+            <a:endCxn id="14" idx="1"/>
+          </p:cNvCxnSpPr>
+          <p:nvPr/>
+        </p:nvCxnSpPr>
+        <p:spPr>
+          <a:xfrm>
+            <a:off x="3428992" y="3143248"/>
+            <a:ext cx="1071570" cy="535785"/>
+          </a:xfrm>
+          <a:prstGeom prst="straightConnector1">
+            <a:avLst/>
+          </a:prstGeom>
+          <a:ln>
+            <a:tailEnd type="arrow"/>
+          </a:ln>
+        </p:spPr>
+        <p:style>
+          <a:lnRef idx="1">
+            <a:schemeClr val="accent1"/>
+          </a:lnRef>
+          <a:fillRef idx="0">
+            <a:schemeClr val="accent1"/>
+          </a:fillRef>
+          <a:effectRef idx="0">
+            <a:schemeClr val="accent1"/>
+          </a:effectRef>
+          <a:fontRef idx="minor">
+            <a:schemeClr val="tx1"/>
+          </a:fontRef>
+        </p:style>
+      </p:cxnSp>
+      <p:cxnSp>
+        <p:nvCxnSpPr>
+          <p:cNvPr id="20" name="19 Conector recto de flecha"/>
+          <p:cNvCxnSpPr>
+            <a:endCxn id="14" idx="1"/>
+          </p:cNvCxnSpPr>
+          <p:nvPr/>
+        </p:nvCxnSpPr>
+        <p:spPr>
+          <a:xfrm flipV="1">
+            <a:off x="3428992" y="3679033"/>
+            <a:ext cx="1071570" cy="464347"/>
+          </a:xfrm>
+          <a:prstGeom prst="straightConnector1">
+            <a:avLst/>
+          </a:prstGeom>
+          <a:ln>
+            <a:tailEnd type="arrow"/>
+          </a:ln>
+        </p:spPr>
+        <p:style>
+          <a:lnRef idx="1">
+            <a:schemeClr val="accent1"/>
+          </a:lnRef>
+          <a:fillRef idx="0">
+            <a:schemeClr val="accent1"/>
+          </a:fillRef>
+          <a:effectRef idx="0">
+            <a:schemeClr val="accent1"/>
+          </a:effectRef>
+          <a:fontRef idx="minor">
+            <a:schemeClr val="tx1"/>
+          </a:fontRef>
+        </p:style>
+      </p:cxnSp>
+      <p:cxnSp>
+        <p:nvCxnSpPr>
+          <p:cNvPr id="22" name="21 Conector recto de flecha"/>
+          <p:cNvCxnSpPr>
+            <a:endCxn id="14" idx="1"/>
+          </p:cNvCxnSpPr>
+          <p:nvPr/>
+        </p:nvCxnSpPr>
+        <p:spPr>
+          <a:xfrm rot="5400000" flipH="1" flipV="1">
+            <a:off x="3286116" y="3821910"/>
+            <a:ext cx="1357323" cy="1071570"/>
+          </a:xfrm>
+          <a:prstGeom prst="straightConnector1">
+            <a:avLst/>
+          </a:prstGeom>
+          <a:ln>
+            <a:tailEnd type="arrow"/>
+          </a:ln>
+        </p:spPr>
+        <p:style>
+          <a:lnRef idx="1">
+            <a:schemeClr val="accent1"/>
+          </a:lnRef>
+          <a:fillRef idx="0">
+            <a:schemeClr val="accent1"/>
+          </a:fillRef>
+          <a:effectRef idx="0">
+            <a:schemeClr val="accent1"/>
+          </a:effectRef>
+          <a:fontRef idx="minor">
+            <a:schemeClr val="tx1"/>
+          </a:fontRef>
+        </p:style>
+      </p:cxnSp>
+      <p:sp>
+        <p:nvSpPr>
+          <p:cNvPr id="24" name="23 Rectángulo redondeado"/>
+          <p:cNvSpPr/>
+          <p:nvPr/>
+        </p:nvSpPr>
+        <p:spPr>
+          <a:xfrm>
+            <a:off x="714348" y="5572140"/>
+            <a:ext cx="2643206" cy="785818"/>
+          </a:xfrm>
+          <a:prstGeom prst="roundRect">
+            <a:avLst/>
+          </a:prstGeom>
+          <a:noFill/>
+        </p:spPr>
+        <p:style>
+          <a:lnRef idx="2">
+            <a:schemeClr val="accent1">
+              <a:shade val="50000"/>
+            </a:schemeClr>
+          </a:lnRef>
+          <a:fillRef idx="1">
+            <a:schemeClr val="accent1"/>
+          </a:fillRef>
+          <a:effectRef idx="0">
+            <a:schemeClr val="accent1"/>
+          </a:effectRef>
+          <a:fontRef idx="minor">
+            <a:schemeClr val="lt1"/>
+          </a:fontRef>
+        </p:style>
+        <p:txBody>
+          <a:bodyPr rtlCol="0" anchor="ctr"/>
+          <a:lstStyle/>
+          <a:p>
+            <a:pPr algn="ctr"/>
+            <a:endParaRPr lang="es-ES"/>
+          </a:p>
+        </p:txBody>
+      </p:sp>
+      <p:sp>
+        <p:nvSpPr>
+          <p:cNvPr id="25" name="24 CuadroTexto"/>
+          <p:cNvSpPr txBox="1"/>
+          <p:nvPr/>
+        </p:nvSpPr>
+        <p:spPr>
+          <a:xfrm>
+            <a:off x="928662" y="5572140"/>
+            <a:ext cx="360996" cy="400110"/>
+          </a:xfrm>
+          <a:prstGeom prst="rect">
+            <a:avLst/>
+          </a:prstGeom>
+          <a:noFill/>
+        </p:spPr>
+        <p:txBody>
+          <a:bodyPr wrap="none" rtlCol="0">
+            <a:spAutoFit/>
+          </a:bodyPr>
+          <a:lstStyle/>
+          <a:p>
+            <a:r>
+              <a:rPr lang="es-ES" sz="2000" smtClean="0"/>
+              <a:t>…</a:t>
+            </a:r>
+            <a:endParaRPr lang="es-ES" sz="2000"/>
+          </a:p>
+        </p:txBody>
+      </p:sp>
+      <p:cxnSp>
+        <p:nvCxnSpPr>
+          <p:cNvPr id="26" name="25 Conector recto de flecha"/>
+          <p:cNvCxnSpPr>
+            <a:endCxn id="14" idx="1"/>
+          </p:cNvCxnSpPr>
+          <p:nvPr/>
+        </p:nvCxnSpPr>
+        <p:spPr>
+          <a:xfrm rot="5400000" flipH="1" flipV="1">
+            <a:off x="2768190" y="4268398"/>
+            <a:ext cx="2321736" cy="1143007"/>
+          </a:xfrm>
+          <a:prstGeom prst="straightConnector1">
+            <a:avLst/>
+          </a:prstGeom>
+          <a:ln>
+            <a:tailEnd type="arrow"/>
+          </a:ln>
+        </p:spPr>
+        <p:style>
+          <a:lnRef idx="1">
+            <a:schemeClr val="accent1"/>
+          </a:lnRef>
+          <a:fillRef idx="0">
+            <a:schemeClr val="accent1"/>
+          </a:fillRef>
+          <a:effectRef idx="0">
+            <a:schemeClr val="accent1"/>
+          </a:effectRef>
+          <a:fontRef idx="minor">
+            <a:schemeClr val="tx1"/>
+          </a:fontRef>
+        </p:style>
+      </p:cxnSp>
+    </p:spTree>
+  </p:cSld>
+  <p:clrMapOvr>
+    <a:masterClrMapping/>
+  </p:clrMapOvr>
+  <p:timing>
+    <p:tnLst>
+      <p:par>
+        <p:cTn id="1" dur="indefinite" restart="never" nodeType="tmRoot"/>
+      </p:par>
+    </p:tnLst>
+  </p:timing>
+</p:sld>
+</file>
+
+<file path=ppt/slides/slide16.xml><?xml version="1.0" encoding="utf-8"?>
+<p:sld xmlns:a="http://schemas.openxmlformats.org/drawingml/2006/main" xmlns:r="http://schemas.openxmlformats.org/officeDocument/2006/relationships" xmlns:p="http://schemas.openxmlformats.org/presentationml/2006/main">
+  <p:cSld>
+    <p:spTree>
+      <p:nvGrpSpPr>
+        <p:cNvPr id="1" name=""/>
+        <p:cNvGrpSpPr/>
+        <p:nvPr/>
+      </p:nvGrpSpPr>
+      <p:grpSpPr>
+        <a:xfrm>
+          <a:off x="0" y="0"/>
+          <a:ext cx="0" cy="0"/>
+          <a:chOff x="0" y="0"/>
+          <a:chExt cx="0" cy="0"/>
+        </a:xfrm>
+      </p:grpSpPr>
+      <p:sp>
+        <p:nvSpPr>
+          <p:cNvPr id="2" name="1 Título"/>
+          <p:cNvSpPr>
+            <a:spLocks noGrp="1"/>
+          </p:cNvSpPr>
+          <p:nvPr>
+            <p:ph type="title"/>
+          </p:nvPr>
+        </p:nvSpPr>
+        <p:spPr/>
+        <p:txBody>
+          <a:bodyPr/>
+          <a:lstStyle/>
+          <a:p>
+            <a:r>
+              <a:rPr lang="es-ES" smtClean="0"/>
+              <a:t>Relations between concepts</a:t>
+            </a:r>
+            <a:endParaRPr lang="es-ES"/>
+          </a:p>
+        </p:txBody>
+      </p:sp>
+      <p:sp>
+        <p:nvSpPr>
+          <p:cNvPr id="3" name="2 Marcador de contenido"/>
+          <p:cNvSpPr>
+            <a:spLocks noGrp="1"/>
+          </p:cNvSpPr>
+          <p:nvPr>
+            <p:ph idx="1"/>
+          </p:nvPr>
+        </p:nvSpPr>
+        <p:spPr/>
+        <p:txBody>
+          <a:bodyPr/>
+          <a:lstStyle/>
+          <a:p>
+            <a:r>
+              <a:rPr lang="es-ES" smtClean="0"/>
+              <a:t>Minimal hierarchical relationship between evident concepts.</a:t>
+            </a:r>
+            <a:endParaRPr lang="es-ES"/>
+          </a:p>
+        </p:txBody>
+      </p:sp>
+      <p:sp>
+        <p:nvSpPr>
+          <p:cNvPr id="4" name="3 Marcador de número de diapositiva"/>
+          <p:cNvSpPr>
+            <a:spLocks noGrp="1"/>
+          </p:cNvSpPr>
+          <p:nvPr>
+            <p:ph type="sldNum" sz="quarter" idx="12"/>
+          </p:nvPr>
+        </p:nvSpPr>
+        <p:spPr/>
+        <p:txBody>
+          <a:bodyPr/>
+          <a:lstStyle/>
+          <a:p>
+            <a:fld id="{132FADFE-3B8F-471C-ABF0-DBC7717ECBBC}" type="slidenum">
+              <a:rPr lang="es-ES" smtClean="0"/>
+              <a:pPr/>
+              <a:t>16</a:t>
+            </a:fld>
+            <a:endParaRPr lang="es-ES"/>
+          </a:p>
+        </p:txBody>
+      </p:sp>
+      <p:pic>
+        <p:nvPicPr>
+          <p:cNvPr id="23555" name="Picture 3"/>
+          <p:cNvPicPr>
+            <a:picLocks noChangeAspect="1" noChangeArrowheads="1"/>
+          </p:cNvPicPr>
+          <p:nvPr/>
+        </p:nvPicPr>
+        <p:blipFill>
+          <a:blip r:embed="rId3"/>
+          <a:srcRect/>
+          <a:stretch>
+            <a:fillRect/>
+          </a:stretch>
+        </p:blipFill>
+        <p:spPr bwMode="auto">
+          <a:xfrm>
+            <a:off x="285720" y="5286388"/>
+            <a:ext cx="8629802" cy="857256"/>
+          </a:xfrm>
+          <a:prstGeom prst="rect">
+            <a:avLst/>
+          </a:prstGeom>
+          <a:noFill/>
+          <a:ln w="9525">
+            <a:noFill/>
+            <a:miter lim="800000"/>
+            <a:headEnd/>
+            <a:tailEnd/>
+          </a:ln>
+          <a:effectLst/>
+        </p:spPr>
+      </p:pic>
+      <p:pic>
+        <p:nvPicPr>
+          <p:cNvPr id="23556" name="Picture 4"/>
+          <p:cNvPicPr>
+            <a:picLocks noChangeAspect="1" noChangeArrowheads="1"/>
+          </p:cNvPicPr>
+          <p:nvPr/>
+        </p:nvPicPr>
+        <p:blipFill>
+          <a:blip r:embed="rId4"/>
+          <a:srcRect/>
+          <a:stretch>
+            <a:fillRect/>
+          </a:stretch>
+        </p:blipFill>
+        <p:spPr bwMode="auto">
+          <a:xfrm>
+            <a:off x="4500562" y="2143116"/>
+            <a:ext cx="4464128" cy="2071702"/>
+          </a:xfrm>
+          <a:prstGeom prst="rect">
+            <a:avLst/>
+          </a:prstGeom>
+          <a:noFill/>
+          <a:ln w="9525">
+            <a:noFill/>
+            <a:miter lim="800000"/>
+            <a:headEnd/>
+            <a:tailEnd/>
+          </a:ln>
+          <a:effectLst/>
+        </p:spPr>
+      </p:pic>
+      <p:sp>
+        <p:nvSpPr>
+          <p:cNvPr id="8" name="7 Rectángulo redondeado"/>
+          <p:cNvSpPr/>
+          <p:nvPr/>
+        </p:nvSpPr>
+        <p:spPr>
+          <a:xfrm>
+            <a:off x="285720" y="2857496"/>
+            <a:ext cx="2286016" cy="1000132"/>
+          </a:xfrm>
+          <a:prstGeom prst="roundRect">
+            <a:avLst/>
+          </a:prstGeom>
+          <a:noFill/>
+        </p:spPr>
+        <p:style>
+          <a:lnRef idx="2">
+            <a:schemeClr val="accent1">
+              <a:shade val="50000"/>
+            </a:schemeClr>
+          </a:lnRef>
+          <a:fillRef idx="1">
+            <a:schemeClr val="accent1"/>
+          </a:fillRef>
+          <a:effectRef idx="0">
+            <a:schemeClr val="accent1"/>
+          </a:effectRef>
+          <a:fontRef idx="minor">
+            <a:schemeClr val="lt1"/>
+          </a:fontRef>
+        </p:style>
+        <p:txBody>
+          <a:bodyPr rtlCol="0" anchor="ctr"/>
+          <a:lstStyle/>
+          <a:p>
+            <a:pPr algn="ctr"/>
+            <a:endParaRPr lang="es-ES"/>
+          </a:p>
+        </p:txBody>
+      </p:sp>
+      <p:sp>
+        <p:nvSpPr>
+          <p:cNvPr id="9" name="8 CuadroTexto"/>
+          <p:cNvSpPr txBox="1"/>
+          <p:nvPr/>
+        </p:nvSpPr>
+        <p:spPr>
+          <a:xfrm>
+            <a:off x="357158" y="2928934"/>
+            <a:ext cx="2211808" cy="923330"/>
+          </a:xfrm>
+          <a:prstGeom prst="rect">
+            <a:avLst/>
+          </a:prstGeom>
+          <a:noFill/>
+        </p:spPr>
+        <p:txBody>
+          <a:bodyPr wrap="square" rtlCol="0">
+            <a:spAutoFit/>
+          </a:bodyPr>
+          <a:lstStyle/>
+          <a:p>
+            <a:r>
+              <a:rPr lang="es-ES" b="1" smtClean="0"/>
+              <a:t>Public domain</a:t>
+            </a:r>
+          </a:p>
+          <a:p>
+            <a:r>
+              <a:rPr lang="es-ES" smtClean="0"/>
+              <a:t>General concept.</a:t>
+            </a:r>
+          </a:p>
+          <a:p>
+            <a:r>
+              <a:rPr lang="es-ES" smtClean="0"/>
+              <a:t>WIPO definition</a:t>
+            </a:r>
+            <a:endParaRPr lang="es-ES"/>
+          </a:p>
+        </p:txBody>
+      </p:sp>
+      <p:sp>
+        <p:nvSpPr>
+          <p:cNvPr id="10" name="9 Rectángulo redondeado"/>
+          <p:cNvSpPr/>
+          <p:nvPr/>
+        </p:nvSpPr>
+        <p:spPr>
+          <a:xfrm>
+            <a:off x="1643042" y="4286256"/>
+            <a:ext cx="3000396" cy="1000132"/>
+          </a:xfrm>
+          <a:prstGeom prst="roundRect">
+            <a:avLst/>
+          </a:prstGeom>
+          <a:noFill/>
+        </p:spPr>
+        <p:style>
+          <a:lnRef idx="2">
+            <a:schemeClr val="accent1">
+              <a:shade val="50000"/>
+            </a:schemeClr>
+          </a:lnRef>
+          <a:fillRef idx="1">
+            <a:schemeClr val="accent1"/>
+          </a:fillRef>
+          <a:effectRef idx="0">
+            <a:schemeClr val="accent1"/>
+          </a:effectRef>
+          <a:fontRef idx="minor">
+            <a:schemeClr val="lt1"/>
+          </a:fontRef>
+        </p:style>
+        <p:txBody>
+          <a:bodyPr rtlCol="0" anchor="ctr"/>
+          <a:lstStyle/>
+          <a:p>
+            <a:pPr algn="ctr"/>
+            <a:endParaRPr lang="es-ES"/>
+          </a:p>
+        </p:txBody>
+      </p:sp>
+      <p:sp>
+        <p:nvSpPr>
+          <p:cNvPr id="11" name="10 CuadroTexto"/>
+          <p:cNvSpPr txBox="1"/>
+          <p:nvPr/>
+        </p:nvSpPr>
+        <p:spPr>
+          <a:xfrm>
+            <a:off x="1714480" y="4357694"/>
+            <a:ext cx="2929520" cy="923330"/>
+          </a:xfrm>
+          <a:prstGeom prst="rect">
+            <a:avLst/>
+          </a:prstGeom>
+          <a:noFill/>
+        </p:spPr>
+        <p:txBody>
+          <a:bodyPr wrap="none" rtlCol="0">
+            <a:spAutoFit/>
+          </a:bodyPr>
+          <a:lstStyle/>
+          <a:p>
+            <a:r>
+              <a:rPr lang="es-ES" b="1" smtClean="0"/>
+              <a:t>Public domain (PT)</a:t>
+            </a:r>
+          </a:p>
+          <a:p>
+            <a:r>
+              <a:rPr lang="es-ES" smtClean="0"/>
+              <a:t>Specialized concept</a:t>
+            </a:r>
+          </a:p>
+          <a:p>
+            <a:r>
+              <a:rPr lang="es-ES" smtClean="0"/>
+              <a:t>Only for the jurisdiction of PT</a:t>
+            </a:r>
+            <a:endParaRPr lang="es-ES"/>
+          </a:p>
+        </p:txBody>
+      </p:sp>
+      <p:sp>
+        <p:nvSpPr>
+          <p:cNvPr id="12" name="11 Triángulo isósceles"/>
+          <p:cNvSpPr/>
+          <p:nvPr/>
+        </p:nvSpPr>
+        <p:spPr>
+          <a:xfrm>
+            <a:off x="714348" y="3929066"/>
+            <a:ext cx="500066" cy="428628"/>
+          </a:xfrm>
+          <a:prstGeom prst="triangle">
+            <a:avLst/>
+          </a:prstGeom>
+        </p:spPr>
+        <p:style>
+          <a:lnRef idx="2">
+            <a:schemeClr val="accent1">
+              <a:shade val="50000"/>
+            </a:schemeClr>
+          </a:lnRef>
+          <a:fillRef idx="1">
+            <a:schemeClr val="accent1"/>
+          </a:fillRef>
+          <a:effectRef idx="0">
+            <a:schemeClr val="accent1"/>
+          </a:effectRef>
+          <a:fontRef idx="minor">
+            <a:schemeClr val="lt1"/>
+          </a:fontRef>
+        </p:style>
+        <p:txBody>
+          <a:bodyPr rtlCol="0" anchor="ctr"/>
+          <a:lstStyle/>
+          <a:p>
+            <a:pPr algn="ctr"/>
+            <a:endParaRPr lang="es-ES"/>
+          </a:p>
+        </p:txBody>
+      </p:sp>
+      <p:cxnSp>
+        <p:nvCxnSpPr>
+          <p:cNvPr id="14" name="13 Conector recto"/>
+          <p:cNvCxnSpPr>
+            <a:stCxn id="12" idx="3"/>
+            <a:endCxn id="10" idx="1"/>
+          </p:cNvCxnSpPr>
+          <p:nvPr/>
+        </p:nvCxnSpPr>
+        <p:spPr>
+          <a:xfrm rot="16200000" flipH="1">
+            <a:off x="1089397" y="4232677"/>
+            <a:ext cx="428628" cy="678661"/>
+          </a:xfrm>
+          <a:prstGeom prst="bentConnector2">
+            <a:avLst/>
+          </a:prstGeom>
+          <a:ln w="38100"/>
+        </p:spPr>
+        <p:style>
+          <a:lnRef idx="1">
+            <a:schemeClr val="accent1"/>
+          </a:lnRef>
+          <a:fillRef idx="0">
+            <a:schemeClr val="accent1"/>
+          </a:fillRef>
+          <a:effectRef idx="0">
+            <a:schemeClr val="accent1"/>
+          </a:effectRef>
+          <a:fontRef idx="minor">
+            <a:schemeClr val="tx1"/>
+          </a:fontRef>
+        </p:style>
+      </p:cxnSp>
+      <p:sp>
+        <p:nvSpPr>
+          <p:cNvPr id="15" name="14 CuadroTexto"/>
+          <p:cNvSpPr txBox="1"/>
+          <p:nvPr/>
+        </p:nvSpPr>
+        <p:spPr>
+          <a:xfrm>
+            <a:off x="3929058" y="6000768"/>
+            <a:ext cx="4429156" cy="369332"/>
+          </a:xfrm>
+          <a:prstGeom prst="rect">
+            <a:avLst/>
+          </a:prstGeom>
+          <a:noFill/>
+        </p:spPr>
+        <p:txBody>
+          <a:bodyPr wrap="square" rtlCol="0">
+            <a:spAutoFit/>
+          </a:bodyPr>
+          <a:lstStyle/>
+          <a:p>
+            <a:r>
+              <a:rPr lang="es-ES" smtClean="0">
+                <a:solidFill>
+                  <a:srgbClr val="C00000"/>
+                </a:solidFill>
+              </a:rPr>
+              <a:t>For example, the specificity of the ’70 years’</a:t>
+            </a:r>
+            <a:endParaRPr lang="es-ES">
+              <a:solidFill>
+                <a:srgbClr val="C00000"/>
+              </a:solidFill>
+            </a:endParaRPr>
+          </a:p>
+        </p:txBody>
+      </p:sp>
+    </p:spTree>
+  </p:cSld>
+  <p:clrMapOvr>
+    <a:masterClrMapping/>
+  </p:clrMapOvr>
+  <p:timing>
+    <p:tnLst>
+      <p:par>
+        <p:cTn id="1" dur="indefinite" restart="never" nodeType="tmRoot"/>
+      </p:par>
+    </p:tnLst>
+  </p:timing>
+</p:sld>
+</file>
+
+<file path=ppt/slides/slide17.xml><?xml version="1.0" encoding="utf-8"?>
+<p:sld xmlns:a="http://schemas.openxmlformats.org/drawingml/2006/main" xmlns:r="http://schemas.openxmlformats.org/officeDocument/2006/relationships" xmlns:p="http://schemas.openxmlformats.org/presentationml/2006/main">
+  <p:cSld>
+    <p:spTree>
+      <p:nvGrpSpPr>
+        <p:cNvPr id="1" name=""/>
+        <p:cNvGrpSpPr/>
+        <p:nvPr/>
+      </p:nvGrpSpPr>
+      <p:grpSpPr>
+        <a:xfrm>
+          <a:off x="0" y="0"/>
+          <a:ext cx="0" cy="0"/>
+          <a:chOff x="0" y="0"/>
+          <a:chExt cx="0" cy="0"/>
+        </a:xfrm>
+      </p:grpSpPr>
+      <p:sp>
+        <p:nvSpPr>
+          <p:cNvPr id="2" name="1 Título"/>
+          <p:cNvSpPr>
+            <a:spLocks noGrp="1"/>
+          </p:cNvSpPr>
+          <p:nvPr>
+            <p:ph type="title"/>
+          </p:nvPr>
+        </p:nvSpPr>
+        <p:spPr/>
+        <p:txBody>
+          <a:bodyPr/>
+          <a:lstStyle/>
+          <a:p>
+            <a:r>
+              <a:rPr lang="es-ES" smtClean="0"/>
+              <a:t>Relations between concepts (II)</a:t>
+            </a:r>
+            <a:endParaRPr lang="es-ES"/>
+          </a:p>
+        </p:txBody>
+      </p:sp>
+      <p:sp>
+        <p:nvSpPr>
+          <p:cNvPr id="3" name="2 Marcador de contenido"/>
+          <p:cNvSpPr>
+            <a:spLocks noGrp="1"/>
+          </p:cNvSpPr>
+          <p:nvPr>
+            <p:ph idx="1"/>
+          </p:nvPr>
+        </p:nvSpPr>
+        <p:spPr/>
+        <p:txBody>
+          <a:bodyPr/>
+          <a:lstStyle/>
+          <a:p>
+            <a:r>
+              <a:rPr lang="es-ES" smtClean="0"/>
+              <a:t>Minimal hierarchical relationship between evident concepts.</a:t>
+            </a:r>
+            <a:endParaRPr lang="es-ES"/>
+          </a:p>
+        </p:txBody>
+      </p:sp>
+      <p:sp>
+        <p:nvSpPr>
+          <p:cNvPr id="4" name="3 Marcador de número de diapositiva"/>
+          <p:cNvSpPr>
+            <a:spLocks noGrp="1"/>
+          </p:cNvSpPr>
+          <p:nvPr>
+            <p:ph type="sldNum" sz="quarter" idx="12"/>
+          </p:nvPr>
+        </p:nvSpPr>
+        <p:spPr/>
+        <p:txBody>
+          <a:bodyPr/>
+          <a:lstStyle/>
+          <a:p>
+            <a:fld id="{132FADFE-3B8F-471C-ABF0-DBC7717ECBBC}" type="slidenum">
+              <a:rPr lang="es-ES" smtClean="0"/>
+              <a:pPr/>
+              <a:t>17</a:t>
+            </a:fld>
+            <a:endParaRPr lang="es-ES"/>
+          </a:p>
+        </p:txBody>
+      </p:sp>
+      <p:sp>
+        <p:nvSpPr>
+          <p:cNvPr id="8" name="7 Rectángulo redondeado"/>
+          <p:cNvSpPr/>
+          <p:nvPr/>
+        </p:nvSpPr>
+        <p:spPr>
+          <a:xfrm>
+            <a:off x="285720" y="2857496"/>
+            <a:ext cx="2286016" cy="1000132"/>
+          </a:xfrm>
+          <a:prstGeom prst="roundRect">
+            <a:avLst/>
+          </a:prstGeom>
+          <a:noFill/>
+        </p:spPr>
+        <p:style>
+          <a:lnRef idx="2">
+            <a:schemeClr val="accent1">
+              <a:shade val="50000"/>
+            </a:schemeClr>
+          </a:lnRef>
+          <a:fillRef idx="1">
+            <a:schemeClr val="accent1"/>
+          </a:fillRef>
+          <a:effectRef idx="0">
+            <a:schemeClr val="accent1"/>
+          </a:effectRef>
+          <a:fontRef idx="minor">
+            <a:schemeClr val="lt1"/>
+          </a:fontRef>
+        </p:style>
+        <p:txBody>
+          <a:bodyPr rtlCol="0" anchor="ctr"/>
+          <a:lstStyle/>
+          <a:p>
+            <a:pPr algn="ctr"/>
+            <a:endParaRPr lang="es-ES"/>
+          </a:p>
+        </p:txBody>
+      </p:sp>
+      <p:sp>
+        <p:nvSpPr>
+          <p:cNvPr id="9" name="8 CuadroTexto"/>
+          <p:cNvSpPr txBox="1"/>
+          <p:nvPr/>
+        </p:nvSpPr>
+        <p:spPr>
+          <a:xfrm>
+            <a:off x="357158" y="2928934"/>
+            <a:ext cx="2211808" cy="923330"/>
+          </a:xfrm>
+          <a:prstGeom prst="rect">
+            <a:avLst/>
+          </a:prstGeom>
+          <a:noFill/>
+        </p:spPr>
+        <p:txBody>
+          <a:bodyPr wrap="square" rtlCol="0">
+            <a:spAutoFit/>
+          </a:bodyPr>
+          <a:lstStyle/>
+          <a:p>
+            <a:r>
+              <a:rPr lang="es-ES" b="1" smtClean="0"/>
+              <a:t>Public domain</a:t>
+            </a:r>
+          </a:p>
+          <a:p>
+            <a:r>
+              <a:rPr lang="es-ES" smtClean="0"/>
+              <a:t>General concept.</a:t>
+            </a:r>
+          </a:p>
+          <a:p>
+            <a:r>
+              <a:rPr lang="es-ES" smtClean="0"/>
+              <a:t>WIPO definition</a:t>
+            </a:r>
+            <a:endParaRPr lang="es-ES"/>
+          </a:p>
+        </p:txBody>
+      </p:sp>
+      <p:sp>
+        <p:nvSpPr>
+          <p:cNvPr id="10" name="9 Rectángulo redondeado"/>
+          <p:cNvSpPr/>
+          <p:nvPr/>
+        </p:nvSpPr>
+        <p:spPr>
+          <a:xfrm>
+            <a:off x="1643042" y="4286256"/>
+            <a:ext cx="3000396" cy="1000132"/>
+          </a:xfrm>
+          <a:prstGeom prst="roundRect">
+            <a:avLst/>
+          </a:prstGeom>
+          <a:noFill/>
+        </p:spPr>
+        <p:style>
+          <a:lnRef idx="2">
+            <a:schemeClr val="accent1">
+              <a:shade val="50000"/>
+            </a:schemeClr>
+          </a:lnRef>
+          <a:fillRef idx="1">
+            <a:schemeClr val="accent1"/>
+          </a:fillRef>
+          <a:effectRef idx="0">
+            <a:schemeClr val="accent1"/>
+          </a:effectRef>
+          <a:fontRef idx="minor">
+            <a:schemeClr val="lt1"/>
+          </a:fontRef>
+        </p:style>
+        <p:txBody>
+          <a:bodyPr rtlCol="0" anchor="ctr"/>
+          <a:lstStyle/>
+          <a:p>
+            <a:pPr algn="ctr"/>
+            <a:endParaRPr lang="es-ES"/>
+          </a:p>
+        </p:txBody>
+      </p:sp>
+      <p:sp>
+        <p:nvSpPr>
+          <p:cNvPr id="11" name="10 CuadroTexto"/>
+          <p:cNvSpPr txBox="1"/>
+          <p:nvPr/>
+        </p:nvSpPr>
+        <p:spPr>
+          <a:xfrm>
+            <a:off x="1714480" y="4357694"/>
+            <a:ext cx="2952988" cy="923330"/>
+          </a:xfrm>
+          <a:prstGeom prst="rect">
+            <a:avLst/>
+          </a:prstGeom>
+          <a:noFill/>
+        </p:spPr>
+        <p:txBody>
+          <a:bodyPr wrap="none" rtlCol="0">
+            <a:spAutoFit/>
+          </a:bodyPr>
+          <a:lstStyle/>
+          <a:p>
+            <a:r>
+              <a:rPr lang="es-ES" b="1" smtClean="0"/>
+              <a:t>Public domain (US)</a:t>
+            </a:r>
+          </a:p>
+          <a:p>
+            <a:r>
+              <a:rPr lang="es-ES" smtClean="0"/>
+              <a:t>Specialized concept</a:t>
+            </a:r>
+          </a:p>
+          <a:p>
+            <a:r>
+              <a:rPr lang="es-ES" smtClean="0"/>
+              <a:t>Only for the jurisdiction of </a:t>
+            </a:r>
+            <a:r>
+              <a:rPr lang="es-ES" smtClean="0"/>
+              <a:t>US</a:t>
+            </a:r>
+            <a:endParaRPr lang="es-ES"/>
+          </a:p>
+        </p:txBody>
+      </p:sp>
+      <p:sp>
+        <p:nvSpPr>
+          <p:cNvPr id="12" name="11 Triángulo isósceles"/>
+          <p:cNvSpPr/>
+          <p:nvPr/>
+        </p:nvSpPr>
+        <p:spPr>
+          <a:xfrm>
+            <a:off x="714348" y="3929066"/>
+            <a:ext cx="500066" cy="428628"/>
+          </a:xfrm>
+          <a:prstGeom prst="triangle">
+            <a:avLst/>
+          </a:prstGeom>
+        </p:spPr>
+        <p:style>
+          <a:lnRef idx="2">
+            <a:schemeClr val="accent1">
+              <a:shade val="50000"/>
+            </a:schemeClr>
+          </a:lnRef>
+          <a:fillRef idx="1">
+            <a:schemeClr val="accent1"/>
+          </a:fillRef>
+          <a:effectRef idx="0">
+            <a:schemeClr val="accent1"/>
+          </a:effectRef>
+          <a:fontRef idx="minor">
+            <a:schemeClr val="lt1"/>
+          </a:fontRef>
+        </p:style>
+        <p:txBody>
+          <a:bodyPr rtlCol="0" anchor="ctr"/>
+          <a:lstStyle/>
+          <a:p>
+            <a:pPr algn="ctr"/>
+            <a:endParaRPr lang="es-ES"/>
+          </a:p>
+        </p:txBody>
+      </p:sp>
+      <p:cxnSp>
+        <p:nvCxnSpPr>
+          <p:cNvPr id="14" name="13 Conector recto"/>
+          <p:cNvCxnSpPr>
+            <a:stCxn id="12" idx="3"/>
+            <a:endCxn id="10" idx="1"/>
+          </p:cNvCxnSpPr>
+          <p:nvPr/>
+        </p:nvCxnSpPr>
+        <p:spPr>
+          <a:xfrm rot="16200000" flipH="1">
+            <a:off x="1089397" y="4232677"/>
+            <a:ext cx="428628" cy="678661"/>
+          </a:xfrm>
+          <a:prstGeom prst="bentConnector2">
+            <a:avLst/>
+          </a:prstGeom>
+          <a:ln w="38100"/>
+        </p:spPr>
+        <p:style>
+          <a:lnRef idx="1">
+            <a:schemeClr val="accent1"/>
+          </a:lnRef>
+          <a:fillRef idx="0">
+            <a:schemeClr val="accent1"/>
+          </a:fillRef>
+          <a:effectRef idx="0">
+            <a:schemeClr val="accent1"/>
+          </a:effectRef>
+          <a:fontRef idx="minor">
+            <a:schemeClr val="tx1"/>
+          </a:fontRef>
+        </p:style>
+      </p:cxnSp>
+      <p:sp>
+        <p:nvSpPr>
+          <p:cNvPr id="15" name="14 CuadroTexto"/>
+          <p:cNvSpPr txBox="1"/>
+          <p:nvPr/>
+        </p:nvSpPr>
+        <p:spPr>
+          <a:xfrm>
+            <a:off x="4714844" y="4572008"/>
+            <a:ext cx="3143304" cy="369332"/>
+          </a:xfrm>
+          <a:prstGeom prst="rect">
+            <a:avLst/>
+          </a:prstGeom>
+          <a:noFill/>
+        </p:spPr>
+        <p:txBody>
+          <a:bodyPr wrap="square" rtlCol="0">
+            <a:spAutoFit/>
+          </a:bodyPr>
+          <a:lstStyle/>
+          <a:p>
+            <a:r>
+              <a:rPr lang="es-ES" smtClean="0">
+                <a:solidFill>
+                  <a:srgbClr val="C00000"/>
+                </a:solidFill>
+              </a:rPr>
+              <a:t>US Copyright Office definition</a:t>
+            </a:r>
+            <a:endParaRPr lang="es-ES">
+              <a:solidFill>
+                <a:srgbClr val="C00000"/>
+              </a:solidFill>
+            </a:endParaRPr>
+          </a:p>
+        </p:txBody>
+      </p:sp>
+      <p:pic>
+        <p:nvPicPr>
+          <p:cNvPr id="27651" name="Picture 3"/>
+          <p:cNvPicPr>
+            <a:picLocks noChangeAspect="1" noChangeArrowheads="1"/>
+          </p:cNvPicPr>
+          <p:nvPr/>
+        </p:nvPicPr>
+        <p:blipFill>
+          <a:blip r:embed="rId3"/>
+          <a:srcRect/>
+          <a:stretch>
+            <a:fillRect/>
+          </a:stretch>
+        </p:blipFill>
+        <p:spPr bwMode="auto">
+          <a:xfrm>
+            <a:off x="2571736" y="5338767"/>
+            <a:ext cx="5608446" cy="1519233"/>
+          </a:xfrm>
+          <a:prstGeom prst="rect">
+            <a:avLst/>
+          </a:prstGeom>
+          <a:noFill/>
+          <a:ln w="9525">
+            <a:noFill/>
+            <a:miter lim="800000"/>
+            <a:headEnd/>
+            <a:tailEnd/>
+          </a:ln>
+          <a:effectLst/>
+        </p:spPr>
+      </p:pic>
+    </p:spTree>
+  </p:cSld>
+  <p:clrMapOvr>
+    <a:masterClrMapping/>
+  </p:clrMapOvr>
+  <p:timing>
+    <p:tnLst>
+      <p:par>
+        <p:cTn id="1" dur="indefinite" restart="never" nodeType="tmRoot"/>
+      </p:par>
+    </p:tnLst>
+  </p:timing>
+</p:sld>
+</file>
+
+<file path=ppt/slides/slide18.xml><?xml version="1.0" encoding="utf-8"?>
+<p:sld xmlns:a="http://schemas.openxmlformats.org/drawingml/2006/main" xmlns:r="http://schemas.openxmlformats.org/officeDocument/2006/relationships" xmlns:p="http://schemas.openxmlformats.org/presentationml/2006/main">
+  <p:cSld>
+    <p:spTree>
+      <p:nvGrpSpPr>
+        <p:cNvPr id="1" name=""/>
+        <p:cNvGrpSpPr/>
+        <p:nvPr/>
+      </p:nvGrpSpPr>
+      <p:grpSpPr>
+        <a:xfrm>
+          <a:off x="0" y="0"/>
+          <a:ext cx="0" cy="0"/>
+          <a:chOff x="0" y="0"/>
+          <a:chExt cx="0" cy="0"/>
+        </a:xfrm>
+      </p:grpSpPr>
+      <p:sp>
+        <p:nvSpPr>
+          <p:cNvPr id="2" name="1 Título"/>
+          <p:cNvSpPr>
+            <a:spLocks noGrp="1"/>
+          </p:cNvSpPr>
+          <p:nvPr>
+            <p:ph type="title"/>
+          </p:nvPr>
+        </p:nvSpPr>
+        <p:spPr>
+          <a:xfrm>
+            <a:off x="428596" y="0"/>
+            <a:ext cx="8229600" cy="796908"/>
+          </a:xfrm>
+        </p:spPr>
+        <p:txBody>
+          <a:bodyPr/>
+          <a:lstStyle/>
+          <a:p>
+            <a:r>
+              <a:rPr lang="es-ES" smtClean="0"/>
+              <a:t>General concepts</a:t>
+            </a:r>
+            <a:endParaRPr lang="es-ES"/>
+          </a:p>
+        </p:txBody>
+      </p:sp>
+      <p:sp>
+        <p:nvSpPr>
+          <p:cNvPr id="3" name="2 Marcador de contenido"/>
+          <p:cNvSpPr>
+            <a:spLocks noGrp="1"/>
+          </p:cNvSpPr>
+          <p:nvPr>
+            <p:ph idx="1"/>
+          </p:nvPr>
+        </p:nvSpPr>
+        <p:spPr>
+          <a:xfrm>
+            <a:off x="357158" y="1214422"/>
+            <a:ext cx="8229600" cy="4525963"/>
+          </a:xfrm>
+        </p:spPr>
+        <p:txBody>
+          <a:bodyPr>
+            <a:normAutofit/>
+          </a:bodyPr>
+          <a:lstStyle/>
+          <a:p>
+            <a:r>
+              <a:rPr lang="es-ES" sz="2400" smtClean="0"/>
+              <a:t>General concepts can be related to other generally accepted conceptualizations</a:t>
+            </a:r>
+            <a:endParaRPr lang="es-ES" sz="2400"/>
+          </a:p>
+        </p:txBody>
+      </p:sp>
+      <p:sp>
+        <p:nvSpPr>
+          <p:cNvPr id="4" name="3 Marcador de número de diapositiva"/>
+          <p:cNvSpPr>
+            <a:spLocks noGrp="1"/>
+          </p:cNvSpPr>
+          <p:nvPr>
+            <p:ph type="sldNum" sz="quarter" idx="12"/>
+          </p:nvPr>
+        </p:nvSpPr>
+        <p:spPr/>
+        <p:txBody>
+          <a:bodyPr/>
+          <a:lstStyle/>
+          <a:p>
+            <a:fld id="{132FADFE-3B8F-471C-ABF0-DBC7717ECBBC}" type="slidenum">
+              <a:rPr lang="es-ES" smtClean="0"/>
+              <a:pPr/>
+              <a:t>18</a:t>
+            </a:fld>
+            <a:endParaRPr lang="es-ES"/>
+          </a:p>
+        </p:txBody>
+      </p:sp>
+      <p:pic>
+        <p:nvPicPr>
+          <p:cNvPr id="24578" name="Picture 2"/>
+          <p:cNvPicPr>
+            <a:picLocks noChangeAspect="1" noChangeArrowheads="1"/>
+          </p:cNvPicPr>
+          <p:nvPr/>
+        </p:nvPicPr>
+        <p:blipFill>
+          <a:blip r:embed="rId2"/>
+          <a:srcRect/>
+          <a:stretch>
+            <a:fillRect/>
+          </a:stretch>
+        </p:blipFill>
+        <p:spPr bwMode="auto">
+          <a:xfrm>
+            <a:off x="2714612" y="2643158"/>
+            <a:ext cx="6034936" cy="4214842"/>
+          </a:xfrm>
+          <a:prstGeom prst="rect">
+            <a:avLst/>
+          </a:prstGeom>
+          <a:noFill/>
+          <a:ln w="9525">
+            <a:noFill/>
+            <a:miter lim="800000"/>
+            <a:headEnd/>
+            <a:tailEnd/>
+          </a:ln>
+          <a:effectLst/>
+        </p:spPr>
+      </p:pic>
+      <p:sp>
+        <p:nvSpPr>
+          <p:cNvPr id="7" name="6 Rectángulo redondeado"/>
+          <p:cNvSpPr/>
+          <p:nvPr/>
+        </p:nvSpPr>
+        <p:spPr>
+          <a:xfrm>
+            <a:off x="0" y="2000240"/>
+            <a:ext cx="2286016" cy="1000132"/>
+          </a:xfrm>
+          <a:prstGeom prst="roundRect">
+            <a:avLst/>
+          </a:prstGeom>
+          <a:noFill/>
+        </p:spPr>
+        <p:style>
+          <a:lnRef idx="2">
+            <a:schemeClr val="accent1">
+              <a:shade val="50000"/>
+            </a:schemeClr>
+          </a:lnRef>
+          <a:fillRef idx="1">
+            <a:schemeClr val="accent1"/>
+          </a:fillRef>
+          <a:effectRef idx="0">
+            <a:schemeClr val="accent1"/>
+          </a:effectRef>
+          <a:fontRef idx="minor">
+            <a:schemeClr val="lt1"/>
+          </a:fontRef>
+        </p:style>
+        <p:txBody>
+          <a:bodyPr rtlCol="0" anchor="ctr"/>
+          <a:lstStyle/>
+          <a:p>
+            <a:pPr algn="ctr"/>
+            <a:endParaRPr lang="es-ES"/>
+          </a:p>
+        </p:txBody>
+      </p:sp>
+      <p:sp>
+        <p:nvSpPr>
+          <p:cNvPr id="8" name="7 CuadroTexto"/>
+          <p:cNvSpPr txBox="1"/>
+          <p:nvPr/>
+        </p:nvSpPr>
+        <p:spPr>
+          <a:xfrm>
+            <a:off x="71438" y="2071678"/>
+            <a:ext cx="2211808" cy="923330"/>
+          </a:xfrm>
+          <a:prstGeom prst="rect">
+            <a:avLst/>
+          </a:prstGeom>
+          <a:noFill/>
+        </p:spPr>
+        <p:txBody>
+          <a:bodyPr wrap="square" rtlCol="0">
+            <a:spAutoFit/>
+          </a:bodyPr>
+          <a:lstStyle/>
+          <a:p>
+            <a:r>
+              <a:rPr lang="es-ES" b="1" smtClean="0"/>
+              <a:t>Public domain</a:t>
+            </a:r>
+          </a:p>
+          <a:p>
+            <a:r>
+              <a:rPr lang="es-ES" smtClean="0"/>
+              <a:t>General concept.</a:t>
+            </a:r>
+          </a:p>
+          <a:p>
+            <a:r>
+              <a:rPr lang="es-ES" smtClean="0"/>
+              <a:t>WIPO definition</a:t>
+            </a:r>
+            <a:endParaRPr lang="es-ES"/>
+          </a:p>
+        </p:txBody>
+      </p:sp>
+      <p:cxnSp>
+        <p:nvCxnSpPr>
+          <p:cNvPr id="10" name="9 Conector recto de flecha"/>
+          <p:cNvCxnSpPr>
+            <a:stCxn id="7" idx="2"/>
+          </p:cNvCxnSpPr>
+          <p:nvPr/>
+        </p:nvCxnSpPr>
+        <p:spPr>
+          <a:xfrm rot="16200000" flipH="1">
+            <a:off x="1357306" y="2786074"/>
+            <a:ext cx="1071570" cy="1500166"/>
+          </a:xfrm>
+          <a:prstGeom prst="straightConnector1">
+            <a:avLst/>
+          </a:prstGeom>
+          <a:ln>
+            <a:tailEnd type="arrow"/>
+          </a:ln>
+        </p:spPr>
+        <p:style>
+          <a:lnRef idx="1">
+            <a:schemeClr val="accent1"/>
+          </a:lnRef>
+          <a:fillRef idx="0">
+            <a:schemeClr val="accent1"/>
+          </a:fillRef>
+          <a:effectRef idx="0">
+            <a:schemeClr val="accent1"/>
+          </a:effectRef>
+          <a:fontRef idx="minor">
+            <a:schemeClr val="tx1"/>
+          </a:fontRef>
+        </p:style>
+      </p:cxnSp>
+      <p:sp>
+        <p:nvSpPr>
+          <p:cNvPr id="11" name="10 CuadroTexto"/>
+          <p:cNvSpPr txBox="1"/>
+          <p:nvPr/>
+        </p:nvSpPr>
+        <p:spPr>
+          <a:xfrm>
+            <a:off x="285720" y="4071942"/>
+            <a:ext cx="1613968" cy="461665"/>
+          </a:xfrm>
+          <a:prstGeom prst="rect">
+            <a:avLst/>
+          </a:prstGeom>
+          <a:noFill/>
+        </p:spPr>
+        <p:txBody>
+          <a:bodyPr wrap="none" rtlCol="0">
+            <a:spAutoFit/>
+          </a:bodyPr>
+          <a:lstStyle/>
+          <a:p>
+            <a:r>
+              <a:rPr lang="es-ES" sz="2400" smtClean="0">
+                <a:solidFill>
+                  <a:srgbClr val="C00000"/>
+                </a:solidFill>
+              </a:rPr>
+              <a:t>Linked data</a:t>
+            </a:r>
+            <a:endParaRPr lang="es-ES" sz="2400">
+              <a:solidFill>
+                <a:srgbClr val="C00000"/>
+              </a:solidFill>
+            </a:endParaRPr>
+          </a:p>
+        </p:txBody>
+      </p:sp>
+      <p:sp>
+        <p:nvSpPr>
+          <p:cNvPr id="12" name="11 CuadroTexto"/>
+          <p:cNvSpPr txBox="1"/>
+          <p:nvPr/>
+        </p:nvSpPr>
+        <p:spPr>
+          <a:xfrm>
+            <a:off x="500034" y="3286124"/>
+            <a:ext cx="1202573" cy="461665"/>
+          </a:xfrm>
+          <a:prstGeom prst="rect">
+            <a:avLst/>
+          </a:prstGeom>
+          <a:noFill/>
+        </p:spPr>
+        <p:txBody>
+          <a:bodyPr wrap="none" rtlCol="0">
+            <a:spAutoFit/>
+          </a:bodyPr>
+          <a:lstStyle/>
+          <a:p>
+            <a:r>
+              <a:rPr lang="es-ES" sz="2400" smtClean="0"/>
+              <a:t>See also</a:t>
+            </a:r>
+            <a:endParaRPr lang="es-ES" sz="2400"/>
+          </a:p>
+        </p:txBody>
+      </p:sp>
+    </p:spTree>
+  </p:cSld>
+  <p:clrMapOvr>
+    <a:masterClrMapping/>
+  </p:clrMapOvr>
+  <p:timing>
+    <p:tnLst>
+      <p:par>
+        <p:cTn id="1" dur="indefinite" restart="never" nodeType="tmRoot"/>
+      </p:par>
+    </p:tnLst>
+  </p:timing>
+</p:sld>
+</file>
+
+<file path=ppt/slides/slide19.xml><?xml version="1.0" encoding="utf-8"?>
+<p:sld xmlns:a="http://schemas.openxmlformats.org/drawingml/2006/main" xmlns:r="http://schemas.openxmlformats.org/officeDocument/2006/relationships" xmlns:p="http://schemas.openxmlformats.org/presentationml/2006/main">
+  <p:cSld>
+    <p:spTree>
+      <p:nvGrpSpPr>
+        <p:cNvPr id="1" name=""/>
+        <p:cNvGrpSpPr/>
+        <p:nvPr/>
+      </p:nvGrpSpPr>
+      <p:grpSpPr>
+        <a:xfrm>
+          <a:off x="0" y="0"/>
+          <a:ext cx="0" cy="0"/>
+          <a:chOff x="0" y="0"/>
+          <a:chExt cx="0" cy="0"/>
+        </a:xfrm>
+      </p:grpSpPr>
+      <p:sp>
+        <p:nvSpPr>
+          <p:cNvPr id="2" name="1 Título"/>
+          <p:cNvSpPr>
+            <a:spLocks noGrp="1"/>
+          </p:cNvSpPr>
+          <p:nvPr>
+            <p:ph type="title"/>
+          </p:nvPr>
+        </p:nvSpPr>
+        <p:spPr/>
+        <p:txBody>
+          <a:bodyPr/>
+          <a:lstStyle/>
+          <a:p>
+            <a:r>
+              <a:rPr lang="es-ES" smtClean="0"/>
+              <a:t>IATE- European terminology</a:t>
+            </a:r>
+            <a:endParaRPr lang="es-ES"/>
+          </a:p>
+        </p:txBody>
+      </p:sp>
+      <p:sp>
+        <p:nvSpPr>
+          <p:cNvPr id="4" name="3 Marcador de número de diapositiva"/>
+          <p:cNvSpPr>
+            <a:spLocks noGrp="1"/>
+          </p:cNvSpPr>
+          <p:nvPr>
+            <p:ph type="sldNum" sz="quarter" idx="12"/>
+          </p:nvPr>
+        </p:nvSpPr>
+        <p:spPr/>
+        <p:txBody>
+          <a:bodyPr/>
+          <a:lstStyle/>
+          <a:p>
+            <a:fld id="{132FADFE-3B8F-471C-ABF0-DBC7717ECBBC}" type="slidenum">
+              <a:rPr lang="es-ES" smtClean="0"/>
+              <a:pPr/>
+              <a:t>19</a:t>
+            </a:fld>
+            <a:endParaRPr lang="es-ES"/>
+          </a:p>
+        </p:txBody>
+      </p:sp>
+      <p:pic>
+        <p:nvPicPr>
+          <p:cNvPr id="25602" name="Picture 2"/>
+          <p:cNvPicPr>
+            <a:picLocks noChangeAspect="1" noChangeArrowheads="1"/>
+          </p:cNvPicPr>
+          <p:nvPr/>
+        </p:nvPicPr>
+        <p:blipFill>
+          <a:blip r:embed="rId2"/>
+          <a:srcRect/>
+          <a:stretch>
+            <a:fillRect/>
+          </a:stretch>
+        </p:blipFill>
+        <p:spPr bwMode="auto">
+          <a:xfrm>
+            <a:off x="2786050" y="1357298"/>
+            <a:ext cx="5534039" cy="5100146"/>
+          </a:xfrm>
+          <a:prstGeom prst="rect">
+            <a:avLst/>
+          </a:prstGeom>
+          <a:noFill/>
+          <a:ln w="9525">
+            <a:noFill/>
+            <a:miter lim="800000"/>
+            <a:headEnd/>
+            <a:tailEnd/>
+          </a:ln>
+          <a:effectLst/>
+        </p:spPr>
+      </p:pic>
+      <p:sp>
+        <p:nvSpPr>
+          <p:cNvPr id="6" name="5 Rectángulo redondeado"/>
+          <p:cNvSpPr/>
+          <p:nvPr/>
+        </p:nvSpPr>
+        <p:spPr>
+          <a:xfrm>
+            <a:off x="142844" y="1857364"/>
+            <a:ext cx="2286016" cy="1000132"/>
+          </a:xfrm>
+          <a:prstGeom prst="roundRect">
+            <a:avLst/>
+          </a:prstGeom>
+          <a:noFill/>
+        </p:spPr>
+        <p:style>
+          <a:lnRef idx="2">
+            <a:schemeClr val="accent1">
+              <a:shade val="50000"/>
+            </a:schemeClr>
+          </a:lnRef>
+          <a:fillRef idx="1">
+            <a:schemeClr val="accent1"/>
+          </a:fillRef>
+          <a:effectRef idx="0">
+            <a:schemeClr val="accent1"/>
+          </a:effectRef>
+          <a:fontRef idx="minor">
+            <a:schemeClr val="lt1"/>
+          </a:fontRef>
+        </p:style>
+        <p:txBody>
+          <a:bodyPr rtlCol="0" anchor="ctr"/>
+          <a:lstStyle/>
+          <a:p>
+            <a:pPr algn="ctr"/>
+            <a:endParaRPr lang="es-ES"/>
+          </a:p>
+        </p:txBody>
+      </p:sp>
+      <p:sp>
+        <p:nvSpPr>
+          <p:cNvPr id="7" name="6 CuadroTexto"/>
+          <p:cNvSpPr txBox="1"/>
+          <p:nvPr/>
+        </p:nvSpPr>
+        <p:spPr>
+          <a:xfrm>
+            <a:off x="214282" y="1928802"/>
+            <a:ext cx="2211808" cy="923330"/>
+          </a:xfrm>
+          <a:prstGeom prst="rect">
+            <a:avLst/>
+          </a:prstGeom>
+          <a:noFill/>
+        </p:spPr>
+        <p:txBody>
+          <a:bodyPr wrap="square" rtlCol="0">
+            <a:spAutoFit/>
+          </a:bodyPr>
+          <a:lstStyle/>
+          <a:p>
+            <a:r>
+              <a:rPr lang="es-ES" b="1" smtClean="0"/>
+              <a:t>Public domain</a:t>
+            </a:r>
+          </a:p>
+          <a:p>
+            <a:r>
+              <a:rPr lang="es-ES" smtClean="0"/>
+              <a:t>General concept.</a:t>
+            </a:r>
+          </a:p>
+          <a:p>
+            <a:r>
+              <a:rPr lang="es-ES" smtClean="0"/>
+              <a:t>WIPO definition</a:t>
+            </a:r>
+            <a:endParaRPr lang="es-ES"/>
+          </a:p>
+        </p:txBody>
+      </p:sp>
+      <p:cxnSp>
+        <p:nvCxnSpPr>
+          <p:cNvPr id="8" name="7 Conector recto de flecha"/>
+          <p:cNvCxnSpPr>
+            <a:stCxn id="6" idx="2"/>
+          </p:cNvCxnSpPr>
+          <p:nvPr/>
+        </p:nvCxnSpPr>
+        <p:spPr>
+          <a:xfrm rot="16200000" flipH="1">
+            <a:off x="1500150" y="2643198"/>
+            <a:ext cx="1071570" cy="1500166"/>
+          </a:xfrm>
+          <a:prstGeom prst="straightConnector1">
+            <a:avLst/>
+          </a:prstGeom>
+          <a:ln>
+            <a:tailEnd type="arrow"/>
+          </a:ln>
+        </p:spPr>
+        <p:style>
+          <a:lnRef idx="1">
+            <a:schemeClr val="accent1"/>
+          </a:lnRef>
+          <a:fillRef idx="0">
+            <a:schemeClr val="accent1"/>
+          </a:fillRef>
+          <a:effectRef idx="0">
+            <a:schemeClr val="accent1"/>
+          </a:effectRef>
+          <a:fontRef idx="minor">
+            <a:schemeClr val="tx1"/>
+          </a:fontRef>
+        </p:style>
+      </p:cxnSp>
+      <p:sp>
+        <p:nvSpPr>
+          <p:cNvPr id="9" name="8 CuadroTexto"/>
+          <p:cNvSpPr txBox="1"/>
+          <p:nvPr/>
+        </p:nvSpPr>
+        <p:spPr>
+          <a:xfrm>
+            <a:off x="642878" y="3143248"/>
+            <a:ext cx="1202573" cy="461665"/>
+          </a:xfrm>
+          <a:prstGeom prst="rect">
+            <a:avLst/>
+          </a:prstGeom>
+          <a:noFill/>
+        </p:spPr>
+        <p:txBody>
+          <a:bodyPr wrap="none" rtlCol="0">
+            <a:spAutoFit/>
+          </a:bodyPr>
+          <a:lstStyle/>
+          <a:p>
+            <a:r>
+              <a:rPr lang="es-ES" sz="2400" smtClean="0"/>
+              <a:t>See also</a:t>
+            </a:r>
+            <a:endParaRPr lang="es-ES" sz="2400"/>
           </a:p>
         </p:txBody>
       </p:sp>
@@ -3925,18 +8148,18 @@
           <a:lstStyle/>
           <a:p>
             <a:r>
-              <a:rPr lang="es-ES" dirty="0" err="1" smtClean="0"/>
+              <a:rPr lang="es-ES" err="1" smtClean="0"/>
               <a:t>Preliminary</a:t>
             </a:r>
             <a:r>
-              <a:rPr lang="es-ES" dirty="0" smtClean="0"/>
+              <a:rPr lang="es-ES" smtClean="0"/>
               <a:t> </a:t>
             </a:r>
             <a:r>
-              <a:rPr lang="es-ES" dirty="0" err="1" smtClean="0"/>
+              <a:rPr lang="es-ES" err="1" smtClean="0"/>
               <a:t>concepts</a:t>
             </a:r>
-            <a:endParaRPr lang="es-ES" dirty="0"/>
+            <a:endParaRPr lang="es-ES"/>
           </a:p>
         </p:txBody>
       </p:sp>
@@ -3958,34 +8181,34 @@
           <a:lstStyle/>
           <a:p>
             <a:r>
-              <a:rPr lang="es-ES" sz="2400" b="1" dirty="0" err="1" smtClean="0"/>
+              <a:rPr lang="es-ES" sz="2400" b="1" err="1" smtClean="0"/>
               <a:t>Term</a:t>
             </a:r>
             <a:r>
-              <a:rPr lang="es-ES" sz="2400" b="1" dirty="0" smtClean="0"/>
+              <a:rPr lang="es-ES" sz="2400" b="1" smtClean="0"/>
               <a:t> base = </a:t>
             </a:r>
             <a:r>
-              <a:rPr lang="es-ES" sz="2400" b="1" dirty="0" err="1" smtClean="0"/>
+              <a:rPr lang="es-ES" sz="2400" b="1" err="1" smtClean="0"/>
               <a:t>terminology</a:t>
             </a:r>
             <a:r>
-              <a:rPr lang="es-ES" sz="2400" b="1" dirty="0" smtClean="0"/>
+              <a:rPr lang="es-ES" sz="2400" b="1" smtClean="0"/>
               <a:t> = </a:t>
             </a:r>
             <a:r>
-              <a:rPr lang="es-ES" sz="2400" b="1" dirty="0" err="1" smtClean="0"/>
+              <a:rPr lang="es-ES" sz="2400" b="1" err="1" smtClean="0"/>
               <a:t>term</a:t>
             </a:r>
             <a:r>
-              <a:rPr lang="es-ES" sz="2400" b="1" dirty="0" smtClean="0"/>
+              <a:rPr lang="es-ES" sz="2400" b="1" smtClean="0"/>
               <a:t> </a:t>
             </a:r>
             <a:r>
-              <a:rPr lang="es-ES" sz="2400" b="1" dirty="0" err="1" smtClean="0"/>
+              <a:rPr lang="es-ES" sz="2400" b="1" err="1" smtClean="0"/>
               <a:t>bank</a:t>
             </a:r>
-            <a:endParaRPr lang="es-ES" sz="2400" b="1" dirty="0" smtClean="0"/>
+            <a:endParaRPr lang="es-ES" sz="2400" b="1" smtClean="0"/>
           </a:p>
           <a:p>
             <a:pPr>
@@ -3993,29 +8216,13 @@
               <a:buChar char="¾"/>
             </a:pPr>
             <a:r>
-              <a:rPr lang="en-US" sz="1800" dirty="0" smtClean="0"/>
-              <a:t>database </a:t>
-            </a:r>
-            <a:r>
-              <a:rPr lang="en-US" sz="1800" dirty="0" smtClean="0"/>
-              <a:t>consisting of concept-oriented terminological entries (or ‘concepts’) and </a:t>
-            </a:r>
-            <a:r>
-              <a:rPr lang="en-US" sz="1800" dirty="0" smtClean="0"/>
-              <a:t>related </a:t>
-            </a:r>
-            <a:r>
-              <a:rPr lang="en-US" sz="1800" dirty="0" smtClean="0"/>
-              <a:t>information, usually in multilingual </a:t>
-            </a:r>
-            <a:r>
-              <a:rPr lang="en-US" sz="1800" dirty="0" smtClean="0"/>
-              <a:t>format</a:t>
-            </a:r>
-          </a:p>
-          <a:p>
-            <a:r>
-              <a:rPr lang="en-US" sz="2400" b="1" dirty="0" smtClean="0"/>
+              <a:rPr lang="en-US" sz="1800" smtClean="0"/>
+              <a:t>database consisting of concept-oriented terminological entries (or ‘concepts’) and related information, usually in multilingual format</a:t>
+            </a:r>
+          </a:p>
+          <a:p>
+            <a:r>
+              <a:rPr lang="en-US" sz="2400" b="1" smtClean="0"/>
               <a:t>Format of terminologies</a:t>
             </a:r>
           </a:p>
@@ -4025,25 +8232,21 @@
               <a:buChar char="¾"/>
             </a:pPr>
             <a:r>
-              <a:rPr lang="en-US" sz="1800" dirty="0" smtClean="0"/>
+              <a:rPr lang="en-US" sz="1800" smtClean="0"/>
               <a:t>Term Base </a:t>
             </a:r>
             <a:r>
-              <a:rPr lang="en-US" sz="1800" dirty="0" err="1" smtClean="0"/>
+              <a:rPr lang="en-US" sz="1800" err="1" smtClean="0"/>
               <a:t>eXchange</a:t>
             </a:r>
             <a:r>
-              <a:rPr lang="en-US" sz="1800" dirty="0" smtClean="0"/>
-              <a:t> (TBX) is an open standard the for interchange of terminological data. It has been published by the Localization Industry Standards Association (LISA) and it is ISO standard </a:t>
-            </a:r>
-            <a:r>
-              <a:rPr lang="en-US" sz="1800" dirty="0" smtClean="0"/>
-              <a:t>30042</a:t>
-            </a:r>
-          </a:p>
-          <a:p>
-            <a:r>
-              <a:rPr lang="en-US" sz="2400" b="1" dirty="0" smtClean="0"/>
+              <a:rPr lang="en-US" sz="1800" smtClean="0"/>
+              <a:t> (TBX) is an open standard the for interchange of terminological data. It is the standard ISO 30042</a:t>
+            </a:r>
+          </a:p>
+          <a:p>
+            <a:r>
+              <a:rPr lang="en-US" sz="2400" b="1" smtClean="0"/>
               <a:t>Notable terminologies</a:t>
             </a:r>
           </a:p>
@@ -4053,10 +8256,34 @@
               <a:buChar char="¾"/>
             </a:pPr>
             <a:r>
-              <a:rPr lang="en-US" sz="1800" dirty="0" smtClean="0"/>
+              <a:rPr lang="en-US" sz="1800" smtClean="0"/>
               <a:t>Inter-Active Terminology for Europe (IATE) is the inter-institutional terminology database of the European Union</a:t>
             </a:r>
-            <a:endParaRPr lang="es-ES" sz="1800" dirty="0"/>
+            <a:endParaRPr lang="es-ES" sz="1800"/>
+          </a:p>
+        </p:txBody>
+      </p:sp>
+      <p:sp>
+        <p:nvSpPr>
+          <p:cNvPr id="4" name="3 Marcador de número de diapositiva"/>
+          <p:cNvSpPr>
+            <a:spLocks noGrp="1"/>
+          </p:cNvSpPr>
+          <p:nvPr>
+            <p:ph type="sldNum" sz="quarter" idx="12"/>
+          </p:nvPr>
+        </p:nvSpPr>
+        <p:spPr/>
+        <p:txBody>
+          <a:bodyPr/>
+          <a:lstStyle/>
+          <a:p>
+            <a:fld id="{132FADFE-3B8F-471C-ABF0-DBC7717ECBBC}" type="slidenum">
+              <a:rPr lang="es-ES" smtClean="0"/>
+              <a:pPr/>
+              <a:t>2</a:t>
+            </a:fld>
+            <a:endParaRPr lang="es-ES"/>
           </a:p>
         </p:txBody>
       </p:sp>
@@ -4072,6 +8299,2292 @@
       </p:par>
     </p:tnLst>
   </p:timing>
+</p:sld>
+</file>
+
+<file path=ppt/slides/slide20.xml><?xml version="1.0" encoding="utf-8"?>
+<p:sld xmlns:a="http://schemas.openxmlformats.org/drawingml/2006/main" xmlns:r="http://schemas.openxmlformats.org/officeDocument/2006/relationships" xmlns:p="http://schemas.openxmlformats.org/presentationml/2006/main">
+  <p:cSld>
+    <p:spTree>
+      <p:nvGrpSpPr>
+        <p:cNvPr id="1" name=""/>
+        <p:cNvGrpSpPr/>
+        <p:nvPr/>
+      </p:nvGrpSpPr>
+      <p:grpSpPr>
+        <a:xfrm>
+          <a:off x="0" y="0"/>
+          <a:ext cx="0" cy="0"/>
+          <a:chOff x="0" y="0"/>
+          <a:chExt cx="0" cy="0"/>
+        </a:xfrm>
+      </p:grpSpPr>
+      <p:sp>
+        <p:nvSpPr>
+          <p:cNvPr id="4" name="3 Marcador de número de diapositiva"/>
+          <p:cNvSpPr>
+            <a:spLocks noGrp="1"/>
+          </p:cNvSpPr>
+          <p:nvPr>
+            <p:ph type="sldNum" sz="quarter" idx="12"/>
+          </p:nvPr>
+        </p:nvSpPr>
+        <p:spPr/>
+        <p:txBody>
+          <a:bodyPr/>
+          <a:lstStyle/>
+          <a:p>
+            <a:fld id="{132FADFE-3B8F-471C-ABF0-DBC7717ECBBC}" type="slidenum">
+              <a:rPr lang="es-ES" smtClean="0"/>
+              <a:pPr/>
+              <a:t>20</a:t>
+            </a:fld>
+            <a:endParaRPr lang="es-ES"/>
+          </a:p>
+        </p:txBody>
+      </p:sp>
+      <p:sp>
+        <p:nvSpPr>
+          <p:cNvPr id="5" name="4 CuadroTexto"/>
+          <p:cNvSpPr txBox="1"/>
+          <p:nvPr/>
+        </p:nvSpPr>
+        <p:spPr>
+          <a:xfrm>
+            <a:off x="428596" y="2428868"/>
+            <a:ext cx="8435964" cy="1723549"/>
+          </a:xfrm>
+          <a:prstGeom prst="rect">
+            <a:avLst/>
+          </a:prstGeom>
+          <a:noFill/>
+        </p:spPr>
+        <p:txBody>
+          <a:bodyPr wrap="none" rtlCol="0">
+            <a:spAutoFit/>
+          </a:bodyPr>
+          <a:lstStyle/>
+          <a:p>
+            <a:r>
+              <a:rPr lang="es-ES" sz="6600" smtClean="0"/>
+              <a:t>Results</a:t>
+            </a:r>
+          </a:p>
+          <a:p>
+            <a:r>
+              <a:rPr lang="es-ES" sz="4000" smtClean="0"/>
+              <a:t>http://copyrighttermbank.linkeddata.es</a:t>
+            </a:r>
+            <a:endParaRPr lang="es-ES" sz="4000"/>
+          </a:p>
+        </p:txBody>
+      </p:sp>
+    </p:spTree>
+  </p:cSld>
+  <p:clrMapOvr>
+    <a:masterClrMapping/>
+  </p:clrMapOvr>
+  <p:timing>
+    <p:tnLst>
+      <p:par>
+        <p:cTn id="1" dur="indefinite" restart="never" nodeType="tmRoot"/>
+      </p:par>
+    </p:tnLst>
+  </p:timing>
+</p:sld>
+</file>
+
+<file path=ppt/slides/slide21.xml><?xml version="1.0" encoding="utf-8"?>
+<p:sld xmlns:a="http://schemas.openxmlformats.org/drawingml/2006/main" xmlns:r="http://schemas.openxmlformats.org/officeDocument/2006/relationships" xmlns:p="http://schemas.openxmlformats.org/presentationml/2006/main">
+  <p:cSld>
+    <p:spTree>
+      <p:nvGrpSpPr>
+        <p:cNvPr id="1" name=""/>
+        <p:cNvGrpSpPr/>
+        <p:nvPr/>
+      </p:nvGrpSpPr>
+      <p:grpSpPr>
+        <a:xfrm>
+          <a:off x="0" y="0"/>
+          <a:ext cx="0" cy="0"/>
+          <a:chOff x="0" y="0"/>
+          <a:chExt cx="0" cy="0"/>
+        </a:xfrm>
+      </p:grpSpPr>
+      <p:sp>
+        <p:nvSpPr>
+          <p:cNvPr id="2" name="1 Título"/>
+          <p:cNvSpPr>
+            <a:spLocks noGrp="1"/>
+          </p:cNvSpPr>
+          <p:nvPr>
+            <p:ph type="title"/>
+          </p:nvPr>
+        </p:nvSpPr>
+        <p:spPr>
+          <a:xfrm>
+            <a:off x="500034" y="0"/>
+            <a:ext cx="8229600" cy="654032"/>
+          </a:xfrm>
+        </p:spPr>
+        <p:txBody>
+          <a:bodyPr>
+            <a:noAutofit/>
+          </a:bodyPr>
+          <a:lstStyle/>
+          <a:p>
+            <a:r>
+              <a:rPr lang="es-ES" sz="3600" smtClean="0"/>
+              <a:t>http://copyrighttermbank.linkeddata.es</a:t>
+            </a:r>
+            <a:endParaRPr lang="es-ES" sz="3600"/>
+          </a:p>
+        </p:txBody>
+      </p:sp>
+      <p:sp>
+        <p:nvSpPr>
+          <p:cNvPr id="3" name="2 Marcador de contenido"/>
+          <p:cNvSpPr>
+            <a:spLocks noGrp="1"/>
+          </p:cNvSpPr>
+          <p:nvPr>
+            <p:ph idx="1"/>
+          </p:nvPr>
+        </p:nvSpPr>
+        <p:spPr/>
+        <p:txBody>
+          <a:bodyPr/>
+          <a:lstStyle/>
+          <a:p>
+            <a:endParaRPr lang="es-ES"/>
+          </a:p>
+        </p:txBody>
+      </p:sp>
+      <p:sp>
+        <p:nvSpPr>
+          <p:cNvPr id="4" name="3 Marcador de número de diapositiva"/>
+          <p:cNvSpPr>
+            <a:spLocks noGrp="1"/>
+          </p:cNvSpPr>
+          <p:nvPr>
+            <p:ph type="sldNum" sz="quarter" idx="12"/>
+          </p:nvPr>
+        </p:nvSpPr>
+        <p:spPr/>
+        <p:txBody>
+          <a:bodyPr/>
+          <a:lstStyle/>
+          <a:p>
+            <a:fld id="{132FADFE-3B8F-471C-ABF0-DBC7717ECBBC}" type="slidenum">
+              <a:rPr lang="es-ES" smtClean="0"/>
+              <a:pPr/>
+              <a:t>21</a:t>
+            </a:fld>
+            <a:endParaRPr lang="es-ES"/>
+          </a:p>
+        </p:txBody>
+      </p:sp>
+      <p:pic>
+        <p:nvPicPr>
+          <p:cNvPr id="28674" name="Picture 2"/>
+          <p:cNvPicPr>
+            <a:picLocks noChangeAspect="1" noChangeArrowheads="1"/>
+          </p:cNvPicPr>
+          <p:nvPr/>
+        </p:nvPicPr>
+        <p:blipFill>
+          <a:blip r:embed="rId2"/>
+          <a:srcRect/>
+          <a:stretch>
+            <a:fillRect/>
+          </a:stretch>
+        </p:blipFill>
+        <p:spPr bwMode="auto">
+          <a:xfrm>
+            <a:off x="285720" y="714356"/>
+            <a:ext cx="8609293" cy="5865831"/>
+          </a:xfrm>
+          <a:prstGeom prst="rect">
+            <a:avLst/>
+          </a:prstGeom>
+          <a:noFill/>
+          <a:ln w="9525">
+            <a:noFill/>
+            <a:miter lim="800000"/>
+            <a:headEnd/>
+            <a:tailEnd/>
+          </a:ln>
+          <a:effectLst/>
+        </p:spPr>
+      </p:pic>
+    </p:spTree>
+  </p:cSld>
+  <p:clrMapOvr>
+    <a:masterClrMapping/>
+  </p:clrMapOvr>
+  <p:timing>
+    <p:tnLst>
+      <p:par>
+        <p:cTn id="1" dur="indefinite" restart="never" nodeType="tmRoot"/>
+      </p:par>
+    </p:tnLst>
+  </p:timing>
+</p:sld>
+</file>
+
+<file path=ppt/slides/slide22.xml><?xml version="1.0" encoding="utf-8"?>
+<p:sld xmlns:a="http://schemas.openxmlformats.org/drawingml/2006/main" xmlns:r="http://schemas.openxmlformats.org/officeDocument/2006/relationships" xmlns:p="http://schemas.openxmlformats.org/presentationml/2006/main">
+  <p:cSld>
+    <p:spTree>
+      <p:nvGrpSpPr>
+        <p:cNvPr id="1" name=""/>
+        <p:cNvGrpSpPr/>
+        <p:nvPr/>
+      </p:nvGrpSpPr>
+      <p:grpSpPr>
+        <a:xfrm>
+          <a:off x="0" y="0"/>
+          <a:ext cx="0" cy="0"/>
+          <a:chOff x="0" y="0"/>
+          <a:chExt cx="0" cy="0"/>
+        </a:xfrm>
+      </p:grpSpPr>
+      <p:sp>
+        <p:nvSpPr>
+          <p:cNvPr id="2" name="1 Título"/>
+          <p:cNvSpPr>
+            <a:spLocks noGrp="1"/>
+          </p:cNvSpPr>
+          <p:nvPr>
+            <p:ph type="title"/>
+          </p:nvPr>
+        </p:nvSpPr>
+        <p:spPr>
+          <a:xfrm>
+            <a:off x="457200" y="274638"/>
+            <a:ext cx="8229600" cy="725470"/>
+          </a:xfrm>
+        </p:spPr>
+        <p:txBody>
+          <a:bodyPr>
+            <a:normAutofit/>
+          </a:bodyPr>
+          <a:lstStyle/>
+          <a:p>
+            <a:r>
+              <a:rPr lang="es-ES" sz="3600" smtClean="0"/>
+              <a:t>http://copyrighttermbank.linkeddata.es</a:t>
+            </a:r>
+            <a:endParaRPr lang="es-ES" sz="3600"/>
+          </a:p>
+        </p:txBody>
+      </p:sp>
+      <p:sp>
+        <p:nvSpPr>
+          <p:cNvPr id="3" name="2 Marcador de contenido"/>
+          <p:cNvSpPr>
+            <a:spLocks noGrp="1"/>
+          </p:cNvSpPr>
+          <p:nvPr>
+            <p:ph idx="1"/>
+          </p:nvPr>
+        </p:nvSpPr>
+        <p:spPr/>
+        <p:txBody>
+          <a:bodyPr/>
+          <a:lstStyle/>
+          <a:p>
+            <a:endParaRPr lang="es-ES"/>
+          </a:p>
+        </p:txBody>
+      </p:sp>
+      <p:sp>
+        <p:nvSpPr>
+          <p:cNvPr id="4" name="3 Marcador de número de diapositiva"/>
+          <p:cNvSpPr>
+            <a:spLocks noGrp="1"/>
+          </p:cNvSpPr>
+          <p:nvPr>
+            <p:ph type="sldNum" sz="quarter" idx="12"/>
+          </p:nvPr>
+        </p:nvSpPr>
+        <p:spPr/>
+        <p:txBody>
+          <a:bodyPr/>
+          <a:lstStyle/>
+          <a:p>
+            <a:fld id="{132FADFE-3B8F-471C-ABF0-DBC7717ECBBC}" type="slidenum">
+              <a:rPr lang="es-ES" smtClean="0"/>
+              <a:pPr/>
+              <a:t>22</a:t>
+            </a:fld>
+            <a:endParaRPr lang="es-ES"/>
+          </a:p>
+        </p:txBody>
+      </p:sp>
+      <p:pic>
+        <p:nvPicPr>
+          <p:cNvPr id="29698" name="Picture 2"/>
+          <p:cNvPicPr>
+            <a:picLocks noChangeAspect="1" noChangeArrowheads="1"/>
+          </p:cNvPicPr>
+          <p:nvPr/>
+        </p:nvPicPr>
+        <p:blipFill>
+          <a:blip r:embed="rId2"/>
+          <a:srcRect/>
+          <a:stretch>
+            <a:fillRect/>
+          </a:stretch>
+        </p:blipFill>
+        <p:spPr bwMode="auto">
+          <a:xfrm>
+            <a:off x="0" y="1142984"/>
+            <a:ext cx="8847137" cy="5349875"/>
+          </a:xfrm>
+          <a:prstGeom prst="rect">
+            <a:avLst/>
+          </a:prstGeom>
+          <a:noFill/>
+          <a:ln w="9525">
+            <a:noFill/>
+            <a:miter lim="800000"/>
+            <a:headEnd/>
+            <a:tailEnd/>
+          </a:ln>
+          <a:effectLst/>
+        </p:spPr>
+      </p:pic>
+    </p:spTree>
+  </p:cSld>
+  <p:clrMapOvr>
+    <a:masterClrMapping/>
+  </p:clrMapOvr>
+  <p:timing>
+    <p:tnLst>
+      <p:par>
+        <p:cTn id="1" dur="indefinite" restart="never" nodeType="tmRoot"/>
+      </p:par>
+    </p:tnLst>
+  </p:timing>
+</p:sld>
+</file>
+
+<file path=ppt/slides/slide23.xml><?xml version="1.0" encoding="utf-8"?>
+<p:sld xmlns:a="http://schemas.openxmlformats.org/drawingml/2006/main" xmlns:r="http://schemas.openxmlformats.org/officeDocument/2006/relationships" xmlns:p="http://schemas.openxmlformats.org/presentationml/2006/main">
+  <p:cSld>
+    <p:spTree>
+      <p:nvGrpSpPr>
+        <p:cNvPr id="1" name=""/>
+        <p:cNvGrpSpPr/>
+        <p:nvPr/>
+      </p:nvGrpSpPr>
+      <p:grpSpPr>
+        <a:xfrm>
+          <a:off x="0" y="0"/>
+          <a:ext cx="0" cy="0"/>
+          <a:chOff x="0" y="0"/>
+          <a:chExt cx="0" cy="0"/>
+        </a:xfrm>
+      </p:grpSpPr>
+      <p:sp>
+        <p:nvSpPr>
+          <p:cNvPr id="2" name="1 Título"/>
+          <p:cNvSpPr>
+            <a:spLocks noGrp="1"/>
+          </p:cNvSpPr>
+          <p:nvPr>
+            <p:ph type="title"/>
+          </p:nvPr>
+        </p:nvSpPr>
+        <p:spPr/>
+        <p:txBody>
+          <a:bodyPr/>
+          <a:lstStyle/>
+          <a:p>
+            <a:r>
+              <a:rPr lang="es-ES" smtClean="0"/>
+              <a:t>Linked Data Graph</a:t>
+            </a:r>
+            <a:endParaRPr lang="es-ES"/>
+          </a:p>
+        </p:txBody>
+      </p:sp>
+      <p:sp>
+        <p:nvSpPr>
+          <p:cNvPr id="4" name="3 Marcador de número de diapositiva"/>
+          <p:cNvSpPr>
+            <a:spLocks noGrp="1"/>
+          </p:cNvSpPr>
+          <p:nvPr>
+            <p:ph type="sldNum" sz="quarter" idx="12"/>
+          </p:nvPr>
+        </p:nvSpPr>
+        <p:spPr>
+          <a:xfrm>
+            <a:off x="6267480" y="5776942"/>
+            <a:ext cx="2133600" cy="365125"/>
+          </a:xfrm>
+        </p:spPr>
+        <p:txBody>
+          <a:bodyPr/>
+          <a:lstStyle/>
+          <a:p>
+            <a:fld id="{132FADFE-3B8F-471C-ABF0-DBC7717ECBBC}" type="slidenum">
+              <a:rPr lang="es-ES" smtClean="0"/>
+              <a:pPr/>
+              <a:t>23</a:t>
+            </a:fld>
+            <a:endParaRPr lang="es-ES"/>
+          </a:p>
+        </p:txBody>
+      </p:sp>
+      <p:sp>
+        <p:nvSpPr>
+          <p:cNvPr id="5" name="4 Rectángulo"/>
+          <p:cNvSpPr/>
+          <p:nvPr/>
+        </p:nvSpPr>
+        <p:spPr>
+          <a:xfrm>
+            <a:off x="214314" y="1349394"/>
+            <a:ext cx="4572000" cy="646331"/>
+          </a:xfrm>
+          <a:prstGeom prst="rect">
+            <a:avLst/>
+          </a:prstGeom>
+        </p:spPr>
+        <p:txBody>
+          <a:bodyPr>
+            <a:spAutoFit/>
+          </a:bodyPr>
+          <a:lstStyle/>
+          <a:p>
+            <a:r>
+              <a:rPr lang="es-ES" b="1" smtClean="0">
+                <a:latin typeface="Courier New" pitchFamily="49" charset="0"/>
+                <a:cs typeface="Courier New" pitchFamily="49" charset="0"/>
+              </a:rPr>
+              <a:t>http://copyrighttermbank.linkeddata.es/resource/public_domain</a:t>
+            </a:r>
+            <a:endParaRPr lang="es-ES" b="1">
+              <a:latin typeface="Courier New" pitchFamily="49" charset="0"/>
+              <a:cs typeface="Courier New" pitchFamily="49" charset="0"/>
+            </a:endParaRPr>
+          </a:p>
+        </p:txBody>
+      </p:sp>
+      <p:cxnSp>
+        <p:nvCxnSpPr>
+          <p:cNvPr id="8" name="7 Conector recto"/>
+          <p:cNvCxnSpPr/>
+          <p:nvPr/>
+        </p:nvCxnSpPr>
+        <p:spPr>
+          <a:xfrm>
+            <a:off x="4714908" y="1920898"/>
+            <a:ext cx="1500198" cy="1000132"/>
+          </a:xfrm>
+          <a:prstGeom prst="line">
+            <a:avLst/>
+          </a:prstGeom>
+        </p:spPr>
+        <p:style>
+          <a:lnRef idx="1">
+            <a:schemeClr val="accent1"/>
+          </a:lnRef>
+          <a:fillRef idx="0">
+            <a:schemeClr val="accent1"/>
+          </a:fillRef>
+          <a:effectRef idx="0">
+            <a:schemeClr val="accent1"/>
+          </a:effectRef>
+          <a:fontRef idx="minor">
+            <a:schemeClr val="tx1"/>
+          </a:fontRef>
+        </p:style>
+      </p:cxnSp>
+      <p:sp>
+        <p:nvSpPr>
+          <p:cNvPr id="10" name="9 Rectángulo"/>
+          <p:cNvSpPr/>
+          <p:nvPr/>
+        </p:nvSpPr>
+        <p:spPr>
+          <a:xfrm>
+            <a:off x="4572032" y="3063906"/>
+            <a:ext cx="3857652" cy="923330"/>
+          </a:xfrm>
+          <a:prstGeom prst="rect">
+            <a:avLst/>
+          </a:prstGeom>
+        </p:spPr>
+        <p:txBody>
+          <a:bodyPr wrap="square">
+            <a:spAutoFit/>
+          </a:bodyPr>
+          <a:lstStyle/>
+          <a:p>
+            <a:r>
+              <a:rPr lang="es-ES" b="1" smtClean="0">
+                <a:latin typeface="Courier New" pitchFamily="49" charset="0"/>
+                <a:cs typeface="Courier New" pitchFamily="49" charset="0"/>
+              </a:rPr>
+              <a:t>http://tbx2rdf.lider-project.eu/data/iate/IATE-1334464</a:t>
+            </a:r>
+          </a:p>
+        </p:txBody>
+      </p:sp>
+      <p:cxnSp>
+        <p:nvCxnSpPr>
+          <p:cNvPr id="13" name="12 Conector recto"/>
+          <p:cNvCxnSpPr/>
+          <p:nvPr/>
+        </p:nvCxnSpPr>
+        <p:spPr>
+          <a:xfrm rot="5400000">
+            <a:off x="638974" y="2853528"/>
+            <a:ext cx="1436664" cy="32"/>
+          </a:xfrm>
+          <a:prstGeom prst="line">
+            <a:avLst/>
+          </a:prstGeom>
+        </p:spPr>
+        <p:style>
+          <a:lnRef idx="1">
+            <a:schemeClr val="accent1"/>
+          </a:lnRef>
+          <a:fillRef idx="0">
+            <a:schemeClr val="accent1"/>
+          </a:fillRef>
+          <a:effectRef idx="0">
+            <a:schemeClr val="accent1"/>
+          </a:effectRef>
+          <a:fontRef idx="minor">
+            <a:schemeClr val="tx1"/>
+          </a:fontRef>
+        </p:style>
+      </p:cxnSp>
+      <p:sp>
+        <p:nvSpPr>
+          <p:cNvPr id="15" name="14 Rectángulo"/>
+          <p:cNvSpPr/>
+          <p:nvPr/>
+        </p:nvSpPr>
+        <p:spPr>
+          <a:xfrm>
+            <a:off x="0" y="3714752"/>
+            <a:ext cx="3214710" cy="646331"/>
+          </a:xfrm>
+          <a:prstGeom prst="rect">
+            <a:avLst/>
+          </a:prstGeom>
+        </p:spPr>
+        <p:txBody>
+          <a:bodyPr wrap="square">
+            <a:spAutoFit/>
+          </a:bodyPr>
+          <a:lstStyle/>
+          <a:p>
+            <a:r>
+              <a:rPr lang="es-ES" b="1" smtClean="0">
+                <a:latin typeface="Courier New" pitchFamily="49" charset="0"/>
+                <a:cs typeface="Courier New" pitchFamily="49" charset="0"/>
+              </a:rPr>
+              <a:t>http://dbpedia.org/resource/Public_domain</a:t>
+            </a:r>
+            <a:endParaRPr lang="es-ES" b="1">
+              <a:latin typeface="Courier New" pitchFamily="49" charset="0"/>
+              <a:cs typeface="Courier New" pitchFamily="49" charset="0"/>
+            </a:endParaRPr>
+          </a:p>
+        </p:txBody>
+      </p:sp>
+      <p:cxnSp>
+        <p:nvCxnSpPr>
+          <p:cNvPr id="17" name="16 Conector recto"/>
+          <p:cNvCxnSpPr/>
+          <p:nvPr/>
+        </p:nvCxnSpPr>
+        <p:spPr>
+          <a:xfrm rot="16200000" flipV="1">
+            <a:off x="1750199" y="4536289"/>
+            <a:ext cx="357190" cy="142876"/>
+          </a:xfrm>
+          <a:prstGeom prst="line">
+            <a:avLst/>
+          </a:prstGeom>
+        </p:spPr>
+        <p:style>
+          <a:lnRef idx="1">
+            <a:schemeClr val="accent1"/>
+          </a:lnRef>
+          <a:fillRef idx="0">
+            <a:schemeClr val="accent1"/>
+          </a:fillRef>
+          <a:effectRef idx="0">
+            <a:schemeClr val="accent1"/>
+          </a:effectRef>
+          <a:fontRef idx="minor">
+            <a:schemeClr val="tx1"/>
+          </a:fontRef>
+        </p:style>
+      </p:cxnSp>
+      <p:cxnSp>
+        <p:nvCxnSpPr>
+          <p:cNvPr id="19" name="18 Conector recto"/>
+          <p:cNvCxnSpPr/>
+          <p:nvPr/>
+        </p:nvCxnSpPr>
+        <p:spPr>
+          <a:xfrm flipV="1">
+            <a:off x="857224" y="4429132"/>
+            <a:ext cx="928694" cy="71438"/>
+          </a:xfrm>
+          <a:prstGeom prst="line">
+            <a:avLst/>
+          </a:prstGeom>
+        </p:spPr>
+        <p:style>
+          <a:lnRef idx="1">
+            <a:schemeClr val="accent1"/>
+          </a:lnRef>
+          <a:fillRef idx="0">
+            <a:schemeClr val="accent1"/>
+          </a:fillRef>
+          <a:effectRef idx="0">
+            <a:schemeClr val="accent1"/>
+          </a:effectRef>
+          <a:fontRef idx="minor">
+            <a:schemeClr val="tx1"/>
+          </a:fontRef>
+        </p:style>
+      </p:cxnSp>
+      <p:cxnSp>
+        <p:nvCxnSpPr>
+          <p:cNvPr id="22" name="21 Conector recto"/>
+          <p:cNvCxnSpPr/>
+          <p:nvPr/>
+        </p:nvCxnSpPr>
+        <p:spPr>
+          <a:xfrm rot="10800000">
+            <a:off x="2000232" y="4429132"/>
+            <a:ext cx="1000132" cy="285752"/>
+          </a:xfrm>
+          <a:prstGeom prst="line">
+            <a:avLst/>
+          </a:prstGeom>
+        </p:spPr>
+        <p:style>
+          <a:lnRef idx="1">
+            <a:schemeClr val="accent1"/>
+          </a:lnRef>
+          <a:fillRef idx="0">
+            <a:schemeClr val="accent1"/>
+          </a:fillRef>
+          <a:effectRef idx="0">
+            <a:schemeClr val="accent1"/>
+          </a:effectRef>
+          <a:fontRef idx="minor">
+            <a:schemeClr val="tx1"/>
+          </a:fontRef>
+        </p:style>
+      </p:cxnSp>
+      <p:pic>
+        <p:nvPicPr>
+          <p:cNvPr id="46083" name="Picture 3"/>
+          <p:cNvPicPr>
+            <a:picLocks noChangeAspect="1" noChangeArrowheads="1"/>
+          </p:cNvPicPr>
+          <p:nvPr/>
+        </p:nvPicPr>
+        <p:blipFill>
+          <a:blip r:embed="rId2"/>
+          <a:srcRect/>
+          <a:stretch>
+            <a:fillRect/>
+          </a:stretch>
+        </p:blipFill>
+        <p:spPr bwMode="auto">
+          <a:xfrm>
+            <a:off x="428596" y="5466775"/>
+            <a:ext cx="2786082" cy="1391225"/>
+          </a:xfrm>
+          <a:prstGeom prst="rect">
+            <a:avLst/>
+          </a:prstGeom>
+          <a:noFill/>
+          <a:ln w="9525">
+            <a:noFill/>
+            <a:miter lim="800000"/>
+            <a:headEnd/>
+            <a:tailEnd/>
+          </a:ln>
+          <a:effectLst/>
+        </p:spPr>
+      </p:pic>
+      <p:sp>
+        <p:nvSpPr>
+          <p:cNvPr id="39" name="38 CuadroTexto"/>
+          <p:cNvSpPr txBox="1"/>
+          <p:nvPr/>
+        </p:nvSpPr>
+        <p:spPr>
+          <a:xfrm>
+            <a:off x="285720" y="4786322"/>
+            <a:ext cx="5926815" cy="646331"/>
+          </a:xfrm>
+          <a:prstGeom prst="rect">
+            <a:avLst/>
+          </a:prstGeom>
+          <a:noFill/>
+        </p:spPr>
+        <p:txBody>
+          <a:bodyPr wrap="none" rtlCol="0">
+            <a:spAutoFit/>
+          </a:bodyPr>
+          <a:lstStyle/>
+          <a:p>
+            <a:r>
+              <a:rPr lang="es-ES" smtClean="0">
+                <a:solidFill>
+                  <a:srgbClr val="C00000"/>
+                </a:solidFill>
+              </a:rPr>
+              <a:t>Many links to other RDF info. </a:t>
+            </a:r>
+          </a:p>
+          <a:p>
+            <a:r>
+              <a:rPr lang="es-ES" smtClean="0">
+                <a:solidFill>
+                  <a:srgbClr val="C00000"/>
+                </a:solidFill>
+              </a:rPr>
+              <a:t>Example: list of authors entering the public domain in Europe</a:t>
+            </a:r>
+            <a:endParaRPr lang="es-ES">
+              <a:solidFill>
+                <a:srgbClr val="C00000"/>
+              </a:solidFill>
+            </a:endParaRPr>
+          </a:p>
+        </p:txBody>
+      </p:sp>
+      <p:cxnSp>
+        <p:nvCxnSpPr>
+          <p:cNvPr id="42" name="41 Conector recto"/>
+          <p:cNvCxnSpPr/>
+          <p:nvPr/>
+        </p:nvCxnSpPr>
+        <p:spPr>
+          <a:xfrm>
+            <a:off x="6429388" y="3786190"/>
+            <a:ext cx="857256" cy="785818"/>
+          </a:xfrm>
+          <a:prstGeom prst="line">
+            <a:avLst/>
+          </a:prstGeom>
+        </p:spPr>
+        <p:style>
+          <a:lnRef idx="1">
+            <a:schemeClr val="accent1"/>
+          </a:lnRef>
+          <a:fillRef idx="0">
+            <a:schemeClr val="accent1"/>
+          </a:fillRef>
+          <a:effectRef idx="0">
+            <a:schemeClr val="accent1"/>
+          </a:effectRef>
+          <a:fontRef idx="minor">
+            <a:schemeClr val="tx1"/>
+          </a:fontRef>
+        </p:style>
+      </p:cxnSp>
+      <p:sp>
+        <p:nvSpPr>
+          <p:cNvPr id="46" name="45 CuadroTexto"/>
+          <p:cNvSpPr txBox="1"/>
+          <p:nvPr/>
+        </p:nvSpPr>
+        <p:spPr>
+          <a:xfrm>
+            <a:off x="6643702" y="4572008"/>
+            <a:ext cx="2286016" cy="646331"/>
+          </a:xfrm>
+          <a:prstGeom prst="rect">
+            <a:avLst/>
+          </a:prstGeom>
+          <a:noFill/>
+        </p:spPr>
+        <p:txBody>
+          <a:bodyPr wrap="square" rtlCol="0">
+            <a:spAutoFit/>
+          </a:bodyPr>
+          <a:lstStyle/>
+          <a:p>
+            <a:r>
+              <a:rPr lang="es-ES" smtClean="0">
+                <a:solidFill>
+                  <a:srgbClr val="C00000"/>
+                </a:solidFill>
+              </a:rPr>
+              <a:t>Linked to other terminologies</a:t>
+            </a:r>
+            <a:endParaRPr lang="es-ES">
+              <a:solidFill>
+                <a:srgbClr val="C00000"/>
+              </a:solidFill>
+            </a:endParaRPr>
+          </a:p>
+        </p:txBody>
+      </p:sp>
+    </p:spTree>
+  </p:cSld>
+  <p:clrMapOvr>
+    <a:masterClrMapping/>
+  </p:clrMapOvr>
+</p:sld>
+</file>
+
+<file path=ppt/slides/slide24.xml><?xml version="1.0" encoding="utf-8"?>
+<p:sld xmlns:a="http://schemas.openxmlformats.org/drawingml/2006/main" xmlns:r="http://schemas.openxmlformats.org/officeDocument/2006/relationships" xmlns:p="http://schemas.openxmlformats.org/presentationml/2006/main">
+  <p:cSld>
+    <p:spTree>
+      <p:nvGrpSpPr>
+        <p:cNvPr id="1" name=""/>
+        <p:cNvGrpSpPr/>
+        <p:nvPr/>
+      </p:nvGrpSpPr>
+      <p:grpSpPr>
+        <a:xfrm>
+          <a:off x="0" y="0"/>
+          <a:ext cx="0" cy="0"/>
+          <a:chOff x="0" y="0"/>
+          <a:chExt cx="0" cy="0"/>
+        </a:xfrm>
+      </p:grpSpPr>
+      <p:sp>
+        <p:nvSpPr>
+          <p:cNvPr id="2" name="1 Título"/>
+          <p:cNvSpPr>
+            <a:spLocks noGrp="1"/>
+          </p:cNvSpPr>
+          <p:nvPr>
+            <p:ph type="title"/>
+          </p:nvPr>
+        </p:nvSpPr>
+        <p:spPr/>
+        <p:txBody>
+          <a:bodyPr/>
+          <a:lstStyle/>
+          <a:p>
+            <a:r>
+              <a:rPr lang="es-ES" smtClean="0"/>
+              <a:t>Linked Data Cloud</a:t>
+            </a:r>
+            <a:endParaRPr lang="es-ES"/>
+          </a:p>
+        </p:txBody>
+      </p:sp>
+      <p:sp>
+        <p:nvSpPr>
+          <p:cNvPr id="3" name="2 Marcador de contenido"/>
+          <p:cNvSpPr>
+            <a:spLocks noGrp="1"/>
+          </p:cNvSpPr>
+          <p:nvPr>
+            <p:ph idx="1"/>
+          </p:nvPr>
+        </p:nvSpPr>
+        <p:spPr/>
+        <p:txBody>
+          <a:bodyPr>
+            <a:normAutofit/>
+          </a:bodyPr>
+          <a:lstStyle/>
+          <a:p>
+            <a:r>
+              <a:rPr lang="es-ES" sz="2400" smtClean="0"/>
+              <a:t>Individual entitites conform a graph (previous slide)</a:t>
+            </a:r>
+          </a:p>
+          <a:p>
+            <a:r>
+              <a:rPr lang="es-ES" sz="2400" smtClean="0"/>
+              <a:t>Global resources conform another graph (where this terminology is only one bubble)</a:t>
+            </a:r>
+            <a:endParaRPr lang="es-ES" sz="2400"/>
+          </a:p>
+        </p:txBody>
+      </p:sp>
+      <p:sp>
+        <p:nvSpPr>
+          <p:cNvPr id="4" name="3 Marcador de número de diapositiva"/>
+          <p:cNvSpPr>
+            <a:spLocks noGrp="1"/>
+          </p:cNvSpPr>
+          <p:nvPr>
+            <p:ph type="sldNum" sz="quarter" idx="12"/>
+          </p:nvPr>
+        </p:nvSpPr>
+        <p:spPr/>
+        <p:txBody>
+          <a:bodyPr/>
+          <a:lstStyle/>
+          <a:p>
+            <a:fld id="{132FADFE-3B8F-471C-ABF0-DBC7717ECBBC}" type="slidenum">
+              <a:rPr lang="es-ES" smtClean="0"/>
+              <a:pPr/>
+              <a:t>24</a:t>
+            </a:fld>
+            <a:endParaRPr lang="es-ES"/>
+          </a:p>
+        </p:txBody>
+      </p:sp>
+      <p:pic>
+        <p:nvPicPr>
+          <p:cNvPr id="51202" name="Picture 2"/>
+          <p:cNvPicPr>
+            <a:picLocks noChangeAspect="1" noChangeArrowheads="1"/>
+          </p:cNvPicPr>
+          <p:nvPr/>
+        </p:nvPicPr>
+        <p:blipFill>
+          <a:blip r:embed="rId2"/>
+          <a:srcRect/>
+          <a:stretch>
+            <a:fillRect/>
+          </a:stretch>
+        </p:blipFill>
+        <p:spPr bwMode="auto">
+          <a:xfrm>
+            <a:off x="1785918" y="2928934"/>
+            <a:ext cx="5857916" cy="3682119"/>
+          </a:xfrm>
+          <a:prstGeom prst="rect">
+            <a:avLst/>
+          </a:prstGeom>
+          <a:noFill/>
+          <a:ln w="9525">
+            <a:noFill/>
+            <a:miter lim="800000"/>
+            <a:headEnd/>
+            <a:tailEnd/>
+          </a:ln>
+          <a:effectLst/>
+        </p:spPr>
+      </p:pic>
+    </p:spTree>
+  </p:cSld>
+  <p:clrMapOvr>
+    <a:masterClrMapping/>
+  </p:clrMapOvr>
+</p:sld>
+</file>
+
+<file path=ppt/slides/slide25.xml><?xml version="1.0" encoding="utf-8"?>
+<p:sld xmlns:a="http://schemas.openxmlformats.org/drawingml/2006/main" xmlns:r="http://schemas.openxmlformats.org/officeDocument/2006/relationships" xmlns:p="http://schemas.openxmlformats.org/presentationml/2006/main">
+  <p:cSld>
+    <p:spTree>
+      <p:nvGrpSpPr>
+        <p:cNvPr id="1" name=""/>
+        <p:cNvGrpSpPr/>
+        <p:nvPr/>
+      </p:nvGrpSpPr>
+      <p:grpSpPr>
+        <a:xfrm>
+          <a:off x="0" y="0"/>
+          <a:ext cx="0" cy="0"/>
+          <a:chOff x="0" y="0"/>
+          <a:chExt cx="0" cy="0"/>
+        </a:xfrm>
+      </p:grpSpPr>
+      <p:sp>
+        <p:nvSpPr>
+          <p:cNvPr id="2" name="1 Título"/>
+          <p:cNvSpPr>
+            <a:spLocks noGrp="1"/>
+          </p:cNvSpPr>
+          <p:nvPr>
+            <p:ph type="title"/>
+          </p:nvPr>
+        </p:nvSpPr>
+        <p:spPr/>
+        <p:txBody>
+          <a:bodyPr/>
+          <a:lstStyle/>
+          <a:p>
+            <a:r>
+              <a:rPr lang="es-ES" smtClean="0"/>
+              <a:t>Previous work</a:t>
+            </a:r>
+            <a:endParaRPr lang="es-ES"/>
+          </a:p>
+        </p:txBody>
+      </p:sp>
+      <p:sp>
+        <p:nvSpPr>
+          <p:cNvPr id="3" name="2 Marcador de contenido"/>
+          <p:cNvSpPr>
+            <a:spLocks noGrp="1"/>
+          </p:cNvSpPr>
+          <p:nvPr>
+            <p:ph idx="1"/>
+          </p:nvPr>
+        </p:nvSpPr>
+        <p:spPr>
+          <a:xfrm>
+            <a:off x="457200" y="1600200"/>
+            <a:ext cx="8686800" cy="4525963"/>
+          </a:xfrm>
+        </p:spPr>
+        <p:txBody>
+          <a:bodyPr/>
+          <a:lstStyle/>
+          <a:p>
+            <a:r>
+              <a:rPr lang="en-US" sz="2400" smtClean="0"/>
+              <a:t>Previous work in our group </a:t>
+            </a:r>
+          </a:p>
+          <a:p>
+            <a:pPr lvl="1"/>
+            <a:r>
+              <a:rPr lang="en-US" sz="2000" b="1" smtClean="0"/>
+              <a:t>Benefits of Ontologies to Multilingual Needs</a:t>
+            </a:r>
+            <a:r>
+              <a:rPr lang="en-US" sz="2000" smtClean="0"/>
+              <a:t>. Guadalupe Aguado, Elena Montiel, </a:t>
+            </a:r>
+            <a:r>
+              <a:rPr lang="en-US" sz="1200" smtClean="0"/>
+              <a:t>6th International AELFE Conference Editors: Maria Kuteeva, Helder Fanha Martins. September 13th-15th, 2007. Lisbon, Portugal. ISBN: 978-972-98646-1-2. Pages: 519-531 Benefits of Ontologies to Multilingual Needs. Available from: https://www.researchgate.net/publication/47900998_Benefits_of_Ontologies_to_Multilingual_Needs [accessed Nov 30, 2015].</a:t>
+            </a:r>
+            <a:endParaRPr lang="en-US" sz="2000" smtClean="0"/>
+          </a:p>
+          <a:p>
+            <a:endParaRPr lang="es-ES"/>
+          </a:p>
+        </p:txBody>
+      </p:sp>
+      <p:sp>
+        <p:nvSpPr>
+          <p:cNvPr id="4" name="3 Marcador de número de diapositiva"/>
+          <p:cNvSpPr>
+            <a:spLocks noGrp="1"/>
+          </p:cNvSpPr>
+          <p:nvPr>
+            <p:ph type="sldNum" sz="quarter" idx="12"/>
+          </p:nvPr>
+        </p:nvSpPr>
+        <p:spPr/>
+        <p:txBody>
+          <a:bodyPr/>
+          <a:lstStyle/>
+          <a:p>
+            <a:fld id="{132FADFE-3B8F-471C-ABF0-DBC7717ECBBC}" type="slidenum">
+              <a:rPr lang="es-ES" smtClean="0"/>
+              <a:pPr/>
+              <a:t>25</a:t>
+            </a:fld>
+            <a:endParaRPr lang="es-ES"/>
+          </a:p>
+        </p:txBody>
+      </p:sp>
+      <p:pic>
+        <p:nvPicPr>
+          <p:cNvPr id="26626" name="Picture 2"/>
+          <p:cNvPicPr>
+            <a:picLocks noChangeAspect="1" noChangeArrowheads="1"/>
+          </p:cNvPicPr>
+          <p:nvPr/>
+        </p:nvPicPr>
+        <p:blipFill>
+          <a:blip r:embed="rId2"/>
+          <a:srcRect/>
+          <a:stretch>
+            <a:fillRect/>
+          </a:stretch>
+        </p:blipFill>
+        <p:spPr bwMode="auto">
+          <a:xfrm>
+            <a:off x="1928794" y="3357562"/>
+            <a:ext cx="4234783" cy="3160030"/>
+          </a:xfrm>
+          <a:prstGeom prst="rect">
+            <a:avLst/>
+          </a:prstGeom>
+          <a:noFill/>
+          <a:ln w="9525">
+            <a:noFill/>
+            <a:miter lim="800000"/>
+            <a:headEnd/>
+            <a:tailEnd/>
+          </a:ln>
+          <a:effectLst/>
+        </p:spPr>
+      </p:pic>
+    </p:spTree>
+  </p:cSld>
+  <p:clrMapOvr>
+    <a:masterClrMapping/>
+  </p:clrMapOvr>
+  <p:timing>
+    <p:tnLst>
+      <p:par>
+        <p:cTn id="1" dur="indefinite" restart="never" nodeType="tmRoot"/>
+      </p:par>
+    </p:tnLst>
+  </p:timing>
+</p:sld>
+</file>
+
+<file path=ppt/slides/slide26.xml><?xml version="1.0" encoding="utf-8"?>
+<p:sld xmlns:a="http://schemas.openxmlformats.org/drawingml/2006/main" xmlns:r="http://schemas.openxmlformats.org/officeDocument/2006/relationships" xmlns:p="http://schemas.openxmlformats.org/presentationml/2006/main">
+  <p:cSld>
+    <p:spTree>
+      <p:nvGrpSpPr>
+        <p:cNvPr id="1" name=""/>
+        <p:cNvGrpSpPr/>
+        <p:nvPr/>
+      </p:nvGrpSpPr>
+      <p:grpSpPr>
+        <a:xfrm>
+          <a:off x="0" y="0"/>
+          <a:ext cx="0" cy="0"/>
+          <a:chOff x="0" y="0"/>
+          <a:chExt cx="0" cy="0"/>
+        </a:xfrm>
+      </p:grpSpPr>
+      <p:sp>
+        <p:nvSpPr>
+          <p:cNvPr id="4" name="3 Marcador de número de diapositiva"/>
+          <p:cNvSpPr>
+            <a:spLocks noGrp="1"/>
+          </p:cNvSpPr>
+          <p:nvPr>
+            <p:ph type="sldNum" sz="quarter" idx="12"/>
+          </p:nvPr>
+        </p:nvSpPr>
+        <p:spPr/>
+        <p:txBody>
+          <a:bodyPr/>
+          <a:lstStyle/>
+          <a:p>
+            <a:fld id="{132FADFE-3B8F-471C-ABF0-DBC7717ECBBC}" type="slidenum">
+              <a:rPr lang="es-ES" smtClean="0"/>
+              <a:pPr/>
+              <a:t>26</a:t>
+            </a:fld>
+            <a:endParaRPr lang="es-ES"/>
+          </a:p>
+        </p:txBody>
+      </p:sp>
+      <p:pic>
+        <p:nvPicPr>
+          <p:cNvPr id="47106" name="Picture 2"/>
+          <p:cNvPicPr>
+            <a:picLocks noChangeAspect="1" noChangeArrowheads="1"/>
+          </p:cNvPicPr>
+          <p:nvPr/>
+        </p:nvPicPr>
+        <p:blipFill>
+          <a:blip r:embed="rId2"/>
+          <a:srcRect/>
+          <a:stretch>
+            <a:fillRect/>
+          </a:stretch>
+        </p:blipFill>
+        <p:spPr bwMode="auto">
+          <a:xfrm>
+            <a:off x="2714612" y="142852"/>
+            <a:ext cx="6651490" cy="6715148"/>
+          </a:xfrm>
+          <a:prstGeom prst="rect">
+            <a:avLst/>
+          </a:prstGeom>
+          <a:noFill/>
+          <a:ln w="9525">
+            <a:noFill/>
+            <a:miter lim="800000"/>
+            <a:headEnd/>
+            <a:tailEnd/>
+          </a:ln>
+          <a:effectLst/>
+        </p:spPr>
+      </p:pic>
+      <p:sp>
+        <p:nvSpPr>
+          <p:cNvPr id="6" name="1 Título"/>
+          <p:cNvSpPr txBox="1">
+            <a:spLocks/>
+          </p:cNvSpPr>
+          <p:nvPr/>
+        </p:nvSpPr>
+        <p:spPr>
+          <a:xfrm>
+            <a:off x="0" y="428604"/>
+            <a:ext cx="6800808" cy="1143000"/>
+          </a:xfrm>
+          <a:prstGeom prst="rect">
+            <a:avLst/>
+          </a:prstGeom>
+        </p:spPr>
+        <p:txBody>
+          <a:bodyPr vert="horz" lIns="91440" tIns="45720" rIns="91440" bIns="45720" rtlCol="0" anchor="ctr">
+            <a:normAutofit/>
+          </a:bodyPr>
+          <a:lstStyle/>
+          <a:p>
+            <a:pPr marL="0" marR="0" lvl="0" indent="0" defTabSz="914400" rtl="0" eaLnBrk="1" fontAlgn="auto" latinLnBrk="0" hangingPunct="1">
+              <a:lnSpc>
+                <a:spcPct val="100000"/>
+              </a:lnSpc>
+              <a:spcBef>
+                <a:spcPct val="0"/>
+              </a:spcBef>
+              <a:spcAft>
+                <a:spcPts val="0"/>
+              </a:spcAft>
+              <a:buClrTx/>
+              <a:buSzTx/>
+              <a:buFontTx/>
+              <a:buNone/>
+              <a:tabLst/>
+              <a:defRPr/>
+            </a:pPr>
+            <a:r>
+              <a:rPr kumimoji="0" lang="es-ES" sz="3200" b="0" i="0" u="none" strike="noStrike" kern="1200" cap="none" spc="0" normalizeH="0" baseline="0" noProof="0" smtClean="0">
+                <a:ln>
+                  <a:noFill/>
+                </a:ln>
+                <a:solidFill>
+                  <a:schemeClr val="tx1"/>
+                </a:solidFill>
+                <a:effectLst/>
+                <a:uLnTx/>
+                <a:uFillTx/>
+                <a:latin typeface="+mj-lt"/>
+                <a:ea typeface="+mj-ea"/>
+                <a:cs typeface="+mj-cs"/>
+              </a:rPr>
+              <a:t>Previous work II</a:t>
+            </a:r>
+            <a:endParaRPr kumimoji="0" lang="es-ES" sz="3200" b="0" i="0" u="none" strike="noStrike" kern="1200" cap="none" spc="0" normalizeH="0" baseline="0" noProof="0">
+              <a:ln>
+                <a:noFill/>
+              </a:ln>
+              <a:solidFill>
+                <a:schemeClr val="tx1"/>
+              </a:solidFill>
+              <a:effectLst/>
+              <a:uLnTx/>
+              <a:uFillTx/>
+              <a:latin typeface="+mj-lt"/>
+              <a:ea typeface="+mj-ea"/>
+              <a:cs typeface="+mj-cs"/>
+            </a:endParaRPr>
+          </a:p>
+        </p:txBody>
+      </p:sp>
+      <p:sp>
+        <p:nvSpPr>
+          <p:cNvPr id="7" name="1 Título"/>
+          <p:cNvSpPr txBox="1">
+            <a:spLocks/>
+          </p:cNvSpPr>
+          <p:nvPr/>
+        </p:nvSpPr>
+        <p:spPr>
+          <a:xfrm>
+            <a:off x="0" y="1643050"/>
+            <a:ext cx="2928926" cy="2357454"/>
+          </a:xfrm>
+          <a:prstGeom prst="rect">
+            <a:avLst/>
+          </a:prstGeom>
+        </p:spPr>
+        <p:txBody>
+          <a:bodyPr vert="horz" lIns="91440" tIns="45720" rIns="91440" bIns="45720" rtlCol="0" anchor="ctr">
+            <a:normAutofit/>
+          </a:bodyPr>
+          <a:lstStyle/>
+          <a:p>
+            <a:pPr marL="0" marR="0" lvl="0" indent="0" defTabSz="914400" rtl="0" eaLnBrk="1" fontAlgn="auto" latinLnBrk="0" hangingPunct="1">
+              <a:lnSpc>
+                <a:spcPct val="100000"/>
+              </a:lnSpc>
+              <a:spcBef>
+                <a:spcPct val="0"/>
+              </a:spcBef>
+              <a:spcAft>
+                <a:spcPts val="0"/>
+              </a:spcAft>
+              <a:buClrTx/>
+              <a:buSzTx/>
+              <a:buFontTx/>
+              <a:buNone/>
+              <a:tabLst/>
+              <a:defRPr/>
+            </a:pPr>
+            <a:r>
+              <a:rPr kumimoji="0" lang="es-ES" sz="2000" b="1" i="0" u="none" strike="noStrike" kern="1200" cap="none" spc="0" normalizeH="0" baseline="0" noProof="0" smtClean="0">
+                <a:ln>
+                  <a:noFill/>
+                </a:ln>
+                <a:solidFill>
+                  <a:srgbClr val="C00000"/>
+                </a:solidFill>
+                <a:effectLst/>
+                <a:uLnTx/>
+                <a:uFillTx/>
+                <a:latin typeface="+mj-lt"/>
+                <a:ea typeface="+mj-ea"/>
+                <a:cs typeface="+mj-cs"/>
+              </a:rPr>
+              <a:t>Licensius</a:t>
+            </a:r>
+          </a:p>
+          <a:p>
+            <a:pPr marL="0" marR="0" lvl="0" indent="0" defTabSz="914400" rtl="0" eaLnBrk="1" fontAlgn="auto" latinLnBrk="0" hangingPunct="1">
+              <a:lnSpc>
+                <a:spcPct val="100000"/>
+              </a:lnSpc>
+              <a:spcBef>
+                <a:spcPct val="0"/>
+              </a:spcBef>
+              <a:spcAft>
+                <a:spcPts val="0"/>
+              </a:spcAft>
+              <a:buClrTx/>
+              <a:buSzTx/>
+              <a:buFontTx/>
+              <a:buNone/>
+              <a:tabLst/>
+              <a:defRPr/>
+            </a:pPr>
+            <a:r>
+              <a:rPr lang="es-ES" sz="2000" smtClean="0">
+                <a:solidFill>
+                  <a:srgbClr val="C00000"/>
+                </a:solidFill>
+                <a:latin typeface="+mj-lt"/>
+                <a:ea typeface="+mj-ea"/>
+                <a:cs typeface="+mj-cs"/>
+              </a:rPr>
+              <a:t>Service (API for programmers)</a:t>
+            </a:r>
+          </a:p>
+          <a:p>
+            <a:pPr marL="0" marR="0" lvl="0" indent="0" defTabSz="914400" rtl="0" eaLnBrk="1" fontAlgn="auto" latinLnBrk="0" hangingPunct="1">
+              <a:lnSpc>
+                <a:spcPct val="100000"/>
+              </a:lnSpc>
+              <a:spcBef>
+                <a:spcPct val="0"/>
+              </a:spcBef>
+              <a:spcAft>
+                <a:spcPts val="0"/>
+              </a:spcAft>
+              <a:buClrTx/>
+              <a:buSzTx/>
+              <a:buFontTx/>
+              <a:buNone/>
+              <a:tabLst/>
+              <a:defRPr/>
+            </a:pPr>
+            <a:r>
+              <a:rPr lang="es-ES" sz="2000" smtClean="0">
+                <a:solidFill>
+                  <a:srgbClr val="C00000"/>
+                </a:solidFill>
+                <a:latin typeface="+mj-lt"/>
+                <a:ea typeface="+mj-ea"/>
+                <a:cs typeface="+mj-cs"/>
+              </a:rPr>
+              <a:t>to get the license text of over one hundred of licenses</a:t>
+            </a:r>
+            <a:endParaRPr kumimoji="0" lang="es-ES" sz="2000" b="0" i="0" u="none" strike="noStrike" kern="1200" cap="none" spc="0" normalizeH="0" baseline="0" noProof="0">
+              <a:ln>
+                <a:noFill/>
+              </a:ln>
+              <a:solidFill>
+                <a:srgbClr val="C00000"/>
+              </a:solidFill>
+              <a:effectLst/>
+              <a:uLnTx/>
+              <a:uFillTx/>
+              <a:latin typeface="+mj-lt"/>
+              <a:ea typeface="+mj-ea"/>
+              <a:cs typeface="+mj-cs"/>
+            </a:endParaRPr>
+          </a:p>
+        </p:txBody>
+      </p:sp>
+    </p:spTree>
+  </p:cSld>
+  <p:clrMapOvr>
+    <a:masterClrMapping/>
+  </p:clrMapOvr>
+</p:sld>
+</file>
+
+<file path=ppt/slides/slide27.xml><?xml version="1.0" encoding="utf-8"?>
+<p:sld xmlns:a="http://schemas.openxmlformats.org/drawingml/2006/main" xmlns:r="http://schemas.openxmlformats.org/officeDocument/2006/relationships" xmlns:p="http://schemas.openxmlformats.org/presentationml/2006/main">
+  <p:cSld>
+    <p:spTree>
+      <p:nvGrpSpPr>
+        <p:cNvPr id="1" name=""/>
+        <p:cNvGrpSpPr/>
+        <p:nvPr/>
+      </p:nvGrpSpPr>
+      <p:grpSpPr>
+        <a:xfrm>
+          <a:off x="0" y="0"/>
+          <a:ext cx="0" cy="0"/>
+          <a:chOff x="0" y="0"/>
+          <a:chExt cx="0" cy="0"/>
+        </a:xfrm>
+      </p:grpSpPr>
+      <p:sp>
+        <p:nvSpPr>
+          <p:cNvPr id="4" name="3 Marcador de número de diapositiva"/>
+          <p:cNvSpPr>
+            <a:spLocks noGrp="1"/>
+          </p:cNvSpPr>
+          <p:nvPr>
+            <p:ph type="sldNum" sz="quarter" idx="12"/>
+          </p:nvPr>
+        </p:nvSpPr>
+        <p:spPr/>
+        <p:txBody>
+          <a:bodyPr/>
+          <a:lstStyle/>
+          <a:p>
+            <a:fld id="{132FADFE-3B8F-471C-ABF0-DBC7717ECBBC}" type="slidenum">
+              <a:rPr lang="es-ES" smtClean="0"/>
+              <a:pPr/>
+              <a:t>27</a:t>
+            </a:fld>
+            <a:endParaRPr lang="es-ES"/>
+          </a:p>
+        </p:txBody>
+      </p:sp>
+      <p:sp>
+        <p:nvSpPr>
+          <p:cNvPr id="5" name="1 Título"/>
+          <p:cNvSpPr txBox="1">
+            <a:spLocks/>
+          </p:cNvSpPr>
+          <p:nvPr/>
+        </p:nvSpPr>
+        <p:spPr>
+          <a:xfrm>
+            <a:off x="0" y="428604"/>
+            <a:ext cx="6800808" cy="1143000"/>
+          </a:xfrm>
+          <a:prstGeom prst="rect">
+            <a:avLst/>
+          </a:prstGeom>
+        </p:spPr>
+        <p:txBody>
+          <a:bodyPr vert="horz" lIns="91440" tIns="45720" rIns="91440" bIns="45720" rtlCol="0" anchor="ctr">
+            <a:normAutofit/>
+          </a:bodyPr>
+          <a:lstStyle/>
+          <a:p>
+            <a:pPr marL="0" marR="0" lvl="0" indent="0" defTabSz="914400" rtl="0" eaLnBrk="1" fontAlgn="auto" latinLnBrk="0" hangingPunct="1">
+              <a:lnSpc>
+                <a:spcPct val="100000"/>
+              </a:lnSpc>
+              <a:spcBef>
+                <a:spcPct val="0"/>
+              </a:spcBef>
+              <a:spcAft>
+                <a:spcPts val="0"/>
+              </a:spcAft>
+              <a:buClrTx/>
+              <a:buSzTx/>
+              <a:buFontTx/>
+              <a:buNone/>
+              <a:tabLst/>
+              <a:defRPr/>
+            </a:pPr>
+            <a:r>
+              <a:rPr kumimoji="0" lang="es-ES" sz="3200" b="0" i="0" u="none" strike="noStrike" kern="1200" cap="none" spc="0" normalizeH="0" baseline="0" noProof="0" smtClean="0">
+                <a:ln>
+                  <a:noFill/>
+                </a:ln>
+                <a:solidFill>
+                  <a:schemeClr val="tx1"/>
+                </a:solidFill>
+                <a:effectLst/>
+                <a:uLnTx/>
+                <a:uFillTx/>
+                <a:latin typeface="+mj-lt"/>
+                <a:ea typeface="+mj-ea"/>
+                <a:cs typeface="+mj-cs"/>
+              </a:rPr>
+              <a:t>Previous work III</a:t>
+            </a:r>
+            <a:endParaRPr kumimoji="0" lang="es-ES" sz="3200" b="0" i="0" u="none" strike="noStrike" kern="1200" cap="none" spc="0" normalizeH="0" baseline="0" noProof="0">
+              <a:ln>
+                <a:noFill/>
+              </a:ln>
+              <a:solidFill>
+                <a:schemeClr val="tx1"/>
+              </a:solidFill>
+              <a:effectLst/>
+              <a:uLnTx/>
+              <a:uFillTx/>
+              <a:latin typeface="+mj-lt"/>
+              <a:ea typeface="+mj-ea"/>
+              <a:cs typeface="+mj-cs"/>
+            </a:endParaRPr>
+          </a:p>
+        </p:txBody>
+      </p:sp>
+      <p:pic>
+        <p:nvPicPr>
+          <p:cNvPr id="48131" name="Picture 3"/>
+          <p:cNvPicPr>
+            <a:picLocks noChangeAspect="1" noChangeArrowheads="1"/>
+          </p:cNvPicPr>
+          <p:nvPr/>
+        </p:nvPicPr>
+        <p:blipFill>
+          <a:blip r:embed="rId2"/>
+          <a:srcRect/>
+          <a:stretch>
+            <a:fillRect/>
+          </a:stretch>
+        </p:blipFill>
+        <p:spPr bwMode="auto">
+          <a:xfrm>
+            <a:off x="3870325" y="1668463"/>
+            <a:ext cx="5273675" cy="5189537"/>
+          </a:xfrm>
+          <a:prstGeom prst="rect">
+            <a:avLst/>
+          </a:prstGeom>
+          <a:noFill/>
+          <a:ln w="9525">
+            <a:noFill/>
+            <a:miter lim="800000"/>
+            <a:headEnd/>
+            <a:tailEnd/>
+          </a:ln>
+          <a:effectLst/>
+        </p:spPr>
+      </p:pic>
+      <p:sp>
+        <p:nvSpPr>
+          <p:cNvPr id="8" name="1 Título"/>
+          <p:cNvSpPr txBox="1">
+            <a:spLocks/>
+          </p:cNvSpPr>
+          <p:nvPr/>
+        </p:nvSpPr>
+        <p:spPr>
+          <a:xfrm>
+            <a:off x="0" y="1643050"/>
+            <a:ext cx="3714744" cy="2357454"/>
+          </a:xfrm>
+          <a:prstGeom prst="rect">
+            <a:avLst/>
+          </a:prstGeom>
+        </p:spPr>
+        <p:txBody>
+          <a:bodyPr vert="horz" lIns="91440" tIns="45720" rIns="91440" bIns="45720" rtlCol="0" anchor="ctr">
+            <a:normAutofit/>
+          </a:bodyPr>
+          <a:lstStyle/>
+          <a:p>
+            <a:pPr marL="0" marR="0" lvl="0" indent="0" defTabSz="914400" rtl="0" eaLnBrk="1" fontAlgn="auto" latinLnBrk="0" hangingPunct="1">
+              <a:lnSpc>
+                <a:spcPct val="100000"/>
+              </a:lnSpc>
+              <a:spcBef>
+                <a:spcPct val="0"/>
+              </a:spcBef>
+              <a:spcAft>
+                <a:spcPts val="0"/>
+              </a:spcAft>
+              <a:buClrTx/>
+              <a:buSzTx/>
+              <a:buFontTx/>
+              <a:buNone/>
+              <a:tabLst/>
+              <a:defRPr/>
+            </a:pPr>
+            <a:r>
+              <a:rPr kumimoji="0" lang="es-ES" sz="2000" b="1" i="0" u="none" strike="noStrike" kern="1200" cap="none" spc="0" normalizeH="0" baseline="0" noProof="0" smtClean="0">
+                <a:ln>
+                  <a:noFill/>
+                </a:ln>
+                <a:solidFill>
+                  <a:srgbClr val="C00000"/>
+                </a:solidFill>
+                <a:effectLst/>
+                <a:uLnTx/>
+                <a:uFillTx/>
+                <a:latin typeface="+mj-lt"/>
+                <a:ea typeface="+mj-ea"/>
+                <a:cs typeface="+mj-cs"/>
+              </a:rPr>
+              <a:t>LIDER</a:t>
+            </a:r>
+            <a:r>
+              <a:rPr kumimoji="0" lang="es-ES" sz="2000" b="1" i="0" u="none" strike="noStrike" kern="1200" cap="none" spc="0" normalizeH="0" noProof="0" smtClean="0">
+                <a:ln>
+                  <a:noFill/>
+                </a:ln>
+                <a:solidFill>
+                  <a:srgbClr val="C00000"/>
+                </a:solidFill>
+                <a:effectLst/>
+                <a:uLnTx/>
+                <a:uFillTx/>
+                <a:latin typeface="+mj-lt"/>
+                <a:ea typeface="+mj-ea"/>
+                <a:cs typeface="+mj-cs"/>
+              </a:rPr>
+              <a:t> project</a:t>
+            </a:r>
+            <a:endParaRPr kumimoji="0" lang="es-ES" sz="2000" b="1" i="0" u="none" strike="noStrike" kern="1200" cap="none" spc="0" normalizeH="0" baseline="0" noProof="0" smtClean="0">
+              <a:ln>
+                <a:noFill/>
+              </a:ln>
+              <a:solidFill>
+                <a:srgbClr val="C00000"/>
+              </a:solidFill>
+              <a:effectLst/>
+              <a:uLnTx/>
+              <a:uFillTx/>
+              <a:latin typeface="+mj-lt"/>
+              <a:ea typeface="+mj-ea"/>
+              <a:cs typeface="+mj-cs"/>
+            </a:endParaRPr>
+          </a:p>
+          <a:p>
+            <a:pPr marL="457200" marR="0" lvl="0" indent="-457200" defTabSz="914400" rtl="0" eaLnBrk="1" fontAlgn="auto" latinLnBrk="0" hangingPunct="1">
+              <a:lnSpc>
+                <a:spcPct val="100000"/>
+              </a:lnSpc>
+              <a:spcBef>
+                <a:spcPct val="0"/>
+              </a:spcBef>
+              <a:spcAft>
+                <a:spcPts val="0"/>
+              </a:spcAft>
+              <a:buClrTx/>
+              <a:buSzTx/>
+              <a:buFont typeface="+mj-lt"/>
+              <a:buAutoNum type="arabicPeriod"/>
+              <a:tabLst/>
+              <a:defRPr/>
+            </a:pPr>
+            <a:r>
+              <a:rPr kumimoji="0" lang="es-ES" sz="2000" i="0" u="none" strike="noStrike" kern="1200" cap="none" spc="0" normalizeH="0" baseline="0" noProof="0" smtClean="0">
+                <a:ln>
+                  <a:noFill/>
+                </a:ln>
+                <a:solidFill>
+                  <a:srgbClr val="C00000"/>
+                </a:solidFill>
+                <a:effectLst/>
+                <a:uLnTx/>
+                <a:uFillTx/>
+                <a:latin typeface="+mj-lt"/>
+                <a:ea typeface="+mj-ea"/>
+                <a:cs typeface="+mj-cs"/>
+              </a:rPr>
+              <a:t>Guidelines to convert TBX terminologies into  RDF</a:t>
+            </a:r>
+          </a:p>
+          <a:p>
+            <a:pPr marL="457200" marR="0" lvl="0" indent="-457200" defTabSz="914400" rtl="0" eaLnBrk="1" fontAlgn="auto" latinLnBrk="0" hangingPunct="1">
+              <a:lnSpc>
+                <a:spcPct val="100000"/>
+              </a:lnSpc>
+              <a:spcBef>
+                <a:spcPct val="0"/>
+              </a:spcBef>
+              <a:spcAft>
+                <a:spcPts val="0"/>
+              </a:spcAft>
+              <a:buClrTx/>
+              <a:buSzTx/>
+              <a:buFont typeface="+mj-lt"/>
+              <a:buAutoNum type="arabicPeriod"/>
+              <a:tabLst/>
+              <a:defRPr/>
+            </a:pPr>
+            <a:r>
+              <a:rPr kumimoji="0" lang="es-ES" sz="2000" i="0" u="none" strike="noStrike" kern="1200" cap="none" spc="0" normalizeH="0" baseline="0" noProof="0" smtClean="0">
+                <a:ln>
+                  <a:noFill/>
+                </a:ln>
+                <a:solidFill>
+                  <a:srgbClr val="C00000"/>
+                </a:solidFill>
+                <a:effectLst/>
+                <a:uLnTx/>
+                <a:uFillTx/>
+                <a:latin typeface="+mj-lt"/>
+                <a:ea typeface="+mj-ea"/>
+                <a:cs typeface="+mj-cs"/>
+              </a:rPr>
+              <a:t>Conversion of the IATE term bank to RDF</a:t>
+            </a:r>
+          </a:p>
+        </p:txBody>
+      </p:sp>
+    </p:spTree>
+  </p:cSld>
+  <p:clrMapOvr>
+    <a:masterClrMapping/>
+  </p:clrMapOvr>
+</p:sld>
+</file>
+
+<file path=ppt/slides/slide28.xml><?xml version="1.0" encoding="utf-8"?>
+<p:sld xmlns:a="http://schemas.openxmlformats.org/drawingml/2006/main" xmlns:r="http://schemas.openxmlformats.org/officeDocument/2006/relationships" xmlns:p="http://schemas.openxmlformats.org/presentationml/2006/main">
+  <p:cSld>
+    <p:spTree>
+      <p:nvGrpSpPr>
+        <p:cNvPr id="1" name=""/>
+        <p:cNvGrpSpPr/>
+        <p:nvPr/>
+      </p:nvGrpSpPr>
+      <p:grpSpPr>
+        <a:xfrm>
+          <a:off x="0" y="0"/>
+          <a:ext cx="0" cy="0"/>
+          <a:chOff x="0" y="0"/>
+          <a:chExt cx="0" cy="0"/>
+        </a:xfrm>
+      </p:grpSpPr>
+      <p:sp>
+        <p:nvSpPr>
+          <p:cNvPr id="2" name="1 Título"/>
+          <p:cNvSpPr>
+            <a:spLocks noGrp="1"/>
+          </p:cNvSpPr>
+          <p:nvPr>
+            <p:ph type="title"/>
+          </p:nvPr>
+        </p:nvSpPr>
+        <p:spPr/>
+        <p:txBody>
+          <a:bodyPr>
+            <a:normAutofit/>
+          </a:bodyPr>
+          <a:lstStyle/>
+          <a:p>
+            <a:r>
+              <a:rPr lang="es-ES" sz="3600" err="1" smtClean="0"/>
+              <a:t>Authorisation</a:t>
+            </a:r>
+            <a:r>
+              <a:rPr lang="es-ES" sz="3600" smtClean="0"/>
+              <a:t> </a:t>
+            </a:r>
+            <a:r>
+              <a:rPr lang="es-ES" sz="3600" err="1" smtClean="0"/>
+              <a:t>to</a:t>
+            </a:r>
+            <a:r>
+              <a:rPr lang="es-ES" sz="3600" smtClean="0"/>
+              <a:t> </a:t>
+            </a:r>
+            <a:r>
+              <a:rPr lang="es-ES" sz="3600" err="1" smtClean="0"/>
+              <a:t>publish</a:t>
+            </a:r>
+            <a:r>
+              <a:rPr lang="es-ES" sz="3600" smtClean="0"/>
+              <a:t> </a:t>
+            </a:r>
+            <a:r>
+              <a:rPr lang="es-ES" sz="3600" err="1" smtClean="0"/>
+              <a:t>the</a:t>
+            </a:r>
+            <a:r>
+              <a:rPr lang="es-ES" sz="3600" smtClean="0"/>
+              <a:t> </a:t>
+            </a:r>
+            <a:r>
+              <a:rPr lang="es-ES" sz="3600" err="1" smtClean="0"/>
+              <a:t>sources</a:t>
+            </a:r>
+            <a:endParaRPr lang="es-ES" sz="3600"/>
+          </a:p>
+        </p:txBody>
+      </p:sp>
+      <p:sp>
+        <p:nvSpPr>
+          <p:cNvPr id="3" name="2 Marcador de contenido"/>
+          <p:cNvSpPr>
+            <a:spLocks noGrp="1"/>
+          </p:cNvSpPr>
+          <p:nvPr>
+            <p:ph idx="1"/>
+          </p:nvPr>
+        </p:nvSpPr>
+        <p:spPr/>
+        <p:txBody>
+          <a:bodyPr>
+            <a:normAutofit/>
+          </a:bodyPr>
+          <a:lstStyle/>
+          <a:p>
+            <a:r>
+              <a:rPr lang="es-ES" sz="1800" smtClean="0"/>
+              <a:t>WIPO</a:t>
+            </a:r>
+          </a:p>
+          <a:p>
+            <a:pPr>
+              <a:buFont typeface="Symbol" pitchFamily="18" charset="2"/>
+              <a:buChar char=""/>
+            </a:pPr>
+            <a:r>
+              <a:rPr lang="es-ES" sz="1400" smtClean="0"/>
+              <a:t>Content </a:t>
+            </a:r>
+            <a:r>
+              <a:rPr lang="es-ES" sz="1400" err="1" smtClean="0"/>
+              <a:t>offered</a:t>
+            </a:r>
+            <a:r>
+              <a:rPr lang="es-ES" sz="1400" smtClean="0"/>
+              <a:t> </a:t>
+            </a:r>
+            <a:r>
+              <a:rPr lang="es-ES" sz="1400" err="1" smtClean="0"/>
+              <a:t>by</a:t>
+            </a:r>
+            <a:r>
+              <a:rPr lang="es-ES" sz="1400" smtClean="0"/>
+              <a:t> WIPO as </a:t>
+            </a:r>
+            <a:r>
+              <a:rPr lang="es-ES" sz="1400" err="1" smtClean="0"/>
+              <a:t>long</a:t>
+            </a:r>
+            <a:r>
+              <a:rPr lang="es-ES" sz="1400" smtClean="0"/>
+              <a:t> as </a:t>
+            </a:r>
+            <a:r>
+              <a:rPr lang="es-ES" sz="1400" err="1" smtClean="0"/>
+              <a:t>we</a:t>
+            </a:r>
+            <a:r>
+              <a:rPr lang="es-ES" sz="1400" smtClean="0"/>
+              <a:t> </a:t>
+            </a:r>
+            <a:r>
+              <a:rPr lang="es-ES" sz="1400" err="1" smtClean="0"/>
+              <a:t>mention</a:t>
+            </a:r>
+            <a:r>
+              <a:rPr lang="es-ES" sz="1400" smtClean="0"/>
+              <a:t> </a:t>
+            </a:r>
+            <a:r>
+              <a:rPr lang="es-ES" sz="1400" err="1" smtClean="0"/>
+              <a:t>their</a:t>
+            </a:r>
+            <a:r>
+              <a:rPr lang="es-ES" sz="1400" smtClean="0"/>
+              <a:t> </a:t>
+            </a:r>
+            <a:r>
+              <a:rPr lang="es-ES" sz="1400" err="1" smtClean="0"/>
+              <a:t>name</a:t>
+            </a:r>
+            <a:endParaRPr lang="es-ES" sz="1400" smtClean="0"/>
+          </a:p>
+          <a:p>
+            <a:pPr>
+              <a:buFont typeface="Symbol" pitchFamily="18" charset="2"/>
+              <a:buChar char=""/>
+            </a:pPr>
+            <a:r>
+              <a:rPr lang="es-ES" sz="1400" smtClean="0"/>
+              <a:t>“</a:t>
+            </a:r>
+            <a:r>
+              <a:rPr lang="es-ES" sz="1400" i="1" smtClean="0"/>
+              <a:t>Salvo indicación en contrario en condiciones específicas de utilización, en particular en lo que atañe a las bases de datos de la OMPI, cualquier persona puede reproducir, distribuir, adaptar, traducir e interpretar en público el contenido de este sitio web sin necesidad de autorización expresa, siempre y cuando el contenido esté acompañado por la mención de la OMPI como fuente y, en su caso, se indique claramente que se ha modificado el contenido original</a:t>
+            </a:r>
+            <a:r>
+              <a:rPr lang="es-ES" sz="1400" smtClean="0"/>
+              <a:t>.”</a:t>
+            </a:r>
+          </a:p>
+          <a:p>
+            <a:r>
+              <a:rPr lang="es-ES" sz="1800" err="1" smtClean="0"/>
+              <a:t>Creative</a:t>
+            </a:r>
+            <a:r>
+              <a:rPr lang="es-ES" sz="1800" smtClean="0"/>
+              <a:t> </a:t>
+            </a:r>
+            <a:r>
+              <a:rPr lang="es-ES" sz="1800" err="1" smtClean="0"/>
+              <a:t>Commons</a:t>
+            </a:r>
+            <a:endParaRPr lang="es-ES" sz="1800" smtClean="0"/>
+          </a:p>
+          <a:p>
+            <a:pPr>
+              <a:buFont typeface="Symbol" pitchFamily="18" charset="2"/>
+              <a:buChar char=""/>
+            </a:pPr>
+            <a:r>
+              <a:rPr lang="en-US" sz="1400" smtClean="0"/>
+              <a:t>Content in the Creative Commons site is offered as CC-BY </a:t>
+            </a:r>
+          </a:p>
+          <a:p>
+            <a:pPr>
+              <a:buFont typeface="Symbol" pitchFamily="18" charset="2"/>
+              <a:buChar char=""/>
+            </a:pPr>
+            <a:r>
+              <a:rPr lang="en-US" sz="1400" smtClean="0"/>
+              <a:t>“</a:t>
+            </a:r>
+            <a:r>
+              <a:rPr lang="en-US" sz="1400" i="1" smtClean="0"/>
+              <a:t>Except where otherwise noted, content on this site is licensed under a Creative Commons Attribution 4.0 International license</a:t>
+            </a:r>
+            <a:r>
+              <a:rPr lang="en-US" sz="1400" smtClean="0"/>
+              <a:t>.”</a:t>
+            </a:r>
+          </a:p>
+          <a:p>
+            <a:r>
+              <a:rPr lang="en-US" sz="1800" err="1" smtClean="0"/>
+              <a:t>dbpedia</a:t>
+            </a:r>
+            <a:endParaRPr lang="en-US" sz="1800" smtClean="0"/>
+          </a:p>
+          <a:p>
+            <a:pPr>
+              <a:buFont typeface="Symbol" pitchFamily="18" charset="2"/>
+              <a:buChar char=""/>
+            </a:pPr>
+            <a:r>
+              <a:rPr lang="en-US" sz="1400" smtClean="0"/>
+              <a:t>Content extracted from </a:t>
+            </a:r>
+            <a:r>
+              <a:rPr lang="en-US" sz="1400" err="1" smtClean="0"/>
+              <a:t>dbpedia</a:t>
+            </a:r>
+            <a:r>
+              <a:rPr lang="en-US" sz="1400" smtClean="0"/>
+              <a:t> is CC-BY-SA</a:t>
+            </a:r>
+          </a:p>
+          <a:p>
+            <a:pPr>
+              <a:buFont typeface="Symbol" pitchFamily="18" charset="2"/>
+              <a:buChar char=""/>
+            </a:pPr>
+            <a:r>
+              <a:rPr lang="en-US" sz="1400" smtClean="0"/>
+              <a:t>“</a:t>
+            </a:r>
+            <a:r>
+              <a:rPr lang="en-US" sz="1400" i="1" smtClean="0"/>
+              <a:t>This content was extracted from </a:t>
+            </a:r>
+            <a:r>
+              <a:rPr lang="en-US" sz="1400" i="1" smtClean="0">
+                <a:hlinkClick r:id="rId2"/>
+              </a:rPr>
+              <a:t>Wikipedia</a:t>
+            </a:r>
+            <a:r>
+              <a:rPr lang="en-US" sz="1400" i="1" smtClean="0"/>
+              <a:t> and is licensed under the </a:t>
+            </a:r>
+            <a:r>
+              <a:rPr lang="en-US" sz="1400" i="1" smtClean="0">
+                <a:hlinkClick r:id="rId3"/>
+              </a:rPr>
+              <a:t>Creative Commons Attribution-</a:t>
+            </a:r>
+            <a:r>
+              <a:rPr lang="en-US" sz="1400" i="1" err="1" smtClean="0">
+                <a:hlinkClick r:id="rId3"/>
+              </a:rPr>
+              <a:t>ShareAlike</a:t>
+            </a:r>
+            <a:r>
+              <a:rPr lang="en-US" sz="1400" i="1" smtClean="0">
+                <a:hlinkClick r:id="rId3"/>
+              </a:rPr>
+              <a:t> 3.0 </a:t>
+            </a:r>
+            <a:r>
+              <a:rPr lang="en-US" sz="1400" i="1" err="1" smtClean="0">
+                <a:hlinkClick r:id="rId3"/>
+              </a:rPr>
+              <a:t>Unported</a:t>
+            </a:r>
+            <a:r>
+              <a:rPr lang="en-US" sz="1400" i="1" smtClean="0">
+                <a:hlinkClick r:id="rId3"/>
+              </a:rPr>
+              <a:t> License</a:t>
+            </a:r>
+            <a:r>
+              <a:rPr lang="en-US" sz="1400" smtClean="0"/>
+              <a:t>”</a:t>
+            </a:r>
+          </a:p>
+          <a:p>
+            <a:r>
+              <a:rPr lang="en-US" sz="1800" smtClean="0"/>
+              <a:t>Etc…</a:t>
+            </a:r>
+          </a:p>
+          <a:p>
+            <a:pPr>
+              <a:buFont typeface="Symbol" pitchFamily="18" charset="2"/>
+              <a:buChar char=""/>
+            </a:pPr>
+            <a:r>
+              <a:rPr lang="en-US" sz="1400" smtClean="0"/>
+              <a:t>Similar conditions for the other sources….</a:t>
+            </a:r>
+          </a:p>
+          <a:p>
+            <a:pPr>
+              <a:buFont typeface="Symbol" pitchFamily="18" charset="2"/>
+              <a:buChar char=""/>
+            </a:pPr>
+            <a:endParaRPr lang="es-ES" sz="1400"/>
+          </a:p>
+        </p:txBody>
+      </p:sp>
+      <p:sp>
+        <p:nvSpPr>
+          <p:cNvPr id="4" name="3 Marcador de número de diapositiva"/>
+          <p:cNvSpPr>
+            <a:spLocks noGrp="1"/>
+          </p:cNvSpPr>
+          <p:nvPr>
+            <p:ph type="sldNum" sz="quarter" idx="12"/>
+          </p:nvPr>
+        </p:nvSpPr>
+        <p:spPr/>
+        <p:txBody>
+          <a:bodyPr/>
+          <a:lstStyle/>
+          <a:p>
+            <a:fld id="{132FADFE-3B8F-471C-ABF0-DBC7717ECBBC}" type="slidenum">
+              <a:rPr lang="es-ES" smtClean="0"/>
+              <a:pPr/>
+              <a:t>28</a:t>
+            </a:fld>
+            <a:endParaRPr lang="es-ES"/>
+          </a:p>
+        </p:txBody>
+      </p:sp>
+    </p:spTree>
+  </p:cSld>
+  <p:clrMapOvr>
+    <a:masterClrMapping/>
+  </p:clrMapOvr>
+  <p:timing>
+    <p:tnLst>
+      <p:par>
+        <p:cTn id="1" dur="indefinite" restart="never" nodeType="tmRoot"/>
+      </p:par>
+    </p:tnLst>
+  </p:timing>
+</p:sld>
+</file>
+
+<file path=ppt/slides/slide29.xml><?xml version="1.0" encoding="utf-8"?>
+<p:sld xmlns:a="http://schemas.openxmlformats.org/drawingml/2006/main" xmlns:r="http://schemas.openxmlformats.org/officeDocument/2006/relationships" xmlns:p="http://schemas.openxmlformats.org/presentationml/2006/main">
+  <p:cSld>
+    <p:spTree>
+      <p:nvGrpSpPr>
+        <p:cNvPr id="1" name=""/>
+        <p:cNvGrpSpPr/>
+        <p:nvPr/>
+      </p:nvGrpSpPr>
+      <p:grpSpPr>
+        <a:xfrm>
+          <a:off x="0" y="0"/>
+          <a:ext cx="0" cy="0"/>
+          <a:chOff x="0" y="0"/>
+          <a:chExt cx="0" cy="0"/>
+        </a:xfrm>
+      </p:grpSpPr>
+      <p:sp>
+        <p:nvSpPr>
+          <p:cNvPr id="2" name="1 Título"/>
+          <p:cNvSpPr>
+            <a:spLocks noGrp="1"/>
+          </p:cNvSpPr>
+          <p:nvPr>
+            <p:ph type="title"/>
+          </p:nvPr>
+        </p:nvSpPr>
+        <p:spPr/>
+        <p:txBody>
+          <a:bodyPr/>
+          <a:lstStyle/>
+          <a:p>
+            <a:r>
+              <a:rPr lang="es-ES" smtClean="0"/>
+              <a:t>Conclusions</a:t>
+            </a:r>
+            <a:endParaRPr lang="es-ES"/>
+          </a:p>
+        </p:txBody>
+      </p:sp>
+      <p:sp>
+        <p:nvSpPr>
+          <p:cNvPr id="3" name="2 Marcador de contenido"/>
+          <p:cNvSpPr>
+            <a:spLocks noGrp="1"/>
+          </p:cNvSpPr>
+          <p:nvPr>
+            <p:ph idx="1"/>
+          </p:nvPr>
+        </p:nvSpPr>
+        <p:spPr>
+          <a:xfrm>
+            <a:off x="457200" y="1600200"/>
+            <a:ext cx="8686800" cy="4525963"/>
+          </a:xfrm>
+        </p:spPr>
+        <p:txBody>
+          <a:bodyPr/>
+          <a:lstStyle/>
+          <a:p>
+            <a:r>
+              <a:rPr lang="es-ES" sz="2400" smtClean="0"/>
+              <a:t>A pioneer effort</a:t>
+            </a:r>
+          </a:p>
+          <a:p>
+            <a:pPr lvl="1"/>
+            <a:r>
+              <a:rPr lang="es-ES" sz="1800" smtClean="0"/>
+              <a:t>A terminological resource has been launched as Linked Data</a:t>
+            </a:r>
+          </a:p>
+          <a:p>
+            <a:pPr lvl="1"/>
+            <a:r>
+              <a:rPr lang="es-ES" sz="1800" smtClean="0"/>
+              <a:t>For the first time, strongly linked to other disparate resources</a:t>
+            </a:r>
+          </a:p>
+          <a:p>
+            <a:pPr lvl="1"/>
+            <a:r>
+              <a:rPr lang="es-ES" sz="1800" smtClean="0"/>
+              <a:t>Minimal, cautious relationship. Provenance systematically given.</a:t>
+            </a:r>
+          </a:p>
+          <a:p>
+            <a:pPr lvl="1"/>
+            <a:r>
+              <a:rPr lang="es-ES" sz="1800" smtClean="0"/>
+              <a:t>Model of conversion of TBX to RDF</a:t>
+            </a:r>
+          </a:p>
+          <a:p>
+            <a:r>
+              <a:rPr lang="es-ES" sz="2400" smtClean="0"/>
+              <a:t>To be learnt which is the most relevant use</a:t>
+            </a:r>
+          </a:p>
+          <a:p>
+            <a:pPr lvl="1"/>
+            <a:r>
+              <a:rPr lang="es-ES" sz="1800" smtClean="0"/>
+              <a:t>Applications to enhance translation</a:t>
+            </a:r>
+          </a:p>
+          <a:p>
+            <a:pPr lvl="1"/>
+            <a:r>
+              <a:rPr lang="es-ES" sz="1800" smtClean="0"/>
+              <a:t>Comparative law study</a:t>
+            </a:r>
+          </a:p>
+          <a:p>
+            <a:pPr lvl="1"/>
+            <a:r>
+              <a:rPr lang="es-ES" sz="1800" smtClean="0"/>
+              <a:t>Enrichment of licenses with links to specific definitions</a:t>
+            </a:r>
+          </a:p>
+          <a:p>
+            <a:pPr lvl="1"/>
+            <a:r>
+              <a:rPr lang="es-ES" sz="1800" smtClean="0"/>
+              <a:t>Error spotting</a:t>
+            </a:r>
+          </a:p>
+          <a:p>
+            <a:pPr lvl="1"/>
+            <a:r>
+              <a:rPr lang="es-ES" sz="1800" smtClean="0"/>
+              <a:t>etc.</a:t>
+            </a:r>
+          </a:p>
+          <a:p>
+            <a:endParaRPr lang="es-ES"/>
+          </a:p>
+        </p:txBody>
+      </p:sp>
+      <p:sp>
+        <p:nvSpPr>
+          <p:cNvPr id="4" name="3 Marcador de número de diapositiva"/>
+          <p:cNvSpPr>
+            <a:spLocks noGrp="1"/>
+          </p:cNvSpPr>
+          <p:nvPr>
+            <p:ph type="sldNum" sz="quarter" idx="12"/>
+          </p:nvPr>
+        </p:nvSpPr>
+        <p:spPr/>
+        <p:txBody>
+          <a:bodyPr/>
+          <a:lstStyle/>
+          <a:p>
+            <a:fld id="{132FADFE-3B8F-471C-ABF0-DBC7717ECBBC}" type="slidenum">
+              <a:rPr lang="es-ES" smtClean="0"/>
+              <a:pPr/>
+              <a:t>29</a:t>
+            </a:fld>
+            <a:endParaRPr lang="es-ES"/>
+          </a:p>
+        </p:txBody>
+      </p:sp>
+    </p:spTree>
+  </p:cSld>
+  <p:clrMapOvr>
+    <a:masterClrMapping/>
+  </p:clrMapOvr>
 </p:sld>
 </file>
 
@@ -4108,22 +10621,22 @@
           <a:lstStyle/>
           <a:p>
             <a:r>
-              <a:rPr lang="es-ES" dirty="0" smtClean="0"/>
+              <a:rPr lang="es-ES" smtClean="0"/>
               <a:t>General idea </a:t>
             </a:r>
             <a:r>
-              <a:rPr lang="es-ES" dirty="0" err="1" smtClean="0"/>
+              <a:rPr lang="es-ES" err="1" smtClean="0"/>
               <a:t>behind</a:t>
             </a:r>
             <a:r>
-              <a:rPr lang="es-ES" dirty="0" smtClean="0"/>
+              <a:rPr lang="es-ES" smtClean="0"/>
               <a:t> </a:t>
             </a:r>
             <a:r>
-              <a:rPr lang="es-ES" dirty="0" err="1" smtClean="0"/>
+              <a:rPr lang="es-ES" err="1" smtClean="0"/>
               <a:t>termbanks</a:t>
             </a:r>
-            <a:endParaRPr lang="es-ES" dirty="0"/>
+            <a:endParaRPr lang="es-ES"/>
           </a:p>
         </p:txBody>
       </p:sp>
@@ -4145,46 +10658,46 @@
           <a:lstStyle/>
           <a:p>
             <a:r>
-              <a:rPr lang="es-ES" sz="2400" dirty="0" smtClean="0"/>
+              <a:rPr lang="es-ES" sz="2400" b="1" smtClean="0"/>
               <a:t>Clear </a:t>
             </a:r>
             <a:r>
-              <a:rPr lang="es-ES" sz="2400" dirty="0" err="1" smtClean="0"/>
+              <a:rPr lang="es-ES" sz="2400" b="1" err="1" smtClean="0"/>
               <a:t>separation</a:t>
             </a:r>
             <a:r>
-              <a:rPr lang="es-ES" sz="2400" dirty="0" smtClean="0"/>
+              <a:rPr lang="es-ES" sz="2400" b="1" smtClean="0"/>
               <a:t> </a:t>
             </a:r>
             <a:r>
-              <a:rPr lang="es-ES" sz="2400" dirty="0" err="1" smtClean="0"/>
+              <a:rPr lang="es-ES" sz="2400" b="1" err="1" smtClean="0"/>
               <a:t>between</a:t>
             </a:r>
             <a:r>
-              <a:rPr lang="es-ES" sz="2400" dirty="0" smtClean="0"/>
+              <a:rPr lang="es-ES" sz="2400" b="1" smtClean="0"/>
               <a:t> </a:t>
             </a:r>
             <a:r>
-              <a:rPr lang="es-ES" sz="2400" dirty="0" err="1" smtClean="0"/>
+              <a:rPr lang="es-ES" sz="2400" b="1" err="1" smtClean="0"/>
               <a:t>abstract</a:t>
             </a:r>
             <a:r>
-              <a:rPr lang="es-ES" sz="2400" dirty="0" smtClean="0"/>
+              <a:rPr lang="es-ES" sz="2400" b="1" smtClean="0"/>
               <a:t> </a:t>
             </a:r>
             <a:r>
-              <a:rPr lang="es-ES" sz="2400" dirty="0" err="1" smtClean="0"/>
+              <a:rPr lang="es-ES" sz="2400" b="1" err="1" smtClean="0"/>
               <a:t>concepts</a:t>
             </a:r>
             <a:r>
-              <a:rPr lang="es-ES" sz="2400" dirty="0" smtClean="0"/>
+              <a:rPr lang="es-ES" sz="2400" b="1" smtClean="0"/>
               <a:t> and </a:t>
             </a:r>
             <a:r>
-              <a:rPr lang="es-ES" sz="2400" dirty="0" err="1" smtClean="0"/>
+              <a:rPr lang="es-ES" sz="2400" b="1" err="1" smtClean="0"/>
               <a:t>terms</a:t>
             </a:r>
-            <a:endParaRPr lang="es-ES" sz="2400" dirty="0"/>
+            <a:endParaRPr lang="es-ES" sz="2400" b="1"/>
           </a:p>
         </p:txBody>
       </p:sp>
@@ -4240,12 +10753,293 @@
         </p:xfrm>
         <a:graphic>
           <a:graphicData uri="http://schemas.openxmlformats.org/presentationml/2006/ole">
-            <p:oleObj spid="_x0000_s1028" name="Visio" r:id="rId3" imgW="2339038" imgH="1204983" progId="Visio.Drawing.11">
+            <p:oleObj spid="_x0000_s1028" name="Visio" r:id="rId4" imgW="2339038" imgH="1204983" progId="Visio.Drawing.11">
               <p:embed/>
             </p:oleObj>
           </a:graphicData>
         </a:graphic>
       </p:graphicFrame>
+      <p:sp>
+        <p:nvSpPr>
+          <p:cNvPr id="6" name="5 Marcador de número de diapositiva"/>
+          <p:cNvSpPr>
+            <a:spLocks noGrp="1"/>
+          </p:cNvSpPr>
+          <p:nvPr>
+            <p:ph type="sldNum" sz="quarter" idx="12"/>
+          </p:nvPr>
+        </p:nvSpPr>
+        <p:spPr/>
+        <p:txBody>
+          <a:bodyPr/>
+          <a:lstStyle/>
+          <a:p>
+            <a:fld id="{132FADFE-3B8F-471C-ABF0-DBC7717ECBBC}" type="slidenum">
+              <a:rPr lang="es-ES" smtClean="0"/>
+              <a:pPr/>
+              <a:t>3</a:t>
+            </a:fld>
+            <a:endParaRPr lang="es-ES"/>
+          </a:p>
+        </p:txBody>
+      </p:sp>
+    </p:spTree>
+  </p:cSld>
+  <p:clrMapOvr>
+    <a:masterClrMapping/>
+  </p:clrMapOvr>
+  <p:timing>
+    <p:tnLst>
+      <p:par>
+        <p:cTn id="1" dur="indefinite" restart="never" nodeType="tmRoot"/>
+      </p:par>
+    </p:tnLst>
+  </p:timing>
+</p:sld>
+</file>
+
+<file path=ppt/slides/slide30.xml><?xml version="1.0" encoding="utf-8"?>
+<p:sld xmlns:a="http://schemas.openxmlformats.org/drawingml/2006/main" xmlns:r="http://schemas.openxmlformats.org/officeDocument/2006/relationships" xmlns:p="http://schemas.openxmlformats.org/presentationml/2006/main">
+  <p:cSld>
+    <p:spTree>
+      <p:nvGrpSpPr>
+        <p:cNvPr id="1" name=""/>
+        <p:cNvGrpSpPr/>
+        <p:nvPr/>
+      </p:nvGrpSpPr>
+      <p:grpSpPr>
+        <a:xfrm>
+          <a:off x="0" y="0"/>
+          <a:ext cx="0" cy="0"/>
+          <a:chOff x="0" y="0"/>
+          <a:chExt cx="0" cy="0"/>
+        </a:xfrm>
+      </p:grpSpPr>
+      <p:sp>
+        <p:nvSpPr>
+          <p:cNvPr id="2" name="1 Título"/>
+          <p:cNvSpPr>
+            <a:spLocks noGrp="1"/>
+          </p:cNvSpPr>
+          <p:nvPr>
+            <p:ph type="ctrTitle"/>
+          </p:nvPr>
+        </p:nvSpPr>
+        <p:spPr>
+          <a:xfrm>
+            <a:off x="714348" y="2428868"/>
+            <a:ext cx="7772400" cy="1470025"/>
+          </a:xfrm>
+        </p:spPr>
+        <p:txBody>
+          <a:bodyPr>
+            <a:normAutofit/>
+          </a:bodyPr>
+          <a:lstStyle/>
+          <a:p>
+            <a:r>
+              <a:rPr lang="es-ES" sz="3600" err="1" smtClean="0"/>
+              <a:t>Term</a:t>
+            </a:r>
+            <a:r>
+              <a:rPr lang="es-ES" sz="3600" smtClean="0"/>
+              <a:t> </a:t>
+            </a:r>
+            <a:r>
+              <a:rPr lang="es-ES" sz="3600" err="1" smtClean="0"/>
+              <a:t>bank</a:t>
+            </a:r>
+            <a:r>
+              <a:rPr lang="es-ES" sz="3600" smtClean="0"/>
+              <a:t> of copyright-</a:t>
+            </a:r>
+            <a:r>
+              <a:rPr lang="es-ES" sz="3600" err="1" smtClean="0"/>
+              <a:t>related</a:t>
+            </a:r>
+            <a:r>
+              <a:rPr lang="es-ES" sz="3600" smtClean="0"/>
+              <a:t> </a:t>
+            </a:r>
+            <a:r>
+              <a:rPr lang="es-ES" sz="3600" err="1" smtClean="0"/>
+              <a:t>concepts</a:t>
+            </a:r>
+            <a:endParaRPr lang="es-ES" sz="3600"/>
+          </a:p>
+        </p:txBody>
+      </p:sp>
+      <p:sp>
+        <p:nvSpPr>
+          <p:cNvPr id="3" name="2 Subtítulo"/>
+          <p:cNvSpPr>
+            <a:spLocks noGrp="1"/>
+          </p:cNvSpPr>
+          <p:nvPr>
+            <p:ph type="subTitle" idx="1"/>
+          </p:nvPr>
+        </p:nvSpPr>
+        <p:spPr/>
+        <p:txBody>
+          <a:bodyPr>
+            <a:normAutofit/>
+          </a:bodyPr>
+          <a:lstStyle/>
+          <a:p>
+            <a:r>
+              <a:rPr lang="en-US" sz="1600" smtClean="0">
+                <a:solidFill>
+                  <a:schemeClr val="bg1">
+                    <a:lumMod val="50000"/>
+                  </a:schemeClr>
+                </a:solidFill>
+              </a:rPr>
+              <a:t>JURIX 2015, the 28th International Conference on Legal Knowledge and Information System</a:t>
+            </a:r>
+            <a:endParaRPr lang="es-ES" sz="1600" smtClean="0">
+              <a:solidFill>
+                <a:schemeClr val="bg1">
+                  <a:lumMod val="50000"/>
+                </a:schemeClr>
+              </a:solidFill>
+            </a:endParaRPr>
+          </a:p>
+          <a:p>
+            <a:r>
+              <a:rPr lang="es-ES" sz="1600" smtClean="0">
+                <a:solidFill>
+                  <a:schemeClr val="tx1">
+                    <a:lumMod val="65000"/>
+                    <a:lumOff val="35000"/>
+                  </a:schemeClr>
+                </a:solidFill>
+              </a:rPr>
+              <a:t>Víctor RODRIGUEZ-DONCEL, Cristiana SANTOS, </a:t>
+            </a:r>
+            <a:r>
+              <a:rPr lang="es-ES" sz="1600" err="1" smtClean="0">
+                <a:solidFill>
+                  <a:schemeClr val="tx1">
+                    <a:lumMod val="65000"/>
+                    <a:lumOff val="35000"/>
+                  </a:schemeClr>
+                </a:solidFill>
+              </a:rPr>
+              <a:t>Pompeu</a:t>
+            </a:r>
+            <a:r>
+              <a:rPr lang="es-ES" sz="1600" smtClean="0">
+                <a:solidFill>
+                  <a:schemeClr val="tx1">
+                    <a:lumMod val="65000"/>
+                    <a:lumOff val="35000"/>
+                  </a:schemeClr>
+                </a:solidFill>
+              </a:rPr>
+              <a:t> CASANOVAS,</a:t>
+            </a:r>
+          </a:p>
+          <a:p>
+            <a:r>
+              <a:rPr lang="es-ES" sz="1600" smtClean="0">
+                <a:solidFill>
+                  <a:schemeClr val="tx1">
+                    <a:lumMod val="65000"/>
+                    <a:lumOff val="35000"/>
+                  </a:schemeClr>
+                </a:solidFill>
+              </a:rPr>
+              <a:t>Asunción GÓMEZ-PÉREZ, Jorge GRACIA</a:t>
+            </a:r>
+          </a:p>
+          <a:p>
+            <a:r>
+              <a:rPr lang="es-ES" sz="1600" err="1" smtClean="0">
+                <a:solidFill>
+                  <a:schemeClr val="tx1">
+                    <a:lumMod val="65000"/>
+                    <a:lumOff val="35000"/>
+                  </a:schemeClr>
+                </a:solidFill>
+              </a:rPr>
+              <a:t>December</a:t>
+            </a:r>
+            <a:r>
+              <a:rPr lang="es-ES" sz="1600" smtClean="0">
+                <a:solidFill>
+                  <a:schemeClr val="tx1">
+                    <a:lumMod val="65000"/>
+                    <a:lumOff val="35000"/>
+                  </a:schemeClr>
+                </a:solidFill>
+              </a:rPr>
+              <a:t> 2015</a:t>
+            </a:r>
+          </a:p>
+        </p:txBody>
+      </p:sp>
+      <p:sp>
+        <p:nvSpPr>
+          <p:cNvPr id="4" name="3 Marcador de número de diapositiva"/>
+          <p:cNvSpPr>
+            <a:spLocks noGrp="1"/>
+          </p:cNvSpPr>
+          <p:nvPr>
+            <p:ph type="sldNum" sz="quarter" idx="12"/>
+          </p:nvPr>
+        </p:nvSpPr>
+        <p:spPr/>
+        <p:txBody>
+          <a:bodyPr/>
+          <a:lstStyle/>
+          <a:p>
+            <a:fld id="{132FADFE-3B8F-471C-ABF0-DBC7717ECBBC}" type="slidenum">
+              <a:rPr lang="es-ES" smtClean="0"/>
+              <a:pPr/>
+              <a:t>30</a:t>
+            </a:fld>
+            <a:endParaRPr lang="es-ES"/>
+          </a:p>
+        </p:txBody>
+      </p:sp>
+      <p:sp>
+        <p:nvSpPr>
+          <p:cNvPr id="5" name="4 CuadroTexto"/>
+          <p:cNvSpPr txBox="1"/>
+          <p:nvPr/>
+        </p:nvSpPr>
+        <p:spPr>
+          <a:xfrm>
+            <a:off x="2786050" y="2214554"/>
+            <a:ext cx="5500726" cy="584775"/>
+          </a:xfrm>
+          <a:prstGeom prst="rect">
+            <a:avLst/>
+          </a:prstGeom>
+          <a:noFill/>
+        </p:spPr>
+        <p:txBody>
+          <a:bodyPr wrap="square" rtlCol="0">
+            <a:spAutoFit/>
+          </a:bodyPr>
+          <a:lstStyle/>
+          <a:p>
+            <a:r>
+              <a:rPr lang="es-ES" sz="3200" smtClean="0">
+                <a:solidFill>
+                  <a:srgbClr val="C00000"/>
+                </a:solidFill>
+              </a:rPr>
+              <a:t>Thanks, obrigado</a:t>
+            </a:r>
+            <a:endParaRPr lang="es-ES" sz="3200">
+              <a:solidFill>
+                <a:srgbClr val="C00000"/>
+              </a:solidFill>
+            </a:endParaRPr>
+          </a:p>
+        </p:txBody>
+      </p:sp>
     </p:spTree>
   </p:cSld>
   <p:clrMapOvr>
@@ -4294,30 +11088,30 @@
           <a:lstStyle/>
           <a:p>
             <a:r>
-              <a:rPr lang="es-ES" dirty="0" err="1" smtClean="0"/>
+              <a:rPr lang="es-ES" err="1" smtClean="0"/>
               <a:t>Term</a:t>
             </a:r>
             <a:r>
-              <a:rPr lang="es-ES" dirty="0" smtClean="0"/>
+              <a:rPr lang="es-ES" smtClean="0"/>
               <a:t> </a:t>
             </a:r>
             <a:r>
-              <a:rPr lang="es-ES" dirty="0" err="1" smtClean="0"/>
+              <a:rPr lang="es-ES" err="1" smtClean="0"/>
               <a:t>banks</a:t>
             </a:r>
             <a:r>
-              <a:rPr lang="es-ES" dirty="0" smtClean="0"/>
+              <a:rPr lang="es-ES" smtClean="0"/>
               <a:t> as </a:t>
             </a:r>
             <a:r>
-              <a:rPr lang="es-ES" dirty="0" err="1" smtClean="0"/>
+              <a:rPr lang="es-ES" err="1" smtClean="0"/>
               <a:t>Linked</a:t>
             </a:r>
             <a:r>
-              <a:rPr lang="es-ES" dirty="0" smtClean="0"/>
+              <a:rPr lang="es-ES" smtClean="0"/>
               <a:t> Data</a:t>
             </a:r>
-            <a:endParaRPr lang="es-ES" dirty="0"/>
+            <a:endParaRPr lang="es-ES"/>
           </a:p>
         </p:txBody>
       </p:sp>
@@ -4339,15 +11133,15 @@
           <a:lstStyle/>
           <a:p>
             <a:r>
-              <a:rPr lang="es-ES" sz="2400" dirty="0" smtClean="0"/>
+              <a:rPr lang="es-ES" sz="2600" b="1" smtClean="0"/>
               <a:t>A novel </a:t>
             </a:r>
             <a:r>
-              <a:rPr lang="es-ES" sz="2400" dirty="0" err="1" smtClean="0"/>
+              <a:rPr lang="es-ES" sz="2600" b="1" err="1" smtClean="0"/>
               <a:t>approach</a:t>
             </a:r>
             <a:r>
-              <a:rPr lang="es-ES" sz="2400" dirty="0" smtClean="0"/>
+              <a:rPr lang="es-ES" sz="2600" b="1" smtClean="0"/>
               <a:t> (2015)</a:t>
             </a:r>
           </a:p>
@@ -4357,175 +11151,175 @@
               <a:buChar char="¾"/>
             </a:pPr>
             <a:r>
-              <a:rPr lang="en-US" sz="1400" b="1" dirty="0" smtClean="0"/>
+              <a:rPr lang="en-US" sz="1400" b="1" smtClean="0"/>
               <a:t>Academic publication</a:t>
             </a:r>
             <a:r>
-              <a:rPr lang="en-US" sz="1400" dirty="0" smtClean="0"/>
+              <a:rPr lang="en-US" sz="1400" smtClean="0"/>
               <a:t>: </a:t>
             </a:r>
             <a:r>
-              <a:rPr lang="es-ES" sz="1400" dirty="0" smtClean="0"/>
+              <a:rPr lang="es-ES" sz="1400" smtClean="0"/>
               <a:t> </a:t>
             </a:r>
             <a:r>
-              <a:rPr lang="es-ES" sz="1400" dirty="0" err="1" smtClean="0"/>
+              <a:rPr lang="es-ES" sz="1400" err="1" smtClean="0"/>
               <a:t>Linked</a:t>
             </a:r>
             <a:r>
-              <a:rPr lang="es-ES" sz="1400" dirty="0" smtClean="0"/>
+              <a:rPr lang="es-ES" sz="1400" smtClean="0"/>
               <a:t> </a:t>
             </a:r>
             <a:r>
-              <a:rPr lang="es-ES" sz="1400" dirty="0" err="1" smtClean="0"/>
+              <a:rPr lang="es-ES" sz="1400" err="1" smtClean="0"/>
               <a:t>Terminology</a:t>
             </a:r>
             <a:r>
-              <a:rPr lang="es-ES" sz="1400" dirty="0" smtClean="0"/>
+              <a:rPr lang="es-ES" sz="1400" smtClean="0"/>
               <a:t>: </a:t>
             </a:r>
             <a:r>
-              <a:rPr lang="es-ES" sz="1400" dirty="0" err="1" smtClean="0"/>
+              <a:rPr lang="es-ES" sz="1400" err="1" smtClean="0"/>
               <a:t>Applying</a:t>
             </a:r>
             <a:r>
-              <a:rPr lang="es-ES" sz="1400" dirty="0" smtClean="0"/>
+              <a:rPr lang="es-ES" sz="1400" smtClean="0"/>
               <a:t> </a:t>
             </a:r>
             <a:r>
-              <a:rPr lang="es-ES" sz="1400" dirty="0" err="1" smtClean="0"/>
+              <a:rPr lang="es-ES" sz="1400" err="1" smtClean="0"/>
               <a:t>Linked</a:t>
             </a:r>
             <a:r>
-              <a:rPr lang="es-ES" sz="1400" dirty="0" smtClean="0"/>
+              <a:rPr lang="es-ES" sz="1400" smtClean="0"/>
               <a:t> Data </a:t>
             </a:r>
             <a:r>
-              <a:rPr lang="es-ES" sz="1400" dirty="0" err="1" smtClean="0"/>
+              <a:rPr lang="es-ES" sz="1400" err="1" smtClean="0"/>
               <a:t>Principles</a:t>
             </a:r>
             <a:r>
-              <a:rPr lang="es-ES" sz="1400" dirty="0" smtClean="0"/>
+              <a:rPr lang="es-ES" sz="1400" smtClean="0"/>
               <a:t> </a:t>
             </a:r>
             <a:r>
-              <a:rPr lang="es-ES" sz="1400" dirty="0" err="1" smtClean="0"/>
+              <a:rPr lang="es-ES" sz="1400" err="1" smtClean="0"/>
               <a:t>to</a:t>
             </a:r>
             <a:r>
-              <a:rPr lang="es-ES" sz="1400" dirty="0" smtClean="0"/>
+              <a:rPr lang="es-ES" sz="1400" smtClean="0"/>
               <a:t> </a:t>
             </a:r>
             <a:r>
-              <a:rPr lang="es-ES" sz="1400" dirty="0" err="1" smtClean="0"/>
+              <a:rPr lang="es-ES" sz="1400" err="1" smtClean="0"/>
               <a:t>Terminological</a:t>
             </a:r>
             <a:r>
-              <a:rPr lang="es-ES" sz="1400" dirty="0" smtClean="0"/>
+              <a:rPr lang="es-ES" sz="1400" smtClean="0"/>
               <a:t> </a:t>
             </a:r>
             <a:r>
-              <a:rPr lang="es-ES" sz="1400" dirty="0" err="1" smtClean="0"/>
+              <a:rPr lang="es-ES" sz="1400" err="1" smtClean="0"/>
               <a:t>Resources</a:t>
             </a:r>
             <a:r>
-              <a:rPr lang="es-ES" sz="1400" dirty="0" smtClean="0"/>
+              <a:rPr lang="es-ES" sz="1400" smtClean="0"/>
               <a:t>, JP. </a:t>
             </a:r>
             <a:r>
-              <a:rPr lang="es-ES" sz="1400" dirty="0" err="1" smtClean="0"/>
+              <a:rPr lang="es-ES" sz="1400" err="1" smtClean="0"/>
               <a:t>Cimiano</a:t>
             </a:r>
             <a:r>
-              <a:rPr lang="es-ES" sz="1400" dirty="0" smtClean="0"/>
+              <a:rPr lang="es-ES" sz="1400" smtClean="0"/>
               <a:t>, J. </a:t>
             </a:r>
             <a:r>
-              <a:rPr lang="es-ES" sz="1400" dirty="0" err="1" smtClean="0"/>
+              <a:rPr lang="es-ES" sz="1400" err="1" smtClean="0"/>
               <a:t>McCrae</a:t>
             </a:r>
             <a:r>
-              <a:rPr lang="es-ES" sz="1400" dirty="0" smtClean="0"/>
+              <a:rPr lang="es-ES" sz="1400" smtClean="0"/>
               <a:t>, V. Rodriguez-Doncel, T. </a:t>
             </a:r>
             <a:r>
-              <a:rPr lang="es-ES" sz="1400" dirty="0" err="1" smtClean="0"/>
+              <a:rPr lang="es-ES" sz="1400" err="1" smtClean="0"/>
               <a:t>Gornostay</a:t>
             </a:r>
             <a:r>
-              <a:rPr lang="es-ES" sz="1400" dirty="0" smtClean="0"/>
+              <a:rPr lang="es-ES" sz="1400" smtClean="0"/>
               <a:t>, A. </a:t>
             </a:r>
             <a:r>
-              <a:rPr lang="es-ES" sz="1400" dirty="0" err="1" smtClean="0"/>
+              <a:rPr lang="es-ES" sz="1400" err="1" smtClean="0"/>
               <a:t>Gomez-Perez</a:t>
             </a:r>
             <a:r>
-              <a:rPr lang="es-ES" sz="1400" dirty="0" smtClean="0"/>
+              <a:rPr lang="es-ES" sz="1400" smtClean="0"/>
               <a:t> and B. </a:t>
             </a:r>
             <a:r>
-              <a:rPr lang="es-ES" sz="1400" dirty="0" err="1" smtClean="0"/>
+              <a:rPr lang="es-ES" sz="1400" err="1" smtClean="0"/>
               <a:t>Simoneit</a:t>
             </a:r>
             <a:r>
-              <a:rPr lang="es-ES" sz="1400" dirty="0" smtClean="0"/>
+              <a:rPr lang="es-ES" sz="1400" smtClean="0"/>
               <a:t> in </a:t>
             </a:r>
             <a:r>
-              <a:rPr lang="es-ES" sz="1400" dirty="0" err="1" smtClean="0"/>
+              <a:rPr lang="es-ES" sz="1400" err="1" smtClean="0"/>
               <a:t>Proc</a:t>
             </a:r>
             <a:r>
-              <a:rPr lang="es-ES" sz="1400" dirty="0" smtClean="0"/>
+              <a:rPr lang="es-ES" sz="1400" smtClean="0"/>
               <a:t>. of </a:t>
             </a:r>
             <a:r>
-              <a:rPr lang="es-ES" sz="1400" dirty="0" err="1" smtClean="0"/>
+              <a:rPr lang="es-ES" sz="1400" err="1" smtClean="0"/>
               <a:t>the</a:t>
             </a:r>
             <a:r>
-              <a:rPr lang="es-ES" sz="1400" dirty="0" smtClean="0"/>
+              <a:rPr lang="es-ES" sz="1400" smtClean="0"/>
               <a:t> 4th </a:t>
             </a:r>
             <a:r>
-              <a:rPr lang="es-ES" sz="1400" dirty="0" err="1" smtClean="0"/>
+              <a:rPr lang="es-ES" sz="1400" err="1" smtClean="0"/>
               <a:t>Biennial</a:t>
             </a:r>
             <a:r>
-              <a:rPr lang="es-ES" sz="1400" dirty="0" smtClean="0"/>
+              <a:rPr lang="es-ES" sz="1400" smtClean="0"/>
               <a:t> </a:t>
             </a:r>
             <a:r>
-              <a:rPr lang="es-ES" sz="1400" dirty="0" err="1" smtClean="0"/>
+              <a:rPr lang="es-ES" sz="1400" err="1" smtClean="0"/>
               <a:t>Conference</a:t>
             </a:r>
             <a:r>
-              <a:rPr lang="es-ES" sz="1400" dirty="0" smtClean="0"/>
+              <a:rPr lang="es-ES" sz="1400" smtClean="0"/>
               <a:t> </a:t>
             </a:r>
             <a:r>
-              <a:rPr lang="es-ES" sz="1400" dirty="0" err="1" smtClean="0"/>
+              <a:rPr lang="es-ES" sz="1400" err="1" smtClean="0"/>
               <a:t>on</a:t>
             </a:r>
             <a:r>
-              <a:rPr lang="es-ES" sz="1400" dirty="0" smtClean="0"/>
+              <a:rPr lang="es-ES" sz="1400" smtClean="0"/>
               <a:t> </a:t>
             </a:r>
             <a:r>
-              <a:rPr lang="es-ES" sz="1400" dirty="0" err="1" smtClean="0"/>
+              <a:rPr lang="es-ES" sz="1400" err="1" smtClean="0"/>
               <a:t>Electronic</a:t>
             </a:r>
             <a:r>
-              <a:rPr lang="es-ES" sz="1400" dirty="0" smtClean="0"/>
+              <a:rPr lang="es-ES" sz="1400" smtClean="0"/>
               <a:t> </a:t>
             </a:r>
             <a:r>
-              <a:rPr lang="es-ES" sz="1400" dirty="0" err="1" smtClean="0"/>
+              <a:rPr lang="es-ES" sz="1400" err="1" smtClean="0"/>
               <a:t>Lexicography</a:t>
             </a:r>
             <a:r>
-              <a:rPr lang="es-ES" sz="1400" dirty="0" smtClean="0"/>
+              <a:rPr lang="es-ES" sz="1400" smtClean="0"/>
               <a:t> (ELEX 2015)</a:t>
             </a:r>
           </a:p>
@@ -4535,34 +11329,22 @@
               <a:buChar char="¾"/>
             </a:pPr>
             <a:r>
-              <a:rPr lang="es-ES" sz="1400" b="1" dirty="0" err="1" smtClean="0"/>
+              <a:rPr lang="es-ES" sz="1400" b="1" err="1" smtClean="0"/>
               <a:t>Guidelines</a:t>
             </a:r>
             <a:r>
-              <a:rPr lang="es-ES" sz="1400" dirty="0" smtClean="0"/>
+              <a:rPr lang="es-ES" sz="1400" smtClean="0"/>
               <a:t>: </a:t>
             </a:r>
             <a:r>
-              <a:rPr lang="en-US" sz="1400" dirty="0" smtClean="0"/>
-              <a:t>Best W3C Practices for Multilingual Linked Open Data </a:t>
-            </a:r>
-            <a:r>
-              <a:rPr lang="en-US" sz="1400" dirty="0" smtClean="0"/>
-              <a:t>Community Group</a:t>
-            </a:r>
-            <a:r>
-              <a:rPr lang="en-US" sz="1400" dirty="0" smtClean="0"/>
-              <a:t>, September 2015. http://www.w3.org/2015/09/bpmlod-reports/multilingual-terminologies</a:t>
-            </a:r>
-            <a:r>
-              <a:rPr lang="en-US" sz="1400" dirty="0" smtClean="0"/>
-              <a:t>/</a:t>
-            </a:r>
-            <a:endParaRPr lang="en-US" sz="1800" dirty="0" smtClean="0"/>
-          </a:p>
-          <a:p>
-            <a:r>
-              <a:rPr lang="en-US" sz="2400" dirty="0" smtClean="0"/>
+              <a:rPr lang="en-US" sz="1400" smtClean="0"/>
+              <a:t>Best W3C Practices for Multilingual Linked Open Data Community Group, September 2015. http://www.w3.org/2015/09/bpmlod-reports/multilingual-terminologies/</a:t>
+            </a:r>
+            <a:endParaRPr lang="en-US" sz="1800" smtClean="0"/>
+          </a:p>
+          <a:p>
+            <a:r>
+              <a:rPr lang="en-US" sz="2600" b="1" smtClean="0"/>
               <a:t>Advantages</a:t>
             </a:r>
           </a:p>
@@ -4572,16 +11354,28 @@
               <a:buChar char="¾"/>
             </a:pPr>
             <a:r>
-              <a:rPr lang="en-US" sz="1400" dirty="0" smtClean="0"/>
+              <a:rPr lang="en-US" sz="1400" smtClean="0"/>
               <a:t>The RDF version of a </a:t>
             </a:r>
             <a:r>
-              <a:rPr lang="en-US" sz="1400" dirty="0" err="1" smtClean="0"/>
+              <a:rPr lang="en-US" sz="1400" err="1" smtClean="0"/>
               <a:t>termbase</a:t>
             </a:r>
             <a:r>
-              <a:rPr lang="en-US" sz="1400" dirty="0" smtClean="0"/>
-              <a:t> is more suitable to be linked to other terminologies.</a:t>
+              <a:rPr lang="en-US" sz="1400" smtClean="0"/>
+              <a:t> is more suitable to be </a:t>
+            </a:r>
+            <a:r>
+              <a:rPr lang="en-US" sz="1400" b="1" u="sng" smtClean="0">
+                <a:solidFill>
+                  <a:srgbClr val="FF0000"/>
+                </a:solidFill>
+              </a:rPr>
+              <a:t>linked</a:t>
+            </a:r>
+            <a:r>
+              <a:rPr lang="en-US" sz="1400" smtClean="0"/>
+              <a:t> to other terminologies.</a:t>
             </a:r>
           </a:p>
           <a:p>
@@ -4590,12 +11384,8 @@
               <a:buChar char="¾"/>
             </a:pPr>
             <a:r>
-              <a:rPr lang="en-US" sz="1400" dirty="0" smtClean="0"/>
-              <a:t>Clear </a:t>
-            </a:r>
-            <a:r>
-              <a:rPr lang="en-US" sz="1400" dirty="0" smtClean="0"/>
-              <a:t>separation and identification of concepts and terms, as data fits a formalized model and every resource is identifiable in a permanent manner. </a:t>
+              <a:rPr lang="en-US" sz="1400" smtClean="0"/>
+              <a:t>Clear separation and identification of concepts and terms, as data fits a formalized model and every resource is identifiable in a permanent manner. </a:t>
             </a:r>
           </a:p>
           <a:p>
@@ -4604,12 +11394,8 @@
               <a:buChar char="¾"/>
             </a:pPr>
             <a:r>
-              <a:rPr lang="en-US" sz="1400" dirty="0" smtClean="0"/>
-              <a:t>Easy </a:t>
-            </a:r>
-            <a:r>
-              <a:rPr lang="en-US" sz="1400" dirty="0" smtClean="0"/>
-              <a:t>browsing from a term in one language to an equivalent term in another language, although this makes only full sense when a preferred term is specified . </a:t>
+              <a:rPr lang="en-US" sz="1400" smtClean="0"/>
+              <a:t>Easy browsing from a term in one language to an equivalent term in another language, although this makes only full sense when a preferred term is specified . </a:t>
             </a:r>
           </a:p>
           <a:p>
@@ -4618,12 +11404,8 @@
               <a:buChar char="¾"/>
             </a:pPr>
             <a:r>
-              <a:rPr lang="en-US" sz="1400" dirty="0" smtClean="0"/>
-              <a:t>Easy </a:t>
-            </a:r>
-            <a:r>
-              <a:rPr lang="en-US" sz="1400" dirty="0" smtClean="0"/>
-              <a:t>browsing among general terms and the jurisdiction-specific terms, as concepts can be hierarchically organized. This clarity helps towards the harmonization of copyright terms in the EU, an explicit goal in the EU copyright roadmap .</a:t>
+              <a:rPr lang="en-US" sz="1400" smtClean="0"/>
+              <a:t>Easy browsing among general terms and the jurisdiction-specific terms, as concepts can be hierarchically organized. This clarity helps towards the harmonization of copyright terms in the EU, an explicit goal in the EU copyright roadmap .</a:t>
             </a:r>
           </a:p>
           <a:p>
@@ -4632,12 +11414,8 @@
               <a:buChar char="¾"/>
             </a:pPr>
             <a:r>
-              <a:rPr lang="en-US" sz="1400" dirty="0" smtClean="0"/>
-              <a:t>Easy </a:t>
-            </a:r>
-            <a:r>
-              <a:rPr lang="en-US" sz="1400" dirty="0" smtClean="0"/>
-              <a:t>comparative analysis, as multiple sources are provided.</a:t>
+              <a:rPr lang="en-US" sz="1400" smtClean="0"/>
+              <a:t>Easy comparative analysis, as multiple sources are provided.</a:t>
             </a:r>
           </a:p>
           <a:p>
@@ -4646,12 +11424,8 @@
               <a:buChar char="¾"/>
             </a:pPr>
             <a:r>
-              <a:rPr lang="en-US" sz="1400" dirty="0" smtClean="0"/>
-              <a:t>Improved </a:t>
-            </a:r>
-            <a:r>
-              <a:rPr lang="en-US" sz="1400" dirty="0" smtClean="0"/>
-              <a:t>discovery and unequivocal identification of concepts and corresponding terms at both European and national levels.</a:t>
+              <a:rPr lang="en-US" sz="1400" smtClean="0"/>
+              <a:t>Improved discovery and unequivocal identification of concepts and corresponding terms at both European and national levels.</a:t>
             </a:r>
           </a:p>
           <a:p>
@@ -4660,12 +11434,8 @@
               <a:buChar char="¾"/>
             </a:pPr>
             <a:r>
-              <a:rPr lang="en-US" sz="1400" dirty="0" smtClean="0"/>
-              <a:t>Better </a:t>
-            </a:r>
-            <a:r>
-              <a:rPr lang="en-US" sz="1400" dirty="0" smtClean="0"/>
-              <a:t>organization of conceptual domain knowledge and its availability of interrelated data sets on the Web in standard formats.</a:t>
+              <a:rPr lang="en-US" sz="1400" smtClean="0"/>
+              <a:t>Better organization of conceptual domain knowledge and its availability of interrelated data sets on the Web in standard formats.</a:t>
             </a:r>
           </a:p>
           <a:p>
@@ -4673,7 +11443,31 @@
               <a:buFont typeface="Symbol" pitchFamily="18" charset="2"/>
               <a:buChar char="¾"/>
             </a:pPr>
-            <a:endParaRPr lang="es-ES" sz="1400" dirty="0" smtClean="0"/>
+            <a:endParaRPr lang="es-ES" sz="1400" smtClean="0"/>
+          </a:p>
+        </p:txBody>
+      </p:sp>
+      <p:sp>
+        <p:nvSpPr>
+          <p:cNvPr id="4" name="3 Marcador de número de diapositiva"/>
+          <p:cNvSpPr>
+            <a:spLocks noGrp="1"/>
+          </p:cNvSpPr>
+          <p:nvPr>
+            <p:ph type="sldNum" sz="quarter" idx="12"/>
+          </p:nvPr>
+        </p:nvSpPr>
+        <p:spPr/>
+        <p:txBody>
+          <a:bodyPr/>
+          <a:lstStyle/>
+          <a:p>
+            <a:fld id="{132FADFE-3B8F-471C-ABF0-DBC7717ECBBC}" type="slidenum">
+              <a:rPr lang="es-ES" smtClean="0"/>
+              <a:pPr/>
+              <a:t>4</a:t>
+            </a:fld>
+            <a:endParaRPr lang="es-ES"/>
           </a:p>
         </p:txBody>
       </p:sp>
@@ -4682,6 +11476,13 @@
   <p:clrMapOvr>
     <a:masterClrMapping/>
   </p:clrMapOvr>
+  <p:timing>
+    <p:tnLst>
+      <p:par>
+        <p:cTn id="1" dur="indefinite" restart="never" nodeType="tmRoot"/>
+      </p:par>
+    </p:tnLst>
+  </p:timing>
 </p:sld>
 </file>
 
@@ -4718,26 +11519,26 @@
           <a:lstStyle/>
           <a:p>
             <a:r>
-              <a:rPr lang="es-ES" dirty="0" err="1" smtClean="0"/>
+              <a:rPr lang="es-ES" err="1" smtClean="0"/>
               <a:t>The</a:t>
             </a:r>
             <a:r>
-              <a:rPr lang="es-ES" dirty="0" smtClean="0"/>
+              <a:rPr lang="es-ES" smtClean="0"/>
               <a:t> </a:t>
             </a:r>
             <a:r>
-              <a:rPr lang="es-ES" dirty="0" err="1" smtClean="0"/>
+              <a:rPr lang="es-ES" err="1" smtClean="0"/>
               <a:t>ontolex-lemon</a:t>
             </a:r>
             <a:r>
-              <a:rPr lang="es-ES" dirty="0" smtClean="0"/>
+              <a:rPr lang="es-ES" smtClean="0"/>
               <a:t> </a:t>
             </a:r>
             <a:r>
-              <a:rPr lang="es-ES" dirty="0" err="1" smtClean="0"/>
+              <a:rPr lang="es-ES" err="1" smtClean="0"/>
               <a:t>model</a:t>
             </a:r>
-            <a:endParaRPr lang="es-ES" dirty="0"/>
+            <a:endParaRPr lang="es-ES"/>
           </a:p>
         </p:txBody>
       </p:sp>
@@ -4799,10 +11600,33 @@
               <a:buChar char="¾"/>
             </a:pPr>
             <a:r>
-              <a:rPr lang="en-US" dirty="0" smtClean="0"/>
+              <a:rPr lang="en-US" smtClean="0"/>
               <a:t>There is a complete and rich model (OWL) supporting the expression of concepts, terms, definitions, lexical forms, etc.</a:t>
             </a:r>
-            <a:endParaRPr lang="en-US" dirty="0" smtClean="0"/>
+          </a:p>
+        </p:txBody>
+      </p:sp>
+      <p:sp>
+        <p:nvSpPr>
+          <p:cNvPr id="6" name="5 Marcador de número de diapositiva"/>
+          <p:cNvSpPr>
+            <a:spLocks noGrp="1"/>
+          </p:cNvSpPr>
+          <p:nvPr>
+            <p:ph type="sldNum" sz="quarter" idx="12"/>
+          </p:nvPr>
+        </p:nvSpPr>
+        <p:spPr/>
+        <p:txBody>
+          <a:bodyPr/>
+          <a:lstStyle/>
+          <a:p>
+            <a:fld id="{132FADFE-3B8F-471C-ABF0-DBC7717ECBBC}" type="slidenum">
+              <a:rPr lang="es-ES" smtClean="0"/>
+              <a:pPr/>
+              <a:t>5</a:t>
+            </a:fld>
+            <a:endParaRPr lang="es-ES"/>
           </a:p>
         </p:txBody>
       </p:sp>
@@ -4811,6 +11635,13 @@
   <p:clrMapOvr>
     <a:masterClrMapping/>
   </p:clrMapOvr>
+  <p:timing>
+    <p:tnLst>
+      <p:par>
+        <p:cTn id="1" dur="indefinite" restart="never" nodeType="tmRoot"/>
+      </p:par>
+    </p:tnLst>
+  </p:timing>
 </p:sld>
 </file>
 
@@ -4846,6 +11677,10 @@
           <a:bodyPr/>
           <a:lstStyle/>
           <a:p>
+            <a:r>
+              <a:rPr lang="es-ES" smtClean="0"/>
+              <a:t>Key elements</a:t>
+            </a:r>
             <a:endParaRPr lang="es-ES"/>
           </a:p>
         </p:txBody>
@@ -4865,15 +11700,97 @@
           <a:bodyPr/>
           <a:lstStyle/>
           <a:p>
-            <a:endParaRPr lang="es-ES"/>
-          </a:p>
-        </p:txBody>
-      </p:sp>
+            <a:r>
+              <a:rPr lang="es-ES" sz="2400" smtClean="0"/>
+              <a:t>Concepts</a:t>
+            </a:r>
+          </a:p>
+          <a:p>
+            <a:r>
+              <a:rPr lang="es-ES" sz="2400" smtClean="0"/>
+              <a:t>Multilingual lexicalizations</a:t>
+            </a:r>
+          </a:p>
+          <a:p>
+            <a:r>
+              <a:rPr lang="es-ES" sz="2400" smtClean="0"/>
+              <a:t>Definitions</a:t>
+            </a:r>
+          </a:p>
+          <a:p>
+            <a:endParaRPr lang="es-ES"/>
+          </a:p>
+        </p:txBody>
+      </p:sp>
+      <p:sp>
+        <p:nvSpPr>
+          <p:cNvPr id="4" name="3 Marcador de número de diapositiva"/>
+          <p:cNvSpPr>
+            <a:spLocks noGrp="1"/>
+          </p:cNvSpPr>
+          <p:nvPr>
+            <p:ph type="sldNum" sz="quarter" idx="12"/>
+          </p:nvPr>
+        </p:nvSpPr>
+        <p:spPr/>
+        <p:txBody>
+          <a:bodyPr/>
+          <a:lstStyle/>
+          <a:p>
+            <a:fld id="{132FADFE-3B8F-471C-ABF0-DBC7717ECBBC}" type="slidenum">
+              <a:rPr lang="es-ES" smtClean="0"/>
+              <a:pPr/>
+              <a:t>6</a:t>
+            </a:fld>
+            <a:endParaRPr lang="es-ES"/>
+          </a:p>
+        </p:txBody>
+      </p:sp>
+      <p:pic>
+        <p:nvPicPr>
+          <p:cNvPr id="18435" name="Picture 3"/>
+          <p:cNvPicPr>
+            <a:picLocks noChangeAspect="1" noChangeArrowheads="1"/>
+          </p:cNvPicPr>
+          <p:nvPr/>
+        </p:nvPicPr>
+        <p:blipFill>
+          <a:blip r:embed="rId3"/>
+          <a:srcRect/>
+          <a:stretch>
+            <a:fillRect/>
+          </a:stretch>
+        </p:blipFill>
+        <p:spPr bwMode="auto">
+          <a:xfrm>
+            <a:off x="3714744" y="2928934"/>
+            <a:ext cx="4816475" cy="3063875"/>
+          </a:xfrm>
+          <a:prstGeom prst="rect">
+            <a:avLst/>
+          </a:prstGeom>
+          <a:noFill/>
+          <a:ln w="9525">
+            <a:noFill/>
+            <a:miter lim="800000"/>
+            <a:headEnd/>
+            <a:tailEnd/>
+          </a:ln>
+          <a:effectLst/>
+        </p:spPr>
+      </p:pic>
     </p:spTree>
   </p:cSld>
   <p:clrMapOvr>
     <a:masterClrMapping/>
   </p:clrMapOvr>
+  <p:timing>
+    <p:tnLst>
+      <p:par>
+        <p:cTn id="1" dur="indefinite" restart="never" nodeType="tmRoot"/>
+      </p:par>
+    </p:tnLst>
+  </p:timing>
 </p:sld>
 </file>
 
@@ -4906,324 +11823,219 @@
         </p:nvSpPr>
         <p:spPr/>
         <p:txBody>
+          <a:bodyPr/>
+          <a:lstStyle/>
+          <a:p>
+            <a:r>
+              <a:rPr lang="es-ES" err="1" smtClean="0"/>
+              <a:t>purpose</a:t>
+            </a:r>
+            <a:r>
+              <a:rPr lang="es-ES" smtClean="0"/>
+              <a:t> / </a:t>
+            </a:r>
+            <a:r>
+              <a:rPr lang="es-ES" err="1" smtClean="0"/>
+              <a:t>experimentation</a:t>
+            </a:r>
+            <a:endParaRPr lang="es-ES"/>
+          </a:p>
+        </p:txBody>
+      </p:sp>
+      <p:sp>
+        <p:nvSpPr>
+          <p:cNvPr id="3" name="2 Marcador de contenido"/>
+          <p:cNvSpPr>
+            <a:spLocks noGrp="1"/>
+          </p:cNvSpPr>
+          <p:nvPr>
+            <p:ph idx="1"/>
+          </p:nvPr>
+        </p:nvSpPr>
+        <p:spPr>
+          <a:xfrm>
+            <a:off x="285720" y="1600200"/>
+            <a:ext cx="8858280" cy="4525963"/>
+          </a:xfrm>
+        </p:spPr>
+        <p:txBody>
           <a:bodyPr>
             <a:normAutofit/>
           </a:bodyPr>
           <a:lstStyle/>
           <a:p>
             <a:r>
-              <a:rPr lang="es-ES" sz="3600" dirty="0" err="1" smtClean="0"/>
-              <a:t>Authorisation</a:t>
-            </a:r>
-            <a:r>
-              <a:rPr lang="es-ES" sz="3600" dirty="0" smtClean="0"/>
+              <a:rPr lang="es-ES" sz="2400" b="1" smtClean="0"/>
+              <a:t>Purpose</a:t>
+            </a:r>
+            <a:r>
+              <a:rPr lang="es-ES" sz="2400" smtClean="0"/>
+              <a:t>. Publish a </a:t>
+            </a:r>
+            <a:r>
+              <a:rPr lang="es-ES" sz="2400" err="1" smtClean="0"/>
+              <a:t>term-bank</a:t>
+            </a:r>
+            <a:r>
+              <a:rPr lang="es-ES" sz="2400" smtClean="0"/>
+              <a:t> for one </a:t>
+            </a:r>
+            <a:r>
+              <a:rPr lang="es-ES" sz="2400" err="1" smtClean="0"/>
+              <a:t>specific</a:t>
+            </a:r>
+            <a:r>
+              <a:rPr lang="es-ES" sz="2400" smtClean="0"/>
               <a:t> </a:t>
             </a:r>
             <a:r>
-              <a:rPr lang="es-ES" sz="3600" dirty="0" err="1" smtClean="0"/>
-              <a:t>to</a:t>
-            </a:r>
-            <a:r>
-              <a:rPr lang="es-ES" sz="3600" dirty="0" smtClean="0"/>
+              <a:rPr lang="es-ES" sz="2400" err="1" smtClean="0"/>
+              <a:t>domain</a:t>
+            </a:r>
+            <a:r>
+              <a:rPr lang="es-ES" sz="2400" smtClean="0"/>
+              <a:t> (copyright) as </a:t>
+            </a:r>
+            <a:r>
+              <a:rPr lang="es-ES" sz="2400" err="1" smtClean="0"/>
+              <a:t>linked</a:t>
+            </a:r>
+            <a:r>
+              <a:rPr lang="es-ES" sz="2400" smtClean="0"/>
+              <a:t> data</a:t>
+            </a:r>
+          </a:p>
+          <a:p>
+            <a:pPr lvl="1"/>
+            <a:r>
+              <a:rPr lang="es-ES" sz="1800" err="1" smtClean="0"/>
+              <a:t>The</a:t>
+            </a:r>
+            <a:r>
+              <a:rPr lang="es-ES" sz="1800" smtClean="0"/>
               <a:t> </a:t>
             </a:r>
             <a:r>
-              <a:rPr lang="es-ES" sz="3600" dirty="0" err="1" smtClean="0"/>
-              <a:t>publish</a:t>
-            </a:r>
-            <a:r>
-              <a:rPr lang="es-ES" sz="3600" dirty="0" smtClean="0"/>
+              <a:rPr lang="es-ES" sz="1800" err="1" smtClean="0"/>
+              <a:t>work</a:t>
+            </a:r>
+            <a:r>
+              <a:rPr lang="es-ES" sz="1800" smtClean="0"/>
               <a:t> </a:t>
             </a:r>
             <a:r>
-              <a:rPr lang="es-ES" sz="3600" dirty="0" err="1" smtClean="0"/>
+              <a:rPr lang="es-ES" sz="1800" err="1" smtClean="0"/>
+              <a:t>is</a:t>
+            </a:r>
+            <a:r>
+              <a:rPr lang="es-ES" sz="1800" smtClean="0"/>
+              <a:t> timely, as the publication of terminologies as linked data is a new advance postulated only in 2015. Some research problems are still open (how to make automatic matching, how to qualify relations, etc.)</a:t>
+            </a:r>
+          </a:p>
+          <a:p>
+            <a:r>
+              <a:rPr lang="es-ES" sz="2400" b="1" smtClean="0"/>
+              <a:t>Experiment.</a:t>
+            </a:r>
+            <a:r>
+              <a:rPr lang="es-ES" sz="2400" smtClean="0"/>
+              <a:t> Populate </a:t>
+            </a:r>
+            <a:r>
+              <a:rPr lang="es-ES" sz="2400" err="1" smtClean="0"/>
               <a:t>the</a:t>
             </a:r>
             <a:r>
-              <a:rPr lang="es-ES" sz="3600" dirty="0" smtClean="0"/>
+              <a:rPr lang="es-ES" sz="2400" smtClean="0"/>
               <a:t> </a:t>
             </a:r>
             <a:r>
-              <a:rPr lang="es-ES" sz="3600" dirty="0" err="1" smtClean="0"/>
-              <a:t>sources</a:t>
-            </a:r>
-            <a:endParaRPr lang="es-ES" sz="3600" dirty="0"/>
-          </a:p>
-        </p:txBody>
-      </p:sp>
-      <p:sp>
-        <p:nvSpPr>
-          <p:cNvPr id="3" name="2 Marcador de contenido"/>
-          <p:cNvSpPr>
-            <a:spLocks noGrp="1"/>
-          </p:cNvSpPr>
-          <p:nvPr>
-            <p:ph idx="1"/>
+              <a:rPr lang="es-ES" sz="2400" err="1" smtClean="0"/>
+              <a:t>term</a:t>
+            </a:r>
+            <a:r>
+              <a:rPr lang="es-ES" sz="2400" smtClean="0"/>
+              <a:t> </a:t>
+            </a:r>
+            <a:r>
+              <a:rPr lang="es-ES" sz="2400" err="1" smtClean="0"/>
+              <a:t>bank</a:t>
+            </a:r>
+            <a:r>
+              <a:rPr lang="es-ES" sz="2400" smtClean="0"/>
+              <a:t> </a:t>
+            </a:r>
+            <a:r>
+              <a:rPr lang="es-ES" sz="2400" err="1" smtClean="0"/>
+              <a:t>with</a:t>
+            </a:r>
+            <a:r>
+              <a:rPr lang="es-ES" sz="2400" smtClean="0"/>
+              <a:t> data </a:t>
+            </a:r>
+            <a:r>
+              <a:rPr lang="es-ES" sz="2400" err="1" smtClean="0"/>
+              <a:t>semi-automatically</a:t>
+            </a:r>
+            <a:r>
+              <a:rPr lang="es-ES" sz="2400" smtClean="0"/>
+              <a:t> </a:t>
+            </a:r>
+            <a:r>
+              <a:rPr lang="es-ES" sz="2400" err="1" smtClean="0"/>
+              <a:t>extracted</a:t>
+            </a:r>
+            <a:r>
+              <a:rPr lang="es-ES" sz="2400" smtClean="0"/>
+              <a:t> </a:t>
+            </a:r>
+            <a:r>
+              <a:rPr lang="es-ES" sz="2400" err="1" smtClean="0"/>
+              <a:t>from</a:t>
+            </a:r>
+            <a:r>
+              <a:rPr lang="es-ES" sz="2400" smtClean="0"/>
+              <a:t> disparate, highly heterogenous sources</a:t>
+            </a:r>
+          </a:p>
+          <a:p>
+            <a:pPr lvl="1"/>
+            <a:r>
+              <a:rPr lang="es-ES" sz="1800" smtClean="0"/>
+              <a:t>In principle, a dubious effort (disparate</a:t>
+            </a:r>
+          </a:p>
+          <a:p>
+            <a:pPr lvl="1"/>
+            <a:r>
+              <a:rPr lang="es-ES" sz="1800" smtClean="0"/>
+              <a:t>By describing the provenance and adding only minimal semantics, a potentially interesting result </a:t>
+            </a:r>
+            <a:endParaRPr lang="es-ES" sz="1800"/>
+          </a:p>
+        </p:txBody>
+      </p:sp>
+      <p:sp>
+        <p:nvSpPr>
+          <p:cNvPr id="4" name="3 Marcador de número de diapositiva"/>
+          <p:cNvSpPr>
+            <a:spLocks noGrp="1"/>
+          </p:cNvSpPr>
+          <p:nvPr>
+            <p:ph type="sldNum" sz="quarter" idx="12"/>
           </p:nvPr>
         </p:nvSpPr>
         <p:spPr/>
         <p:txBody>
-          <a:bodyPr>
-            <a:normAutofit/>
-          </a:bodyPr>
-          <a:lstStyle/>
-          <a:p>
-            <a:r>
-              <a:rPr lang="es-ES" sz="1800" dirty="0" smtClean="0"/>
-              <a:t>WIPO</a:t>
-            </a:r>
-          </a:p>
-          <a:p>
-            <a:pPr>
-              <a:buFont typeface="Symbol" pitchFamily="18" charset="2"/>
-              <a:buChar char=""/>
-            </a:pPr>
-            <a:r>
-              <a:rPr lang="es-ES" sz="1400" dirty="0" smtClean="0"/>
-              <a:t>Content </a:t>
-            </a:r>
-            <a:r>
-              <a:rPr lang="es-ES" sz="1400" dirty="0" err="1" smtClean="0"/>
-              <a:t>offered</a:t>
-            </a:r>
-            <a:r>
-              <a:rPr lang="es-ES" sz="1400" dirty="0" smtClean="0"/>
-              <a:t> </a:t>
-            </a:r>
-            <a:r>
-              <a:rPr lang="es-ES" sz="1400" dirty="0" err="1" smtClean="0"/>
-              <a:t>by</a:t>
-            </a:r>
-            <a:r>
-              <a:rPr lang="es-ES" sz="1400" dirty="0" smtClean="0"/>
-              <a:t> WIPO as </a:t>
-            </a:r>
-            <a:r>
-              <a:rPr lang="es-ES" sz="1400" dirty="0" err="1" smtClean="0"/>
-              <a:t>long</a:t>
-            </a:r>
-            <a:r>
-              <a:rPr lang="es-ES" sz="1400" dirty="0" smtClean="0"/>
-              <a:t> as </a:t>
-            </a:r>
-            <a:r>
-              <a:rPr lang="es-ES" sz="1400" dirty="0" err="1" smtClean="0"/>
-              <a:t>we</a:t>
-            </a:r>
-            <a:r>
-              <a:rPr lang="es-ES" sz="1400" dirty="0" smtClean="0"/>
-              <a:t> </a:t>
-            </a:r>
-            <a:r>
-              <a:rPr lang="es-ES" sz="1400" dirty="0" err="1" smtClean="0"/>
-              <a:t>mention</a:t>
-            </a:r>
-            <a:r>
-              <a:rPr lang="es-ES" sz="1400" dirty="0" smtClean="0"/>
-              <a:t> </a:t>
-            </a:r>
-            <a:r>
-              <a:rPr lang="es-ES" sz="1400" dirty="0" err="1" smtClean="0"/>
-              <a:t>their</a:t>
-            </a:r>
-            <a:r>
-              <a:rPr lang="es-ES" sz="1400" dirty="0" smtClean="0"/>
-              <a:t> </a:t>
-            </a:r>
-            <a:r>
-              <a:rPr lang="es-ES" sz="1400" dirty="0" err="1" smtClean="0"/>
-              <a:t>name</a:t>
-            </a:r>
-            <a:endParaRPr lang="es-ES" sz="1400" dirty="0" smtClean="0"/>
-          </a:p>
-          <a:p>
-            <a:pPr>
-              <a:buFont typeface="Symbol" pitchFamily="18" charset="2"/>
-              <a:buChar char=""/>
-            </a:pPr>
-            <a:r>
-              <a:rPr lang="es-ES" sz="1400" dirty="0" smtClean="0"/>
-              <a:t>“</a:t>
-            </a:r>
-            <a:r>
-              <a:rPr lang="es-ES" sz="1400" i="1" dirty="0" smtClean="0"/>
-              <a:t>Salvo </a:t>
-            </a:r>
-            <a:r>
-              <a:rPr lang="es-ES" sz="1400" i="1" dirty="0" smtClean="0"/>
-              <a:t>indicación en contrario en condiciones específicas de utilización, en particular en lo que atañe a las bases de datos de la OMPI, cualquier persona puede reproducir, distribuir, adaptar, traducir e interpretar en público el contenido de este sitio web sin necesidad de autorización expresa, siempre y cuando el contenido esté acompañado por la mención de la OMPI como fuente y, en su caso, se indique claramente que se ha modificado el contenido original</a:t>
-            </a:r>
-            <a:r>
-              <a:rPr lang="es-ES" sz="1400" dirty="0" smtClean="0"/>
-              <a:t>.”</a:t>
-            </a:r>
-          </a:p>
-          <a:p>
-            <a:r>
-              <a:rPr lang="es-ES" sz="1800" dirty="0" err="1" smtClean="0"/>
-              <a:t>Creative</a:t>
-            </a:r>
-            <a:r>
-              <a:rPr lang="es-ES" sz="1800" dirty="0" smtClean="0"/>
-              <a:t> </a:t>
-            </a:r>
-            <a:r>
-              <a:rPr lang="es-ES" sz="1800" dirty="0" err="1" smtClean="0"/>
-              <a:t>Commons</a:t>
-            </a:r>
-            <a:endParaRPr lang="es-ES" sz="1800" dirty="0" smtClean="0"/>
-          </a:p>
-          <a:p>
-            <a:pPr>
-              <a:buFont typeface="Symbol" pitchFamily="18" charset="2"/>
-              <a:buChar char=""/>
-            </a:pPr>
-            <a:r>
-              <a:rPr lang="en-US" sz="1400" dirty="0" smtClean="0"/>
-              <a:t>Content in the Creative Commons site is offered as CC-BY </a:t>
-            </a:r>
-          </a:p>
-          <a:p>
-            <a:pPr>
-              <a:buFont typeface="Symbol" pitchFamily="18" charset="2"/>
-              <a:buChar char=""/>
-            </a:pPr>
-            <a:r>
-              <a:rPr lang="en-US" sz="1400" dirty="0" smtClean="0"/>
-              <a:t>“</a:t>
-            </a:r>
-            <a:r>
-              <a:rPr lang="en-US" sz="1400" i="1" dirty="0" smtClean="0"/>
-              <a:t>Except </a:t>
-            </a:r>
-            <a:r>
-              <a:rPr lang="en-US" sz="1400" i="1" dirty="0" smtClean="0"/>
-              <a:t>where otherwise noted, content on this site is licensed under a Creative Commons Attribution 4.0 International license</a:t>
-            </a:r>
-            <a:r>
-              <a:rPr lang="en-US" sz="1400" dirty="0" smtClean="0"/>
-              <a:t>.”</a:t>
-            </a:r>
-          </a:p>
-          <a:p>
-            <a:r>
-              <a:rPr lang="en-US" sz="1800" dirty="0" err="1" smtClean="0"/>
-              <a:t>dbpedia</a:t>
-            </a:r>
-            <a:endParaRPr lang="en-US" sz="1800" dirty="0" smtClean="0"/>
-          </a:p>
-          <a:p>
-            <a:pPr>
-              <a:buFont typeface="Symbol" pitchFamily="18" charset="2"/>
-              <a:buChar char=""/>
-            </a:pPr>
-            <a:r>
-              <a:rPr lang="en-US" sz="1400" dirty="0" smtClean="0"/>
-              <a:t>Content extracted from </a:t>
-            </a:r>
-            <a:r>
-              <a:rPr lang="en-US" sz="1400" dirty="0" err="1" smtClean="0"/>
-              <a:t>dbpedia</a:t>
-            </a:r>
-            <a:r>
-              <a:rPr lang="en-US" sz="1400" dirty="0" smtClean="0"/>
-              <a:t> is CC-BY-SA</a:t>
-            </a:r>
-          </a:p>
-          <a:p>
-            <a:pPr>
-              <a:buFont typeface="Symbol" pitchFamily="18" charset="2"/>
-              <a:buChar char=""/>
-            </a:pPr>
-            <a:r>
-              <a:rPr lang="en-US" sz="1400" dirty="0" smtClean="0"/>
-              <a:t>“</a:t>
-            </a:r>
-            <a:r>
-              <a:rPr lang="en-US" sz="1400" i="1" dirty="0" smtClean="0"/>
-              <a:t>This </a:t>
-            </a:r>
-            <a:r>
-              <a:rPr lang="en-US" sz="1400" i="1" dirty="0" smtClean="0"/>
-              <a:t>content was extracted from </a:t>
-            </a:r>
-            <a:r>
-              <a:rPr lang="en-US" sz="1400" i="1" dirty="0" smtClean="0">
-                <a:hlinkClick r:id="rId2"/>
-              </a:rPr>
-              <a:t>Wikipedia</a:t>
-            </a:r>
-            <a:r>
-              <a:rPr lang="en-US" sz="1400" i="1" dirty="0" smtClean="0"/>
-              <a:t> and is licensed under the </a:t>
-            </a:r>
-            <a:r>
-              <a:rPr lang="en-US" sz="1400" i="1" dirty="0" smtClean="0">
-                <a:hlinkClick r:id="rId3"/>
-              </a:rPr>
-              <a:t>Creative Commons Attribution-</a:t>
-            </a:r>
-            <a:r>
-              <a:rPr lang="en-US" sz="1400" i="1" dirty="0" err="1" smtClean="0">
-                <a:hlinkClick r:id="rId3"/>
-              </a:rPr>
-              <a:t>ShareAlike</a:t>
-            </a:r>
-            <a:r>
-              <a:rPr lang="en-US" sz="1400" i="1" dirty="0" smtClean="0">
-                <a:hlinkClick r:id="rId3"/>
-              </a:rPr>
-              <a:t> 3.0 </a:t>
-            </a:r>
-            <a:r>
-              <a:rPr lang="en-US" sz="1400" i="1" dirty="0" err="1" smtClean="0">
-                <a:hlinkClick r:id="rId3"/>
-              </a:rPr>
-              <a:t>Unported</a:t>
-            </a:r>
-            <a:r>
-              <a:rPr lang="en-US" sz="1400" i="1" dirty="0" smtClean="0">
-                <a:hlinkClick r:id="rId3"/>
-              </a:rPr>
-              <a:t> </a:t>
-            </a:r>
-            <a:r>
-              <a:rPr lang="en-US" sz="1400" i="1" dirty="0" smtClean="0">
-                <a:hlinkClick r:id="rId3"/>
-              </a:rPr>
-              <a:t>License</a:t>
-            </a:r>
-            <a:r>
-              <a:rPr lang="en-US" sz="1400" dirty="0" smtClean="0"/>
-              <a:t>”</a:t>
-            </a:r>
-          </a:p>
-          <a:p>
-            <a:r>
-              <a:rPr lang="en-US" sz="1800" dirty="0" smtClean="0"/>
-              <a:t>Etc</a:t>
-            </a:r>
-            <a:r>
-              <a:rPr lang="en-US" sz="1800" dirty="0" smtClean="0"/>
-              <a:t>…</a:t>
-            </a:r>
-          </a:p>
-          <a:p>
-            <a:pPr>
-              <a:buFont typeface="Symbol" pitchFamily="18" charset="2"/>
-              <a:buChar char=""/>
-            </a:pPr>
-            <a:r>
-              <a:rPr lang="en-US" sz="1400" dirty="0" smtClean="0"/>
-              <a:t>Similar conditions for the other sources….</a:t>
-            </a:r>
-          </a:p>
-          <a:p>
-            <a:pPr>
-              <a:buFont typeface="Symbol" pitchFamily="18" charset="2"/>
-              <a:buChar char=""/>
-            </a:pPr>
-            <a:endParaRPr lang="es-ES" sz="1400" dirty="0"/>
+          <a:bodyPr/>
+          <a:lstStyle/>
+          <a:p>
+            <a:fld id="{132FADFE-3B8F-471C-ABF0-DBC7717ECBBC}" type="slidenum">
+              <a:rPr lang="es-ES" smtClean="0"/>
+              <a:pPr/>
+              <a:t>7</a:t>
+            </a:fld>
+            <a:endParaRPr lang="es-ES"/>
           </a:p>
         </p:txBody>
       </p:sp>
@@ -5232,6 +12044,13 @@
   <p:clrMapOvr>
     <a:masterClrMapping/>
   </p:clrMapOvr>
+  <p:timing>
+    <p:tnLst>
+      <p:par>
+        <p:cTn id="1" dur="indefinite" restart="never" nodeType="tmRoot"/>
+      </p:par>
+    </p:tnLst>
+  </p:timing>
 </p:sld>
 </file>
 
@@ -5267,6 +12086,10 @@
           <a:bodyPr/>
           <a:lstStyle/>
           <a:p>
+            <a:r>
+              <a:rPr lang="es-ES" smtClean="0"/>
+              <a:t>Scope</a:t>
+            </a:r>
             <a:endParaRPr lang="es-ES"/>
           </a:p>
         </p:txBody>
@@ -5283,39 +12106,123 @@
         </p:nvSpPr>
         <p:spPr/>
         <p:txBody>
+          <a:bodyPr>
+            <a:normAutofit/>
+          </a:bodyPr>
+          <a:lstStyle/>
+          <a:p>
+            <a:r>
+              <a:rPr lang="es-ES" sz="2400" smtClean="0"/>
+              <a:t>Scope is limited enough as to be supervised</a:t>
+            </a:r>
+          </a:p>
+          <a:p>
+            <a:pPr lvl="1"/>
+            <a:r>
+              <a:rPr lang="es-ES" sz="2000" smtClean="0"/>
+              <a:t>Copyright glossaries define some </a:t>
+            </a:r>
+            <a:r>
+              <a:rPr lang="es-ES" sz="2000" i="1" smtClean="0"/>
+              <a:t>dozens </a:t>
+            </a:r>
+            <a:r>
+              <a:rPr lang="es-ES" sz="2000" smtClean="0"/>
+              <a:t>of definitions</a:t>
+            </a:r>
+          </a:p>
+          <a:p>
+            <a:pPr lvl="1"/>
+            <a:r>
+              <a:rPr lang="es-ES" sz="2000" smtClean="0"/>
+              <a:t>Treaties and laws on copyright are manageable, comprising also some </a:t>
+            </a:r>
+            <a:r>
+              <a:rPr lang="es-ES" sz="2000" i="1" smtClean="0"/>
+              <a:t>dozens </a:t>
+            </a:r>
+            <a:r>
+              <a:rPr lang="es-ES" sz="2000" smtClean="0"/>
+              <a:t>of printed pages</a:t>
+            </a:r>
+          </a:p>
+          <a:p>
+            <a:pPr lvl="1">
+              <a:buNone/>
+            </a:pPr>
+            <a:r>
+              <a:rPr lang="es-ES" sz="2000" smtClean="0">
+                <a:sym typeface="Wingdings" pitchFamily="2" charset="2"/>
+              </a:rPr>
+              <a:t> They can be supervised by a human with assumable effort</a:t>
+            </a:r>
+          </a:p>
+          <a:p>
+            <a:pPr marL="342900" lvl="1" indent="-342900">
+              <a:buFont typeface="Arial" pitchFamily="34" charset="0"/>
+              <a:buChar char="•"/>
+            </a:pPr>
+            <a:r>
+              <a:rPr lang="es-ES" sz="2400" smtClean="0">
+                <a:sym typeface="Wingdings" pitchFamily="2" charset="2"/>
+              </a:rPr>
+              <a:t>Scope is limited to a few jurisdictions / laws</a:t>
+            </a:r>
+          </a:p>
+          <a:p>
+            <a:pPr lvl="1"/>
+            <a:r>
+              <a:rPr lang="es-ES" sz="2000" smtClean="0">
+                <a:sym typeface="Wingdings" pitchFamily="2" charset="2"/>
+              </a:rPr>
+              <a:t>Useful for having covered territories with high activity wrt copyright (US, Australia, etc.)</a:t>
+            </a:r>
+          </a:p>
+          <a:p>
+            <a:pPr lvl="1"/>
+            <a:r>
+              <a:rPr lang="es-ES" sz="2000" smtClean="0">
+                <a:sym typeface="Wingdings" pitchFamily="2" charset="2"/>
+              </a:rPr>
+              <a:t>Enough as to test the validity of the effort</a:t>
+            </a:r>
+          </a:p>
+          <a:p>
+            <a:pPr lvl="1"/>
+            <a:r>
+              <a:rPr lang="es-ES" sz="2000" smtClean="0">
+                <a:sym typeface="Wingdings" pitchFamily="2" charset="2"/>
+              </a:rPr>
+              <a:t>Special attention deserved to jurisdictions with several co-official languages (Canada,  Belgium, Switzerland, Spain)</a:t>
+            </a:r>
+          </a:p>
+          <a:p>
+            <a:pPr lvl="1"/>
+            <a:endParaRPr lang="es-ES" sz="2000" smtClean="0"/>
+          </a:p>
+        </p:txBody>
+      </p:sp>
+      <p:sp>
+        <p:nvSpPr>
+          <p:cNvPr id="4" name="3 Marcador de número de diapositiva"/>
+          <p:cNvSpPr>
+            <a:spLocks noGrp="1"/>
+          </p:cNvSpPr>
+          <p:nvPr>
+            <p:ph type="sldNum" sz="quarter" idx="12"/>
+          </p:nvPr>
+        </p:nvSpPr>
+        <p:spPr/>
+        <p:txBody>
           <a:bodyPr/>
           <a:lstStyle/>
           <a:p>
-            <a:endParaRPr lang="es-ES"/>
-          </a:p>
-        </p:txBody>
-      </p:sp>
-      <p:sp>
-        <p:nvSpPr>
-          <p:cNvPr id="4" name="3 Rectángulo"/>
-          <p:cNvSpPr/>
-          <p:nvPr/>
-        </p:nvSpPr>
-        <p:spPr>
-          <a:xfrm>
-            <a:off x="2286000" y="3105835"/>
-            <a:ext cx="4572000" cy="646331"/>
-          </a:xfrm>
-          <a:prstGeom prst="rect">
-            <a:avLst/>
-          </a:prstGeom>
-        </p:spPr>
-        <p:txBody>
-          <a:bodyPr>
-            <a:spAutoFit/>
-          </a:bodyPr>
-          <a:lstStyle/>
-          <a:p>
-            <a:r>
-              <a:rPr lang="en-US" dirty="0" smtClean="0"/>
-              <a:t>ISO 25964 "Thesauri and interoperability with other vocabularies"</a:t>
-            </a:r>
-            <a:endParaRPr lang="es-ES" dirty="0"/>
+            <a:fld id="{132FADFE-3B8F-471C-ABF0-DBC7717ECBBC}" type="slidenum">
+              <a:rPr lang="es-ES" smtClean="0"/>
+              <a:pPr/>
+              <a:t>8</a:t>
+            </a:fld>
+            <a:endParaRPr lang="es-ES"/>
           </a:p>
         </p:txBody>
       </p:sp>
@@ -5324,6 +12231,168 @@
   <p:clrMapOvr>
     <a:masterClrMapping/>
   </p:clrMapOvr>
+  <p:timing>
+    <p:tnLst>
+      <p:par>
+        <p:cTn id="1" dur="indefinite" restart="never" nodeType="tmRoot"/>
+      </p:par>
+    </p:tnLst>
+  </p:timing>
+</p:sld>
+</file>
+
+<file path=ppt/slides/slide9.xml><?xml version="1.0" encoding="utf-8"?>
+<p:sld xmlns:a="http://schemas.openxmlformats.org/drawingml/2006/main" xmlns:r="http://schemas.openxmlformats.org/officeDocument/2006/relationships" xmlns:p="http://schemas.openxmlformats.org/presentationml/2006/main">
+  <p:cSld>
+    <p:spTree>
+      <p:nvGrpSpPr>
+        <p:cNvPr id="1" name=""/>
+        <p:cNvGrpSpPr/>
+        <p:nvPr/>
+      </p:nvGrpSpPr>
+      <p:grpSpPr>
+        <a:xfrm>
+          <a:off x="0" y="0"/>
+          <a:ext cx="0" cy="0"/>
+          <a:chOff x="0" y="0"/>
+          <a:chExt cx="0" cy="0"/>
+        </a:xfrm>
+      </p:grpSpPr>
+      <p:sp>
+        <p:nvSpPr>
+          <p:cNvPr id="2" name="1 Título"/>
+          <p:cNvSpPr>
+            <a:spLocks noGrp="1"/>
+          </p:cNvSpPr>
+          <p:nvPr>
+            <p:ph type="title"/>
+          </p:nvPr>
+        </p:nvSpPr>
+        <p:spPr/>
+        <p:txBody>
+          <a:bodyPr/>
+          <a:lstStyle/>
+          <a:p>
+            <a:r>
+              <a:rPr lang="es-ES" smtClean="0"/>
+              <a:t>Sources</a:t>
+            </a:r>
+            <a:endParaRPr lang="es-ES"/>
+          </a:p>
+        </p:txBody>
+      </p:sp>
+      <p:sp>
+        <p:nvSpPr>
+          <p:cNvPr id="3" name="2 Marcador de contenido"/>
+          <p:cNvSpPr>
+            <a:spLocks noGrp="1"/>
+          </p:cNvSpPr>
+          <p:nvPr>
+            <p:ph idx="1"/>
+          </p:nvPr>
+        </p:nvSpPr>
+        <p:spPr/>
+        <p:txBody>
+          <a:bodyPr/>
+          <a:lstStyle/>
+          <a:p>
+            <a:r>
+              <a:rPr lang="es-ES" sz="2400" smtClean="0"/>
+              <a:t>Sources for general concepts</a:t>
+            </a:r>
+          </a:p>
+          <a:p>
+            <a:pPr lvl="1"/>
+            <a:r>
+              <a:rPr lang="es-ES" sz="1800" smtClean="0"/>
+              <a:t>WIPO (World Intellectual Property Organization). UN agency maintaining treaties almost-universally agreed. Official treaties and other publications (glossaries)</a:t>
+            </a:r>
+          </a:p>
+          <a:p>
+            <a:r>
+              <a:rPr lang="es-ES" sz="2200" smtClean="0"/>
+              <a:t>Some national laws</a:t>
+            </a:r>
+          </a:p>
+          <a:p>
+            <a:pPr lvl="1"/>
+            <a:r>
+              <a:rPr lang="es-ES" sz="1800" smtClean="0"/>
+              <a:t>UK, US and Canadian Copyright Acts have been considered</a:t>
+            </a:r>
+          </a:p>
+          <a:p>
+            <a:pPr lvl="1"/>
+            <a:r>
+              <a:rPr lang="es-ES" sz="1800" smtClean="0"/>
+              <a:t>Spanish LPI has been considered</a:t>
+            </a:r>
+          </a:p>
+          <a:p>
+            <a:r>
+              <a:rPr lang="es-ES" sz="2200" smtClean="0"/>
+              <a:t>IATE term bank</a:t>
+            </a:r>
+          </a:p>
+          <a:p>
+            <a:pPr lvl="1"/>
+            <a:r>
+              <a:rPr lang="es-ES" sz="1800" smtClean="0"/>
+              <a:t>The Inter-Active Terminology for Europe </a:t>
+            </a:r>
+          </a:p>
+          <a:p>
+            <a:r>
+              <a:rPr lang="es-ES" sz="2200" smtClean="0"/>
+              <a:t>Some Creative Common licenses</a:t>
+            </a:r>
+          </a:p>
+          <a:p>
+            <a:pPr lvl="1"/>
+            <a:r>
+              <a:rPr lang="es-ES" sz="1800" smtClean="0"/>
+              <a:t>Relevant because they have been ported to the different jurisdictions by qualified translators (localization has been made)</a:t>
+            </a:r>
+            <a:endParaRPr lang="es-ES" sz="1800"/>
+          </a:p>
+        </p:txBody>
+      </p:sp>
+      <p:sp>
+        <p:nvSpPr>
+          <p:cNvPr id="4" name="3 Marcador de número de diapositiva"/>
+          <p:cNvSpPr>
+            <a:spLocks noGrp="1"/>
+          </p:cNvSpPr>
+          <p:nvPr>
+            <p:ph type="sldNum" sz="quarter" idx="12"/>
+          </p:nvPr>
+        </p:nvSpPr>
+        <p:spPr/>
+        <p:txBody>
+          <a:bodyPr/>
+          <a:lstStyle/>
+          <a:p>
+            <a:fld id="{132FADFE-3B8F-471C-ABF0-DBC7717ECBBC}" type="slidenum">
+              <a:rPr lang="es-ES" smtClean="0"/>
+              <a:pPr/>
+              <a:t>9</a:t>
+            </a:fld>
+            <a:endParaRPr lang="es-ES"/>
+          </a:p>
+        </p:txBody>
+      </p:sp>
+    </p:spTree>
+  </p:cSld>
+  <p:clrMapOvr>
+    <a:masterClrMapping/>
+  </p:clrMapOvr>
+  <p:timing>
+    <p:tnLst>
+      <p:par>
+        <p:cTn id="1" dur="indefinite" restart="never" nodeType="tmRoot"/>
+      </p:par>
+    </p:tnLst>
+  </p:timing>
 </p:sld>
 </file>
 
